--- a/Effects of Sugar Consumption (1).pptx
+++ b/Effects of Sugar Consumption (1).pptx
@@ -6796,7 +6796,7 @@
         </p:nvSpPr>
         <p:spPr>
           <a:xfrm>
-            <a:off x="4821030" y="3096918"/>
+            <a:off x="4821030" y="3315962"/>
             <a:ext cx="7537704" cy="1229306"/>
           </a:xfrm>
         </p:spPr>

--- a/Effects of Sugar Consumption (1).pptx
+++ b/Effects of Sugar Consumption (1).pptx
@@ -5,7 +5,7 @@
     <p:sldMasterId id="2147483768" r:id="rId1"/>
   </p:sldMasterIdLst>
   <p:notesMasterIdLst>
-    <p:notesMasterId r:id="rId20"/>
+    <p:notesMasterId r:id="rId21"/>
   </p:notesMasterIdLst>
   <p:sldIdLst>
     <p:sldId id="256" r:id="rId2"/>
@@ -14,18 +14,19 @@
     <p:sldId id="287" r:id="rId5"/>
     <p:sldId id="294" r:id="rId6"/>
     <p:sldId id="288" r:id="rId7"/>
-    <p:sldId id="286" r:id="rId8"/>
-    <p:sldId id="277" r:id="rId9"/>
-    <p:sldId id="268" r:id="rId10"/>
-    <p:sldId id="279" r:id="rId11"/>
-    <p:sldId id="269" r:id="rId12"/>
-    <p:sldId id="270" r:id="rId13"/>
-    <p:sldId id="271" r:id="rId14"/>
-    <p:sldId id="267" r:id="rId15"/>
-    <p:sldId id="290" r:id="rId16"/>
-    <p:sldId id="291" r:id="rId17"/>
-    <p:sldId id="295" r:id="rId18"/>
-    <p:sldId id="292" r:id="rId19"/>
+    <p:sldId id="293" r:id="rId8"/>
+    <p:sldId id="286" r:id="rId9"/>
+    <p:sldId id="277" r:id="rId10"/>
+    <p:sldId id="268" r:id="rId11"/>
+    <p:sldId id="279" r:id="rId12"/>
+    <p:sldId id="269" r:id="rId13"/>
+    <p:sldId id="270" r:id="rId14"/>
+    <p:sldId id="271" r:id="rId15"/>
+    <p:sldId id="267" r:id="rId16"/>
+    <p:sldId id="290" r:id="rId17"/>
+    <p:sldId id="291" r:id="rId18"/>
+    <p:sldId id="295" r:id="rId19"/>
+    <p:sldId id="292" r:id="rId20"/>
   </p:sldIdLst>
   <p:sldSz cx="12192000" cy="6858000"/>
   <p:notesSz cx="6858000" cy="9144000"/>
@@ -613,7 +614,43 @@
           <a:bodyPr/>
           <a:lstStyle/>
           <a:p>
+            <a:r>
+              <a:rPr lang="en-CA" dirty="0"/>
+              <a:t>-World Average – fluctuates between 81 g– 84 g from 2004 – 2013.</a:t>
+            </a:r>
+          </a:p>
+          <a:p>
+            <a:r>
+              <a:rPr lang="en-CA" dirty="0"/>
+              <a:t>-Canada Average – 149 g– 132g (small reduction of sugar intake from 2004 – 2013). Still well above the global average. </a:t>
+            </a:r>
+          </a:p>
+          <a:p>
             <a:endParaRPr lang="en-CA" dirty="0"/>
+          </a:p>
+          <a:p>
+            <a:r>
+              <a:rPr lang="en-CA" dirty="0"/>
+              <a:t>FYI:</a:t>
+            </a:r>
+          </a:p>
+          <a:p>
+            <a:r>
+              <a:rPr lang="en-CA" dirty="0"/>
+              <a:t>-Malta – 150 g to 170 g</a:t>
+            </a:r>
+          </a:p>
+          <a:p>
+            <a:r>
+              <a:rPr lang="en-CA" dirty="0"/>
+              <a:t>-Switzerland – 160 g to 166 g</a:t>
+            </a:r>
+          </a:p>
+          <a:p>
+            <a:r>
+              <a:rPr lang="en-CA" dirty="0"/>
+              <a:t>-United States – 194 g to 175 g (similar trend to Canada, still highest intake). </a:t>
+            </a:r>
           </a:p>
         </p:txBody>
       </p:sp>
@@ -643,7 +680,7 @@
     </p:spTree>
     <p:extLst>
       <p:ext uri="{BB962C8B-B14F-4D97-AF65-F5344CB8AC3E}">
-        <p14:creationId xmlns:p14="http://schemas.microsoft.com/office/powerpoint/2010/main" val="4097402806"/>
+        <p14:creationId xmlns:p14="http://schemas.microsoft.com/office/powerpoint/2010/main" val="3669905146"/>
       </p:ext>
     </p:extLst>
   </p:cSld>
@@ -727,7 +764,7 @@
     </p:spTree>
     <p:extLst>
       <p:ext uri="{BB962C8B-B14F-4D97-AF65-F5344CB8AC3E}">
-        <p14:creationId xmlns:p14="http://schemas.microsoft.com/office/powerpoint/2010/main" val="1661738706"/>
+        <p14:creationId xmlns:p14="http://schemas.microsoft.com/office/powerpoint/2010/main" val="4097402806"/>
       </p:ext>
     </p:extLst>
   </p:cSld>
@@ -811,7 +848,7 @@
     </p:spTree>
     <p:extLst>
       <p:ext uri="{BB962C8B-B14F-4D97-AF65-F5344CB8AC3E}">
-        <p14:creationId xmlns:p14="http://schemas.microsoft.com/office/powerpoint/2010/main" val="1362587745"/>
+        <p14:creationId xmlns:p14="http://schemas.microsoft.com/office/powerpoint/2010/main" val="1661738706"/>
       </p:ext>
     </p:extLst>
   </p:cSld>
@@ -865,19 +902,6 @@
           <a:bodyPr/>
           <a:lstStyle/>
           <a:p>
-            <a:r>
-              <a:rPr lang="en-US" dirty="0"/>
-              <a:t>Soda size = 1 can </a:t>
-            </a:r>
-          </a:p>
-          <a:p>
-            <a:endParaRPr lang="en-US" dirty="0"/>
-          </a:p>
-          <a:p>
-            <a:r>
-              <a:rPr lang="en-US" dirty="0"/>
-              <a:t>Soda has the highest sugar content of X grams.</a:t>
-            </a:r>
             <a:endParaRPr lang="en-CA" dirty="0"/>
           </a:p>
         </p:txBody>
@@ -908,7 +932,7 @@
     </p:spTree>
     <p:extLst>
       <p:ext uri="{BB962C8B-B14F-4D97-AF65-F5344CB8AC3E}">
-        <p14:creationId xmlns:p14="http://schemas.microsoft.com/office/powerpoint/2010/main" val="4044454483"/>
+        <p14:creationId xmlns:p14="http://schemas.microsoft.com/office/powerpoint/2010/main" val="1362587745"/>
       </p:ext>
     </p:extLst>
   </p:cSld>
@@ -962,104 +986,19 @@
           <a:bodyPr/>
           <a:lstStyle/>
           <a:p>
-            <a:pPr lvl="1">
-              <a:lnSpc>
-                <a:spcPct val="110000"/>
-              </a:lnSpc>
-              <a:spcBef>
-                <a:spcPts val="0"/>
-              </a:spcBef>
-              <a:spcAft>
-                <a:spcPts val="600"/>
-              </a:spcAft>
-              <a:buFont typeface="Arial" panose="020B0604020202020204" pitchFamily="34" charset="0"/>
-              <a:buNone/>
-            </a:pPr>
-            <a:r>
-              <a:rPr lang="en-US" sz="1800" dirty="0"/>
-              <a:t>-     Change in accessibility to foods globally. Increase in globalization and world trade.</a:t>
-            </a:r>
-          </a:p>
-          <a:p>
-            <a:pPr marL="742950" marR="0" lvl="1" indent="-285750" algn="l" defTabSz="914400" rtl="0" eaLnBrk="1" fontAlgn="auto" latinLnBrk="0" hangingPunct="1">
-              <a:lnSpc>
-                <a:spcPct val="110000"/>
-              </a:lnSpc>
-              <a:spcBef>
-                <a:spcPts val="0"/>
-              </a:spcBef>
-              <a:spcAft>
-                <a:spcPts val="600"/>
-              </a:spcAft>
-              <a:buClrTx/>
-              <a:buSzTx/>
-              <a:buFontTx/>
-              <a:buChar char="-"/>
-              <a:tabLst/>
-              <a:defRPr/>
-            </a:pPr>
-            <a:r>
-              <a:rPr lang="en-US" sz="1800" dirty="0"/>
-              <a:t>Unhealthy items are lower priced than healthy/organic products.</a:t>
-            </a:r>
-          </a:p>
-          <a:p>
-            <a:pPr marL="742950" marR="0" lvl="1" indent="-285750" algn="l" defTabSz="914400" rtl="0" eaLnBrk="1" fontAlgn="auto" latinLnBrk="0" hangingPunct="1">
-              <a:lnSpc>
-                <a:spcPct val="110000"/>
-              </a:lnSpc>
-              <a:spcBef>
-                <a:spcPts val="0"/>
-              </a:spcBef>
-              <a:spcAft>
-                <a:spcPts val="600"/>
-              </a:spcAft>
-              <a:buClrTx/>
-              <a:buSzTx/>
-              <a:buFontTx/>
-              <a:buChar char="-"/>
-              <a:tabLst/>
-              <a:defRPr/>
-            </a:pPr>
-            <a:r>
-              <a:rPr lang="en-US" sz="1800" dirty="0"/>
-              <a:t>Households with higher income can afford to eat out and indulge more.</a:t>
-            </a:r>
-          </a:p>
-          <a:p>
-            <a:pPr lvl="1">
-              <a:lnSpc>
-                <a:spcPct val="110000"/>
-              </a:lnSpc>
-              <a:spcBef>
-                <a:spcPts val="0"/>
-              </a:spcBef>
-              <a:spcAft>
-                <a:spcPts val="600"/>
-              </a:spcAft>
-              <a:buFont typeface="Arial" panose="020B0604020202020204" pitchFamily="34" charset="0"/>
-              <a:buChar char="•"/>
-            </a:pPr>
-            <a:endParaRPr lang="en-US" sz="1800" dirty="0"/>
-          </a:p>
-          <a:p>
-            <a:pPr marL="0" marR="0" lvl="0" indent="0" algn="l" defTabSz="914400" rtl="0" eaLnBrk="1" fontAlgn="auto" latinLnBrk="0" hangingPunct="1">
-              <a:lnSpc>
-                <a:spcPct val="100000"/>
-              </a:lnSpc>
-              <a:spcBef>
-                <a:spcPts val="0"/>
-              </a:spcBef>
-              <a:spcAft>
-                <a:spcPts val="0"/>
-              </a:spcAft>
-              <a:buClrTx/>
-              <a:buSzTx/>
-              <a:buFontTx/>
-              <a:buNone/>
-              <a:tabLst/>
-              <a:defRPr/>
-            </a:pPr>
+            <a:r>
+              <a:rPr lang="en-US" dirty="0"/>
+              <a:t>Soda size = 1 can </a:t>
+            </a:r>
+          </a:p>
+          <a:p>
+            <a:endParaRPr lang="en-US" dirty="0"/>
+          </a:p>
+          <a:p>
+            <a:r>
+              <a:rPr lang="en-US" dirty="0"/>
+              <a:t>Soda has the highest sugar content of X grams.</a:t>
+            </a:r>
             <a:endParaRPr lang="en-CA" dirty="0"/>
           </a:p>
         </p:txBody>
@@ -1090,7 +1029,7 @@
     </p:spTree>
     <p:extLst>
       <p:ext uri="{BB962C8B-B14F-4D97-AF65-F5344CB8AC3E}">
-        <p14:creationId xmlns:p14="http://schemas.microsoft.com/office/powerpoint/2010/main" val="267783443"/>
+        <p14:creationId xmlns:p14="http://schemas.microsoft.com/office/powerpoint/2010/main" val="4044454483"/>
       </p:ext>
     </p:extLst>
   </p:cSld>
@@ -1144,6 +1083,87 @@
           <a:bodyPr/>
           <a:lstStyle/>
           <a:p>
+            <a:pPr lvl="1">
+              <a:lnSpc>
+                <a:spcPct val="110000"/>
+              </a:lnSpc>
+              <a:spcBef>
+                <a:spcPts val="0"/>
+              </a:spcBef>
+              <a:spcAft>
+                <a:spcPts val="600"/>
+              </a:spcAft>
+              <a:buFont typeface="Arial" panose="020B0604020202020204" pitchFamily="34" charset="0"/>
+              <a:buNone/>
+            </a:pPr>
+            <a:r>
+              <a:rPr lang="en-US" sz="1800" dirty="0"/>
+              <a:t>-     Change in accessibility to foods globally. Increase in globalization and world trade.</a:t>
+            </a:r>
+          </a:p>
+          <a:p>
+            <a:pPr marL="742950" marR="0" lvl="1" indent="-285750" algn="l" defTabSz="914400" rtl="0" eaLnBrk="1" fontAlgn="auto" latinLnBrk="0" hangingPunct="1">
+              <a:lnSpc>
+                <a:spcPct val="110000"/>
+              </a:lnSpc>
+              <a:spcBef>
+                <a:spcPts val="0"/>
+              </a:spcBef>
+              <a:spcAft>
+                <a:spcPts val="600"/>
+              </a:spcAft>
+              <a:buClrTx/>
+              <a:buSzTx/>
+              <a:buFontTx/>
+              <a:buChar char="-"/>
+              <a:tabLst/>
+              <a:defRPr/>
+            </a:pPr>
+            <a:r>
+              <a:rPr lang="en-US" sz="1800" dirty="0"/>
+              <a:t>Unhealthy items are lower priced than healthy/organic products.</a:t>
+            </a:r>
+          </a:p>
+          <a:p>
+            <a:pPr marL="742950" marR="0" lvl="1" indent="-285750" algn="l" defTabSz="914400" rtl="0" eaLnBrk="1" fontAlgn="auto" latinLnBrk="0" hangingPunct="1">
+              <a:lnSpc>
+                <a:spcPct val="110000"/>
+              </a:lnSpc>
+              <a:spcBef>
+                <a:spcPts val="0"/>
+              </a:spcBef>
+              <a:spcAft>
+                <a:spcPts val="600"/>
+              </a:spcAft>
+              <a:buClrTx/>
+              <a:buSzTx/>
+              <a:buFontTx/>
+              <a:buChar char="-"/>
+              <a:tabLst/>
+              <a:defRPr/>
+            </a:pPr>
+            <a:r>
+              <a:rPr lang="en-US" sz="1800" dirty="0"/>
+              <a:t>Households with higher income can afford to eat out and indulge more.</a:t>
+            </a:r>
+          </a:p>
+          <a:p>
+            <a:pPr lvl="1">
+              <a:lnSpc>
+                <a:spcPct val="110000"/>
+              </a:lnSpc>
+              <a:spcBef>
+                <a:spcPts val="0"/>
+              </a:spcBef>
+              <a:spcAft>
+                <a:spcPts val="600"/>
+              </a:spcAft>
+              <a:buFont typeface="Arial" panose="020B0604020202020204" pitchFamily="34" charset="0"/>
+              <a:buChar char="•"/>
+            </a:pPr>
+            <a:endParaRPr lang="en-US" sz="1800" dirty="0"/>
+          </a:p>
+          <a:p>
             <a:pPr marL="0" marR="0" lvl="0" indent="0" algn="l" defTabSz="914400" rtl="0" eaLnBrk="1" fontAlgn="auto" latinLnBrk="0" hangingPunct="1">
               <a:lnSpc>
                 <a:spcPct val="100000"/>
@@ -1161,184 +1181,6 @@
               <a:tabLst/>
               <a:defRPr/>
             </a:pPr>
-            <a:r>
-              <a:rPr lang="en-US" dirty="0"/>
-              <a:t>Difficulties – API </a:t>
-            </a:r>
-            <a:r>
-              <a:rPr lang="en-US" dirty="0">
-                <a:sym typeface="Wingdings" panose="05000000000000000000" pitchFamily="2" charset="2"/>
-              </a:rPr>
-              <a:t> Kapil to fill in </a:t>
-            </a:r>
-          </a:p>
-          <a:p>
-            <a:pPr marL="0" marR="0" lvl="0" indent="0" algn="l" defTabSz="914400" rtl="0" eaLnBrk="1" fontAlgn="auto" latinLnBrk="0" hangingPunct="1">
-              <a:lnSpc>
-                <a:spcPct val="100000"/>
-              </a:lnSpc>
-              <a:spcBef>
-                <a:spcPts val="0"/>
-              </a:spcBef>
-              <a:spcAft>
-                <a:spcPts val="0"/>
-              </a:spcAft>
-              <a:buClrTx/>
-              <a:buSzTx/>
-              <a:buFontTx/>
-              <a:buNone/>
-              <a:tabLst/>
-              <a:defRPr/>
-            </a:pPr>
-            <a:endParaRPr lang="en-US" dirty="0">
-              <a:sym typeface="Wingdings" panose="05000000000000000000" pitchFamily="2" charset="2"/>
-            </a:endParaRPr>
-          </a:p>
-          <a:p>
-            <a:pPr marL="0" marR="0" lvl="0" indent="0" algn="l" defTabSz="914400" rtl="0" eaLnBrk="1" fontAlgn="auto" latinLnBrk="0" hangingPunct="1">
-              <a:lnSpc>
-                <a:spcPct val="100000"/>
-              </a:lnSpc>
-              <a:spcBef>
-                <a:spcPts val="0"/>
-              </a:spcBef>
-              <a:spcAft>
-                <a:spcPts val="0"/>
-              </a:spcAft>
-              <a:buClrTx/>
-              <a:buSzTx/>
-              <a:buFontTx/>
-              <a:buNone/>
-              <a:tabLst/>
-              <a:defRPr/>
-            </a:pPr>
-            <a:endParaRPr lang="en-US" dirty="0">
-              <a:sym typeface="Wingdings" panose="05000000000000000000" pitchFamily="2" charset="2"/>
-            </a:endParaRPr>
-          </a:p>
-          <a:p>
-            <a:pPr eaLnBrk="0" fontAlgn="base" hangingPunct="0">
-              <a:lnSpc>
-                <a:spcPct val="100000"/>
-              </a:lnSpc>
-              <a:spcBef>
-                <a:spcPct val="0"/>
-              </a:spcBef>
-              <a:spcAft>
-                <a:spcPct val="0"/>
-              </a:spcAft>
-              <a:buClrTx/>
-              <a:buSzTx/>
-              <a:buFont typeface="Arial" panose="020B0604020202020204" pitchFamily="34" charset="0"/>
-              <a:buChar char="•"/>
-            </a:pPr>
-            <a:r>
-              <a:rPr lang="en-US" altLang="en-US" sz="2400" dirty="0">
-                <a:solidFill>
-                  <a:schemeClr val="tx1"/>
-                </a:solidFill>
-                <a:latin typeface="Arial" panose="020B0604020202020204" pitchFamily="34" charset="0"/>
-              </a:rPr>
-              <a:t>Focusing on the Questions</a:t>
-            </a:r>
-          </a:p>
-          <a:p>
-            <a:pPr lvl="1" eaLnBrk="0" fontAlgn="base" hangingPunct="0">
-              <a:lnSpc>
-                <a:spcPct val="100000"/>
-              </a:lnSpc>
-              <a:spcBef>
-                <a:spcPct val="0"/>
-              </a:spcBef>
-              <a:spcAft>
-                <a:spcPct val="0"/>
-              </a:spcAft>
-              <a:buFont typeface="Wingdings" panose="05000000000000000000" pitchFamily="2" charset="2"/>
-              <a:buChar char="Ø"/>
-            </a:pPr>
-            <a:r>
-              <a:rPr kumimoji="0" lang="en-US" altLang="en-US" b="0" i="0" u="none" strike="noStrike" cap="none" normalizeH="0" baseline="0" dirty="0">
-                <a:ln>
-                  <a:noFill/>
-                </a:ln>
-                <a:solidFill>
-                  <a:schemeClr val="tx1"/>
-                </a:solidFill>
-                <a:effectLst/>
-                <a:latin typeface="Arial" panose="020B0604020202020204" pitchFamily="34" charset="0"/>
-              </a:rPr>
-              <a:t>Sugar intake is a broad topic </a:t>
-            </a:r>
-          </a:p>
-          <a:p>
-            <a:pPr lvl="1" eaLnBrk="0" fontAlgn="base" hangingPunct="0">
-              <a:lnSpc>
-                <a:spcPct val="100000"/>
-              </a:lnSpc>
-              <a:spcBef>
-                <a:spcPct val="0"/>
-              </a:spcBef>
-              <a:spcAft>
-                <a:spcPct val="0"/>
-              </a:spcAft>
-              <a:buFont typeface="Wingdings" panose="05000000000000000000" pitchFamily="2" charset="2"/>
-              <a:buChar char="Ø"/>
-            </a:pPr>
-            <a:r>
-              <a:rPr kumimoji="0" lang="en-US" altLang="en-US" b="0" i="0" u="none" strike="noStrike" cap="none" normalizeH="0" baseline="0" dirty="0">
-                <a:ln>
-                  <a:noFill/>
-                </a:ln>
-                <a:solidFill>
-                  <a:schemeClr val="tx1"/>
-                </a:solidFill>
-                <a:effectLst/>
-                <a:latin typeface="Arial" panose="020B0604020202020204" pitchFamily="34" charset="0"/>
-              </a:rPr>
-              <a:t>We narrowed down to the specific factors to look for the information</a:t>
-            </a:r>
-          </a:p>
-          <a:p>
-            <a:pPr marL="0" marR="0" lvl="0" indent="0" algn="l" defTabSz="914400" rtl="0" eaLnBrk="0" fontAlgn="base" latinLnBrk="0" hangingPunct="0">
-              <a:lnSpc>
-                <a:spcPct val="100000"/>
-              </a:lnSpc>
-              <a:spcBef>
-                <a:spcPct val="0"/>
-              </a:spcBef>
-              <a:spcAft>
-                <a:spcPct val="0"/>
-              </a:spcAft>
-              <a:buClrTx/>
-              <a:buSzTx/>
-              <a:buNone/>
-              <a:tabLst/>
-            </a:pPr>
-            <a:endParaRPr lang="en-US" altLang="en-US" sz="2800" dirty="0">
-              <a:solidFill>
-                <a:schemeClr val="tx1"/>
-              </a:solidFill>
-              <a:latin typeface="Arial" panose="020B0604020202020204" pitchFamily="34" charset="0"/>
-            </a:endParaRPr>
-          </a:p>
-          <a:p>
-            <a:pPr marL="0" marR="0" lvl="0" indent="0" algn="l" defTabSz="914400" rtl="0" eaLnBrk="1" fontAlgn="auto" latinLnBrk="0" hangingPunct="1">
-              <a:lnSpc>
-                <a:spcPct val="100000"/>
-              </a:lnSpc>
-              <a:spcBef>
-                <a:spcPts val="0"/>
-              </a:spcBef>
-              <a:spcAft>
-                <a:spcPts val="0"/>
-              </a:spcAft>
-              <a:buClrTx/>
-              <a:buSzTx/>
-              <a:buFontTx/>
-              <a:buNone/>
-              <a:tabLst/>
-              <a:defRPr/>
-            </a:pPr>
             <a:endParaRPr lang="en-CA" dirty="0"/>
           </a:p>
         </p:txBody>
@@ -1369,7 +1211,7 @@
     </p:spTree>
     <p:extLst>
       <p:ext uri="{BB962C8B-B14F-4D97-AF65-F5344CB8AC3E}">
-        <p14:creationId xmlns:p14="http://schemas.microsoft.com/office/powerpoint/2010/main" val="1746527081"/>
+        <p14:creationId xmlns:p14="http://schemas.microsoft.com/office/powerpoint/2010/main" val="267783443"/>
       </p:ext>
     </p:extLst>
   </p:cSld>
@@ -1441,11 +1283,183 @@
               <a:defRPr/>
             </a:pPr>
             <a:r>
+              <a:rPr lang="en-US" dirty="0"/>
+              <a:t>Difficulties – API </a:t>
+            </a:r>
+            <a:r>
               <a:rPr lang="en-US" dirty="0">
                 <a:sym typeface="Wingdings" panose="05000000000000000000" pitchFamily="2" charset="2"/>
               </a:rPr>
-              <a:t>Questions – How it has impacts on other disease, how it relates to age, does having a healthy lifestyle affect it?</a:t>
-            </a:r>
+              <a:t> Kapil to fill in </a:t>
+            </a:r>
+          </a:p>
+          <a:p>
+            <a:pPr marL="0" marR="0" lvl="0" indent="0" algn="l" defTabSz="914400" rtl="0" eaLnBrk="1" fontAlgn="auto" latinLnBrk="0" hangingPunct="1">
+              <a:lnSpc>
+                <a:spcPct val="100000"/>
+              </a:lnSpc>
+              <a:spcBef>
+                <a:spcPts val="0"/>
+              </a:spcBef>
+              <a:spcAft>
+                <a:spcPts val="0"/>
+              </a:spcAft>
+              <a:buClrTx/>
+              <a:buSzTx/>
+              <a:buFontTx/>
+              <a:buNone/>
+              <a:tabLst/>
+              <a:defRPr/>
+            </a:pPr>
+            <a:endParaRPr lang="en-US" dirty="0">
+              <a:sym typeface="Wingdings" panose="05000000000000000000" pitchFamily="2" charset="2"/>
+            </a:endParaRPr>
+          </a:p>
+          <a:p>
+            <a:pPr marL="0" marR="0" lvl="0" indent="0" algn="l" defTabSz="914400" rtl="0" eaLnBrk="1" fontAlgn="auto" latinLnBrk="0" hangingPunct="1">
+              <a:lnSpc>
+                <a:spcPct val="100000"/>
+              </a:lnSpc>
+              <a:spcBef>
+                <a:spcPts val="0"/>
+              </a:spcBef>
+              <a:spcAft>
+                <a:spcPts val="0"/>
+              </a:spcAft>
+              <a:buClrTx/>
+              <a:buSzTx/>
+              <a:buFontTx/>
+              <a:buNone/>
+              <a:tabLst/>
+              <a:defRPr/>
+            </a:pPr>
+            <a:endParaRPr lang="en-US" dirty="0">
+              <a:sym typeface="Wingdings" panose="05000000000000000000" pitchFamily="2" charset="2"/>
+            </a:endParaRPr>
+          </a:p>
+          <a:p>
+            <a:pPr eaLnBrk="0" fontAlgn="base" hangingPunct="0">
+              <a:lnSpc>
+                <a:spcPct val="100000"/>
+              </a:lnSpc>
+              <a:spcBef>
+                <a:spcPct val="0"/>
+              </a:spcBef>
+              <a:spcAft>
+                <a:spcPct val="0"/>
+              </a:spcAft>
+              <a:buClrTx/>
+              <a:buSzTx/>
+              <a:buFont typeface="Arial" panose="020B0604020202020204" pitchFamily="34" charset="0"/>
+              <a:buChar char="•"/>
+            </a:pPr>
+            <a:r>
+              <a:rPr lang="en-US" altLang="en-US" sz="2400" dirty="0">
+                <a:solidFill>
+                  <a:schemeClr val="tx1"/>
+                </a:solidFill>
+                <a:latin typeface="Arial" panose="020B0604020202020204" pitchFamily="34" charset="0"/>
+              </a:rPr>
+              <a:t>Focusing on the Questions</a:t>
+            </a:r>
+          </a:p>
+          <a:p>
+            <a:pPr lvl="1" eaLnBrk="0" fontAlgn="base" hangingPunct="0">
+              <a:lnSpc>
+                <a:spcPct val="100000"/>
+              </a:lnSpc>
+              <a:spcBef>
+                <a:spcPct val="0"/>
+              </a:spcBef>
+              <a:spcAft>
+                <a:spcPct val="0"/>
+              </a:spcAft>
+              <a:buFont typeface="Wingdings" panose="05000000000000000000" pitchFamily="2" charset="2"/>
+              <a:buChar char="Ø"/>
+            </a:pPr>
+            <a:r>
+              <a:rPr kumimoji="0" lang="en-US" altLang="en-US" b="0" i="0" u="none" strike="noStrike" cap="none" normalizeH="0" baseline="0" dirty="0">
+                <a:ln>
+                  <a:noFill/>
+                </a:ln>
+                <a:solidFill>
+                  <a:schemeClr val="tx1"/>
+                </a:solidFill>
+                <a:effectLst/>
+                <a:latin typeface="Arial" panose="020B0604020202020204" pitchFamily="34" charset="0"/>
+              </a:rPr>
+              <a:t>Sugar intake is a broad topic </a:t>
+            </a:r>
+          </a:p>
+          <a:p>
+            <a:pPr lvl="1" eaLnBrk="0" fontAlgn="base" hangingPunct="0">
+              <a:lnSpc>
+                <a:spcPct val="100000"/>
+              </a:lnSpc>
+              <a:spcBef>
+                <a:spcPct val="0"/>
+              </a:spcBef>
+              <a:spcAft>
+                <a:spcPct val="0"/>
+              </a:spcAft>
+              <a:buFont typeface="Wingdings" panose="05000000000000000000" pitchFamily="2" charset="2"/>
+              <a:buChar char="Ø"/>
+            </a:pPr>
+            <a:r>
+              <a:rPr kumimoji="0" lang="en-US" altLang="en-US" b="0" i="0" u="none" strike="noStrike" cap="none" normalizeH="0" baseline="0" dirty="0">
+                <a:ln>
+                  <a:noFill/>
+                </a:ln>
+                <a:solidFill>
+                  <a:schemeClr val="tx1"/>
+                </a:solidFill>
+                <a:effectLst/>
+                <a:latin typeface="Arial" panose="020B0604020202020204" pitchFamily="34" charset="0"/>
+              </a:rPr>
+              <a:t>We narrowed down to the specific factors to look for the information</a:t>
+            </a:r>
+          </a:p>
+          <a:p>
+            <a:pPr marL="0" marR="0" lvl="0" indent="0" algn="l" defTabSz="914400" rtl="0" eaLnBrk="0" fontAlgn="base" latinLnBrk="0" hangingPunct="0">
+              <a:lnSpc>
+                <a:spcPct val="100000"/>
+              </a:lnSpc>
+              <a:spcBef>
+                <a:spcPct val="0"/>
+              </a:spcBef>
+              <a:spcAft>
+                <a:spcPct val="0"/>
+              </a:spcAft>
+              <a:buClrTx/>
+              <a:buSzTx/>
+              <a:buNone/>
+              <a:tabLst/>
+            </a:pPr>
+            <a:endParaRPr lang="en-US" altLang="en-US" sz="2800" dirty="0">
+              <a:solidFill>
+                <a:schemeClr val="tx1"/>
+              </a:solidFill>
+              <a:latin typeface="Arial" panose="020B0604020202020204" pitchFamily="34" charset="0"/>
+            </a:endParaRPr>
+          </a:p>
+          <a:p>
+            <a:pPr marL="0" marR="0" lvl="0" indent="0" algn="l" defTabSz="914400" rtl="0" eaLnBrk="1" fontAlgn="auto" latinLnBrk="0" hangingPunct="1">
+              <a:lnSpc>
+                <a:spcPct val="100000"/>
+              </a:lnSpc>
+              <a:spcBef>
+                <a:spcPts val="0"/>
+              </a:spcBef>
+              <a:spcAft>
+                <a:spcPts val="0"/>
+              </a:spcAft>
+              <a:buClrTx/>
+              <a:buSzTx/>
+              <a:buFontTx/>
+              <a:buNone/>
+              <a:tabLst/>
+              <a:defRPr/>
+            </a:pPr>
             <a:endParaRPr lang="en-CA" dirty="0"/>
           </a:p>
         </p:txBody>
@@ -1476,7 +1490,7 @@
     </p:spTree>
     <p:extLst>
       <p:ext uri="{BB962C8B-B14F-4D97-AF65-F5344CB8AC3E}">
-        <p14:creationId xmlns:p14="http://schemas.microsoft.com/office/powerpoint/2010/main" val="1631649399"/>
+        <p14:creationId xmlns:p14="http://schemas.microsoft.com/office/powerpoint/2010/main" val="1746527081"/>
       </p:ext>
     </p:extLst>
   </p:cSld>
@@ -1530,6 +1544,29 @@
           <a:bodyPr/>
           <a:lstStyle/>
           <a:p>
+            <a:pPr marL="0" marR="0" lvl="0" indent="0" algn="l" defTabSz="914400" rtl="0" eaLnBrk="1" fontAlgn="auto" latinLnBrk="0" hangingPunct="1">
+              <a:lnSpc>
+                <a:spcPct val="100000"/>
+              </a:lnSpc>
+              <a:spcBef>
+                <a:spcPts val="0"/>
+              </a:spcBef>
+              <a:spcAft>
+                <a:spcPts val="0"/>
+              </a:spcAft>
+              <a:buClrTx/>
+              <a:buSzTx/>
+              <a:buFontTx/>
+              <a:buNone/>
+              <a:tabLst/>
+              <a:defRPr/>
+            </a:pPr>
+            <a:r>
+              <a:rPr lang="en-US" dirty="0">
+                <a:sym typeface="Wingdings" panose="05000000000000000000" pitchFamily="2" charset="2"/>
+              </a:rPr>
+              <a:t>Questions – How it has impacts on other disease, how it relates to age, does having a healthy lifestyle affect it?</a:t>
+            </a:r>
             <a:endParaRPr lang="en-CA" dirty="0"/>
           </a:p>
         </p:txBody>
@@ -1552,6 +1589,90 @@
             <a:fld id="{EE596BCB-CEC5-4086-BD46-775CD732B91C}" type="slidenum">
               <a:rPr lang="en-CA" smtClean="0"/>
               <a:t>18</a:t>
+            </a:fld>
+            <a:endParaRPr lang="en-CA"/>
+          </a:p>
+        </p:txBody>
+      </p:sp>
+    </p:spTree>
+    <p:extLst>
+      <p:ext uri="{BB962C8B-B14F-4D97-AF65-F5344CB8AC3E}">
+        <p14:creationId xmlns:p14="http://schemas.microsoft.com/office/powerpoint/2010/main" val="1631649399"/>
+      </p:ext>
+    </p:extLst>
+  </p:cSld>
+  <p:clrMapOvr>
+    <a:masterClrMapping/>
+  </p:clrMapOvr>
+</p:notes>
+</file>
+
+<file path=ppt/notesSlides/notesSlide18.xml><?xml version="1.0" encoding="utf-8"?>
+<p:notes xmlns:a="http://schemas.openxmlformats.org/drawingml/2006/main" xmlns:r="http://schemas.openxmlformats.org/officeDocument/2006/relationships" xmlns:p="http://schemas.openxmlformats.org/presentationml/2006/main">
+  <p:cSld>
+    <p:spTree>
+      <p:nvGrpSpPr>
+        <p:cNvPr id="1" name=""/>
+        <p:cNvGrpSpPr/>
+        <p:nvPr/>
+      </p:nvGrpSpPr>
+      <p:grpSpPr>
+        <a:xfrm>
+          <a:off x="0" y="0"/>
+          <a:ext cx="0" cy="0"/>
+          <a:chOff x="0" y="0"/>
+          <a:chExt cx="0" cy="0"/>
+        </a:xfrm>
+      </p:grpSpPr>
+      <p:sp>
+        <p:nvSpPr>
+          <p:cNvPr id="2" name="Slide Image Placeholder 1"/>
+          <p:cNvSpPr>
+            <a:spLocks noGrp="1" noRot="1" noChangeAspect="1"/>
+          </p:cNvSpPr>
+          <p:nvPr>
+            <p:ph type="sldImg"/>
+          </p:nvPr>
+        </p:nvSpPr>
+        <p:spPr/>
+      </p:sp>
+      <p:sp>
+        <p:nvSpPr>
+          <p:cNvPr id="3" name="Notes Placeholder 2"/>
+          <p:cNvSpPr>
+            <a:spLocks noGrp="1"/>
+          </p:cNvSpPr>
+          <p:nvPr>
+            <p:ph type="body" idx="1"/>
+          </p:nvPr>
+        </p:nvSpPr>
+        <p:spPr/>
+        <p:txBody>
+          <a:bodyPr/>
+          <a:lstStyle/>
+          <a:p>
+            <a:endParaRPr lang="en-CA" dirty="0"/>
+          </a:p>
+        </p:txBody>
+      </p:sp>
+      <p:sp>
+        <p:nvSpPr>
+          <p:cNvPr id="4" name="Slide Number Placeholder 3"/>
+          <p:cNvSpPr>
+            <a:spLocks noGrp="1"/>
+          </p:cNvSpPr>
+          <p:nvPr>
+            <p:ph type="sldNum" sz="quarter" idx="5"/>
+          </p:nvPr>
+        </p:nvSpPr>
+        <p:spPr/>
+        <p:txBody>
+          <a:bodyPr/>
+          <a:lstStyle/>
+          <a:p>
+            <a:fld id="{EE596BCB-CEC5-4086-BD46-775CD732B91C}" type="slidenum">
+              <a:rPr lang="en-CA" smtClean="0"/>
+              <a:t>19</a:t>
             </a:fld>
             <a:endParaRPr lang="en-CA"/>
           </a:p>
@@ -2789,7 +2910,24 @@
           <a:bodyPr/>
           <a:lstStyle/>
           <a:p>
-            <a:endParaRPr lang="en-US" dirty="0"/>
+            <a:pPr marL="0" marR="0" lvl="0" indent="0" algn="l" defTabSz="914400" rtl="0" eaLnBrk="1" fontAlgn="auto" latinLnBrk="0" hangingPunct="1">
+              <a:lnSpc>
+                <a:spcPct val="100000"/>
+              </a:lnSpc>
+              <a:spcBef>
+                <a:spcPts val="0"/>
+              </a:spcBef>
+              <a:spcAft>
+                <a:spcPts val="0"/>
+              </a:spcAft>
+              <a:buClrTx/>
+              <a:buSzTx/>
+              <a:buFontTx/>
+              <a:buNone/>
+              <a:tabLst/>
+              <a:defRPr/>
+            </a:pPr>
+            <a:endParaRPr lang="en-CA" dirty="0"/>
           </a:p>
         </p:txBody>
       </p:sp>
@@ -2810,7 +2948,7 @@
           <a:p>
             <a:fld id="{EE596BCB-CEC5-4086-BD46-775CD732B91C}" type="slidenum">
               <a:rPr lang="en-CA" smtClean="0"/>
-              <a:t>8</a:t>
+              <a:t>7</a:t>
             </a:fld>
             <a:endParaRPr lang="en-CA"/>
           </a:p>
@@ -2819,7 +2957,7 @@
     </p:spTree>
     <p:extLst>
       <p:ext uri="{BB962C8B-B14F-4D97-AF65-F5344CB8AC3E}">
-        <p14:creationId xmlns:p14="http://schemas.microsoft.com/office/powerpoint/2010/main" val="3567287168"/>
+        <p14:creationId xmlns:p14="http://schemas.microsoft.com/office/powerpoint/2010/main" val="1718359506"/>
       </p:ext>
     </p:extLst>
   </p:cSld>
@@ -2873,7 +3011,7 @@
           <a:bodyPr/>
           <a:lstStyle/>
           <a:p>
-            <a:endParaRPr lang="en-CA" dirty="0"/>
+            <a:endParaRPr lang="en-US" dirty="0"/>
           </a:p>
         </p:txBody>
       </p:sp>
@@ -2903,7 +3041,7 @@
     </p:spTree>
     <p:extLst>
       <p:ext uri="{BB962C8B-B14F-4D97-AF65-F5344CB8AC3E}">
-        <p14:creationId xmlns:p14="http://schemas.microsoft.com/office/powerpoint/2010/main" val="2658120533"/>
+        <p14:creationId xmlns:p14="http://schemas.microsoft.com/office/powerpoint/2010/main" val="3567287168"/>
       </p:ext>
     </p:extLst>
   </p:cSld>
@@ -2957,43 +3095,7 @@
           <a:bodyPr/>
           <a:lstStyle/>
           <a:p>
-            <a:r>
-              <a:rPr lang="en-CA" dirty="0"/>
-              <a:t>-World Average – fluctuates between 81 g– 84 g from 2004 – 2013.</a:t>
-            </a:r>
-          </a:p>
-          <a:p>
-            <a:r>
-              <a:rPr lang="en-CA" dirty="0"/>
-              <a:t>-Canada Average – 149 g– 132g (small reduction of sugar intake from 2004 – 2013). Still well above the global average. </a:t>
-            </a:r>
-          </a:p>
-          <a:p>
             <a:endParaRPr lang="en-CA" dirty="0"/>
-          </a:p>
-          <a:p>
-            <a:r>
-              <a:rPr lang="en-CA" dirty="0"/>
-              <a:t>FYI:</a:t>
-            </a:r>
-          </a:p>
-          <a:p>
-            <a:r>
-              <a:rPr lang="en-CA" dirty="0"/>
-              <a:t>-Malta – 150 g to 170 g</a:t>
-            </a:r>
-          </a:p>
-          <a:p>
-            <a:r>
-              <a:rPr lang="en-CA" dirty="0"/>
-              <a:t>-Switzerland – 160 g to 166 g</a:t>
-            </a:r>
-          </a:p>
-          <a:p>
-            <a:r>
-              <a:rPr lang="en-CA" dirty="0"/>
-              <a:t>-United States – 194 g to 175 g (similar trend to Canada, still highest intake). </a:t>
-            </a:r>
           </a:p>
         </p:txBody>
       </p:sp>
@@ -3023,7 +3125,7 @@
     </p:spTree>
     <p:extLst>
       <p:ext uri="{BB962C8B-B14F-4D97-AF65-F5344CB8AC3E}">
-        <p14:creationId xmlns:p14="http://schemas.microsoft.com/office/powerpoint/2010/main" val="3669905146"/>
+        <p14:creationId xmlns:p14="http://schemas.microsoft.com/office/powerpoint/2010/main" val="2658120533"/>
       </p:ext>
     </p:extLst>
   </p:cSld>
@@ -7055,6 +7157,422 @@
           <a:chExt cx="0" cy="0"/>
         </a:xfrm>
       </p:grpSpPr>
+      <p:sp useBgFill="1">
+        <p:nvSpPr>
+          <p:cNvPr id="59" name="Rectangle 58">
+            <a:extLst>
+              <a:ext uri="{FF2B5EF4-FFF2-40B4-BE49-F238E27FC236}">
+                <a16:creationId xmlns:a16="http://schemas.microsoft.com/office/drawing/2014/main" id="{0AB6E427-3F73-4C06-A5D5-AE52C3883B50}"/>
+              </a:ext>
+              <a:ext uri="{C183D7F6-B498-43B3-948B-1728B52AA6E4}">
+                <adec:decorative xmlns:adec="http://schemas.microsoft.com/office/drawing/2017/decorative" val="1"/>
+              </a:ext>
+            </a:extLst>
+          </p:cNvPr>
+          <p:cNvSpPr>
+            <a:spLocks noGrp="1" noRot="1" noChangeAspect="1" noMove="1" noResize="1" noEditPoints="1" noAdjustHandles="1" noChangeArrowheads="1" noChangeShapeType="1" noTextEdit="1"/>
+          </p:cNvSpPr>
+          <p:nvPr>
+            <p:extLst>
+              <p:ext uri="{386F3935-93C4-4BCD-93E2-E3B085C9AB24}">
+                <p16:designElem xmlns:p16="http://schemas.microsoft.com/office/powerpoint/2015/main" val="1"/>
+              </p:ext>
+            </p:extLst>
+          </p:nvPr>
+        </p:nvSpPr>
+        <p:spPr>
+          <a:xfrm>
+            <a:off x="5685" y="0"/>
+            <a:ext cx="12186315" cy="6858000"/>
+          </a:xfrm>
+          <a:prstGeom prst="rect">
+            <a:avLst/>
+          </a:prstGeom>
+          <a:ln>
+            <a:noFill/>
+          </a:ln>
+        </p:spPr>
+        <p:style>
+          <a:lnRef idx="2">
+            <a:schemeClr val="accent6">
+              <a:shade val="50000"/>
+            </a:schemeClr>
+          </a:lnRef>
+          <a:fillRef idx="1001">
+            <a:schemeClr val="lt1"/>
+          </a:fillRef>
+          <a:effectRef idx="0">
+            <a:schemeClr val="accent6"/>
+          </a:effectRef>
+          <a:fontRef idx="minor">
+            <a:schemeClr val="lt1"/>
+          </a:fontRef>
+        </p:style>
+        <p:txBody>
+          <a:bodyPr rtlCol="0" anchor="ctr"/>
+          <a:lstStyle/>
+          <a:p>
+            <a:pPr algn="ctr"/>
+            <a:endParaRPr lang="en-US"/>
+          </a:p>
+        </p:txBody>
+      </p:sp>
+      <p:sp>
+        <p:nvSpPr>
+          <p:cNvPr id="61" name="Rectangle 60">
+            <a:extLst>
+              <a:ext uri="{FF2B5EF4-FFF2-40B4-BE49-F238E27FC236}">
+                <a16:creationId xmlns:a16="http://schemas.microsoft.com/office/drawing/2014/main" id="{D8C9BDAA-0390-4B39-9B5C-BC95E5120DA4}"/>
+              </a:ext>
+              <a:ext uri="{C183D7F6-B498-43B3-948B-1728B52AA6E4}">
+                <adec:decorative xmlns:adec="http://schemas.microsoft.com/office/drawing/2017/decorative" val="1"/>
+              </a:ext>
+            </a:extLst>
+          </p:cNvPr>
+          <p:cNvSpPr>
+            <a:spLocks noGrp="1" noRot="1" noChangeAspect="1" noMove="1" noResize="1" noEditPoints="1" noAdjustHandles="1" noChangeArrowheads="1" noChangeShapeType="1" noTextEdit="1"/>
+          </p:cNvSpPr>
+          <p:nvPr>
+            <p:extLst>
+              <p:ext uri="{386F3935-93C4-4BCD-93E2-E3B085C9AB24}">
+                <p16:designElem xmlns:p16="http://schemas.microsoft.com/office/powerpoint/2015/main" val="1"/>
+              </p:ext>
+            </p:extLst>
+          </p:nvPr>
+        </p:nvSpPr>
+        <p:spPr>
+          <a:xfrm>
+            <a:off x="16" y="0"/>
+            <a:ext cx="4059919" cy="6858000"/>
+          </a:xfrm>
+          <a:prstGeom prst="rect">
+            <a:avLst/>
+          </a:prstGeom>
+          <a:solidFill>
+            <a:srgbClr val="262626"/>
+          </a:solidFill>
+          <a:ln>
+            <a:noFill/>
+          </a:ln>
+        </p:spPr>
+        <p:style>
+          <a:lnRef idx="2">
+            <a:schemeClr val="accent1">
+              <a:shade val="50000"/>
+            </a:schemeClr>
+          </a:lnRef>
+          <a:fillRef idx="1">
+            <a:schemeClr val="accent1"/>
+          </a:fillRef>
+          <a:effectRef idx="0">
+            <a:schemeClr val="accent1"/>
+          </a:effectRef>
+          <a:fontRef idx="minor">
+            <a:schemeClr val="lt1"/>
+          </a:fontRef>
+        </p:style>
+      </p:sp>
+      <p:sp>
+        <p:nvSpPr>
+          <p:cNvPr id="2" name="Title 1">
+            <a:extLst>
+              <a:ext uri="{FF2B5EF4-FFF2-40B4-BE49-F238E27FC236}">
+                <a16:creationId xmlns:a16="http://schemas.microsoft.com/office/drawing/2014/main" id="{9C48BE68-3EC4-4686-A2A0-8A1E03C2580F}"/>
+              </a:ext>
+            </a:extLst>
+          </p:cNvPr>
+          <p:cNvSpPr>
+            <a:spLocks noGrp="1"/>
+          </p:cNvSpPr>
+          <p:nvPr>
+            <p:ph type="title"/>
+          </p:nvPr>
+        </p:nvSpPr>
+        <p:spPr>
+          <a:xfrm>
+            <a:off x="492370" y="516836"/>
+            <a:ext cx="3266830" cy="1961086"/>
+          </a:xfrm>
+        </p:spPr>
+        <p:txBody>
+          <a:bodyPr>
+            <a:normAutofit/>
+          </a:bodyPr>
+          <a:lstStyle/>
+          <a:p>
+            <a:pPr algn="ctr"/>
+            <a:r>
+              <a:rPr lang="en-US" sz="2500" b="1" cap="all" spc="200" dirty="0">
+                <a:solidFill>
+                  <a:srgbClr val="FFFFFF"/>
+                </a:solidFill>
+              </a:rPr>
+              <a:t>HOW HAS THE AVERAGE SUGAR INTAKE CHANGED OVERTIME?</a:t>
+            </a:r>
+            <a:endParaRPr lang="en-CA" sz="2500" dirty="0">
+              <a:solidFill>
+                <a:srgbClr val="FFFFFF"/>
+              </a:solidFill>
+            </a:endParaRPr>
+          </a:p>
+        </p:txBody>
+      </p:sp>
+      <p:cxnSp>
+        <p:nvCxnSpPr>
+          <p:cNvPr id="63" name="Straight Connector 62">
+            <a:extLst>
+              <a:ext uri="{FF2B5EF4-FFF2-40B4-BE49-F238E27FC236}">
+                <a16:creationId xmlns:a16="http://schemas.microsoft.com/office/drawing/2014/main" id="{E04A321A-A039-4720-87B4-66A4210E0D57}"/>
+              </a:ext>
+              <a:ext uri="{C183D7F6-B498-43B3-948B-1728B52AA6E4}">
+                <adec:decorative xmlns:adec="http://schemas.microsoft.com/office/drawing/2017/decorative" val="1"/>
+              </a:ext>
+            </a:extLst>
+          </p:cNvPr>
+          <p:cNvCxnSpPr>
+            <a:cxnSpLocks noGrp="1" noRot="1" noChangeAspect="1" noMove="1" noResize="1" noEditPoints="1" noAdjustHandles="1" noChangeArrowheads="1" noChangeShapeType="1"/>
+          </p:cNvCxnSpPr>
+          <p:nvPr>
+            <p:extLst>
+              <p:ext uri="{386F3935-93C4-4BCD-93E2-E3B085C9AB24}">
+                <p16:designElem xmlns:p16="http://schemas.microsoft.com/office/powerpoint/2015/main" val="1"/>
+              </p:ext>
+            </p:extLst>
+          </p:nvPr>
+        </p:nvCxnSpPr>
+        <p:spPr>
+          <a:xfrm>
+            <a:off x="571752" y="2638787"/>
+            <a:ext cx="2743200" cy="0"/>
+          </a:xfrm>
+          <a:prstGeom prst="line">
+            <a:avLst/>
+          </a:prstGeom>
+          <a:ln w="19050">
+            <a:solidFill>
+              <a:schemeClr val="accent1"/>
+            </a:solidFill>
+          </a:ln>
+        </p:spPr>
+        <p:style>
+          <a:lnRef idx="1">
+            <a:schemeClr val="accent1"/>
+          </a:lnRef>
+          <a:fillRef idx="0">
+            <a:schemeClr val="accent1"/>
+          </a:fillRef>
+          <a:effectRef idx="0">
+            <a:schemeClr val="accent1"/>
+          </a:effectRef>
+          <a:fontRef idx="minor">
+            <a:schemeClr val="tx1"/>
+          </a:fontRef>
+        </p:style>
+      </p:cxnSp>
+      <p:sp>
+        <p:nvSpPr>
+          <p:cNvPr id="3" name="Content Placeholder 2">
+            <a:extLst>
+              <a:ext uri="{FF2B5EF4-FFF2-40B4-BE49-F238E27FC236}">
+                <a16:creationId xmlns:a16="http://schemas.microsoft.com/office/drawing/2014/main" id="{C990EB9B-20EF-41D2-BF3A-03ED63507C68}"/>
+              </a:ext>
+            </a:extLst>
+          </p:cNvPr>
+          <p:cNvSpPr>
+            <a:spLocks noGrp="1"/>
+          </p:cNvSpPr>
+          <p:nvPr>
+            <p:ph idx="1"/>
+          </p:nvPr>
+        </p:nvSpPr>
+        <p:spPr>
+          <a:xfrm>
+            <a:off x="571752" y="2799654"/>
+            <a:ext cx="3005462" cy="3189665"/>
+          </a:xfrm>
+        </p:spPr>
+        <p:txBody>
+          <a:bodyPr>
+            <a:normAutofit/>
+          </a:bodyPr>
+          <a:lstStyle/>
+          <a:p>
+            <a:pPr marL="0" indent="0">
+              <a:buNone/>
+            </a:pPr>
+            <a:r>
+              <a:rPr lang="en-US" dirty="0">
+                <a:solidFill>
+                  <a:srgbClr val="FFFFFF"/>
+                </a:solidFill>
+              </a:rPr>
+              <a:t>The trend shows an increase of sugar intake over the past 10 years. </a:t>
+            </a:r>
+            <a:endParaRPr lang="en-CA" dirty="0">
+              <a:solidFill>
+                <a:srgbClr val="FFFFFF"/>
+              </a:solidFill>
+            </a:endParaRPr>
+          </a:p>
+        </p:txBody>
+      </p:sp>
+      <p:pic>
+        <p:nvPicPr>
+          <p:cNvPr id="9" name="Picture 8" descr="Chart, line chart&#10;&#10;Description automatically generated">
+            <a:extLst>
+              <a:ext uri="{FF2B5EF4-FFF2-40B4-BE49-F238E27FC236}">
+                <a16:creationId xmlns:a16="http://schemas.microsoft.com/office/drawing/2014/main" id="{F1C01EE7-481C-407B-9B3A-05DA5D5D66BA}"/>
+              </a:ext>
+            </a:extLst>
+          </p:cNvPr>
+          <p:cNvPicPr>
+            <a:picLocks noChangeAspect="1"/>
+          </p:cNvPicPr>
+          <p:nvPr/>
+        </p:nvPicPr>
+        <p:blipFill>
+          <a:blip r:embed="rId3">
+            <a:extLst>
+              <a:ext uri="{28A0092B-C50C-407E-A947-70E740481C1C}">
+                <a14:useLocalDpi xmlns:a14="http://schemas.microsoft.com/office/drawing/2010/main" val="0"/>
+              </a:ext>
+            </a:extLst>
+          </a:blip>
+          <a:stretch>
+            <a:fillRect/>
+          </a:stretch>
+        </p:blipFill>
+        <p:spPr>
+          <a:xfrm>
+            <a:off x="4909908" y="356923"/>
+            <a:ext cx="7105687" cy="3872599"/>
+          </a:xfrm>
+          <a:prstGeom prst="rect">
+            <a:avLst/>
+          </a:prstGeom>
+        </p:spPr>
+      </p:pic>
+      <p:sp>
+        <p:nvSpPr>
+          <p:cNvPr id="4" name="TextBox 3">
+            <a:extLst>
+              <a:ext uri="{FF2B5EF4-FFF2-40B4-BE49-F238E27FC236}">
+                <a16:creationId xmlns:a16="http://schemas.microsoft.com/office/drawing/2014/main" id="{6C8A217D-F39F-43F2-A16A-6B149177EAB4}"/>
+              </a:ext>
+            </a:extLst>
+          </p:cNvPr>
+          <p:cNvSpPr txBox="1"/>
+          <p:nvPr/>
+        </p:nvSpPr>
+        <p:spPr>
+          <a:xfrm>
+            <a:off x="5024630" y="4534777"/>
+            <a:ext cx="6202674" cy="1446550"/>
+          </a:xfrm>
+          <a:prstGeom prst="rect">
+            <a:avLst/>
+          </a:prstGeom>
+          <a:noFill/>
+        </p:spPr>
+        <p:txBody>
+          <a:bodyPr wrap="square" rtlCol="0">
+            <a:spAutoFit/>
+          </a:bodyPr>
+          <a:lstStyle/>
+          <a:p>
+            <a:pPr marL="342900" indent="-342900">
+              <a:buFont typeface="+mj-lt"/>
+              <a:buAutoNum type="arabicPeriod"/>
+            </a:pPr>
+            <a:r>
+              <a:rPr lang="en-US" sz="1200" dirty="0"/>
+              <a:t>Import Average Sugar Intake csv dataset in </a:t>
+            </a:r>
+            <a:r>
+              <a:rPr lang="en-US" sz="1200" dirty="0" err="1"/>
+              <a:t>Jupyter</a:t>
+            </a:r>
+            <a:r>
+              <a:rPr lang="en-US" sz="1200" dirty="0"/>
+              <a:t> Notebook and create a data frame.</a:t>
+            </a:r>
+          </a:p>
+          <a:p>
+            <a:pPr marL="342900" indent="-342900">
+              <a:spcAft>
+                <a:spcPts val="600"/>
+              </a:spcAft>
+              <a:buFont typeface="+mj-lt"/>
+              <a:buAutoNum type="arabicPeriod"/>
+            </a:pPr>
+            <a:r>
+              <a:rPr lang="en-US" sz="1200" dirty="0"/>
+              <a:t>Filter data for 10 years and calculate the mean of sugar intake to get the Global Average</a:t>
+            </a:r>
+          </a:p>
+          <a:p>
+            <a:pPr marL="342900" indent="-342900">
+              <a:spcAft>
+                <a:spcPts val="600"/>
+              </a:spcAft>
+              <a:buFont typeface="+mj-lt"/>
+              <a:buAutoNum type="arabicPeriod"/>
+            </a:pPr>
+            <a:r>
+              <a:rPr lang="en-US" sz="1200" dirty="0"/>
+              <a:t>Used Matplotlib method to get a line graph to show the trend over the years.</a:t>
+            </a:r>
+          </a:p>
+          <a:p>
+            <a:pPr marL="342900" indent="-342900">
+              <a:spcAft>
+                <a:spcPts val="600"/>
+              </a:spcAft>
+              <a:buFont typeface="+mj-lt"/>
+              <a:buAutoNum type="arabicPeriod"/>
+            </a:pPr>
+            <a:endParaRPr lang="en-CA" dirty="0"/>
+          </a:p>
+        </p:txBody>
+      </p:sp>
+    </p:spTree>
+    <p:extLst>
+      <p:ext uri="{BB962C8B-B14F-4D97-AF65-F5344CB8AC3E}">
+        <p14:creationId xmlns:p14="http://schemas.microsoft.com/office/powerpoint/2010/main" val="268587227"/>
+      </p:ext>
+    </p:extLst>
+  </p:cSld>
+  <p:clrMapOvr>
+    <a:masterClrMapping/>
+  </p:clrMapOvr>
+</p:sld>
+</file>
+
+<file path=ppt/slides/slide11.xml><?xml version="1.0" encoding="utf-8"?>
+<p:sld xmlns:a="http://schemas.openxmlformats.org/drawingml/2006/main" xmlns:r="http://schemas.openxmlformats.org/officeDocument/2006/relationships" xmlns:p="http://schemas.openxmlformats.org/presentationml/2006/main">
+  <p:cSld>
+    <p:bg>
+      <p:bgPr>
+        <a:solidFill>
+          <a:schemeClr val="bg1"/>
+        </a:solidFill>
+        <a:effectLst/>
+      </p:bgPr>
+    </p:bg>
+    <p:spTree>
+      <p:nvGrpSpPr>
+        <p:cNvPr id="1" name=""/>
+        <p:cNvGrpSpPr/>
+        <p:nvPr/>
+      </p:nvGrpSpPr>
+      <p:grpSpPr>
+        <a:xfrm>
+          <a:off x="0" y="0"/>
+          <a:ext cx="0" cy="0"/>
+          <a:chOff x="0" y="0"/>
+          <a:chExt cx="0" cy="0"/>
+        </a:xfrm>
+      </p:grpSpPr>
       <p:sp>
         <p:nvSpPr>
           <p:cNvPr id="98" name="Rectangle 97">
@@ -7465,7 +7983,7 @@
 </p:sld>
 </file>
 
-<file path=ppt/slides/slide11.xml><?xml version="1.0" encoding="utf-8"?>
+<file path=ppt/slides/slide12.xml><?xml version="1.0" encoding="utf-8"?>
 <p:sld xmlns:a="http://schemas.openxmlformats.org/drawingml/2006/main" xmlns:r="http://schemas.openxmlformats.org/officeDocument/2006/relationships" xmlns:p="http://schemas.openxmlformats.org/presentationml/2006/main">
   <p:cSld>
     <p:bg>
@@ -8153,455 +8671,6 @@
 </p:sld>
 </file>
 
-<file path=ppt/slides/slide12.xml><?xml version="1.0" encoding="utf-8"?>
-<p:sld xmlns:a="http://schemas.openxmlformats.org/drawingml/2006/main" xmlns:r="http://schemas.openxmlformats.org/officeDocument/2006/relationships" xmlns:p="http://schemas.openxmlformats.org/presentationml/2006/main">
-  <p:cSld>
-    <p:bg>
-      <p:bgPr>
-        <a:solidFill>
-          <a:schemeClr val="bg1"/>
-        </a:solidFill>
-        <a:effectLst/>
-      </p:bgPr>
-    </p:bg>
-    <p:spTree>
-      <p:nvGrpSpPr>
-        <p:cNvPr id="1" name=""/>
-        <p:cNvGrpSpPr/>
-        <p:nvPr/>
-      </p:nvGrpSpPr>
-      <p:grpSpPr>
-        <a:xfrm>
-          <a:off x="0" y="0"/>
-          <a:ext cx="0" cy="0"/>
-          <a:chOff x="0" y="0"/>
-          <a:chExt cx="0" cy="0"/>
-        </a:xfrm>
-      </p:grpSpPr>
-      <p:sp useBgFill="1">
-        <p:nvSpPr>
-          <p:cNvPr id="19" name="Rectangle 18">
-            <a:extLst>
-              <a:ext uri="{FF2B5EF4-FFF2-40B4-BE49-F238E27FC236}">
-                <a16:creationId xmlns:a16="http://schemas.microsoft.com/office/drawing/2014/main" id="{0AB6E427-3F73-4C06-A5D5-AE52C3883B50}"/>
-              </a:ext>
-              <a:ext uri="{C183D7F6-B498-43B3-948B-1728B52AA6E4}">
-                <adec:decorative xmlns:adec="http://schemas.microsoft.com/office/drawing/2017/decorative" val="1"/>
-              </a:ext>
-            </a:extLst>
-          </p:cNvPr>
-          <p:cNvSpPr>
-            <a:spLocks noGrp="1" noRot="1" noChangeAspect="1" noMove="1" noResize="1" noEditPoints="1" noAdjustHandles="1" noChangeArrowheads="1" noChangeShapeType="1" noTextEdit="1"/>
-          </p:cNvSpPr>
-          <p:nvPr>
-            <p:extLst>
-              <p:ext uri="{386F3935-93C4-4BCD-93E2-E3B085C9AB24}">
-                <p16:designElem xmlns:p16="http://schemas.microsoft.com/office/powerpoint/2015/main" val="1"/>
-              </p:ext>
-            </p:extLst>
-          </p:nvPr>
-        </p:nvSpPr>
-        <p:spPr>
-          <a:xfrm>
-            <a:off x="5685" y="0"/>
-            <a:ext cx="12186315" cy="6858000"/>
-          </a:xfrm>
-          <a:prstGeom prst="rect">
-            <a:avLst/>
-          </a:prstGeom>
-          <a:ln>
-            <a:noFill/>
-          </a:ln>
-        </p:spPr>
-        <p:style>
-          <a:lnRef idx="2">
-            <a:schemeClr val="accent6">
-              <a:shade val="50000"/>
-            </a:schemeClr>
-          </a:lnRef>
-          <a:fillRef idx="1001">
-            <a:schemeClr val="lt1"/>
-          </a:fillRef>
-          <a:effectRef idx="0">
-            <a:schemeClr val="accent6"/>
-          </a:effectRef>
-          <a:fontRef idx="minor">
-            <a:schemeClr val="lt1"/>
-          </a:fontRef>
-        </p:style>
-        <p:txBody>
-          <a:bodyPr rtlCol="0" anchor="ctr"/>
-          <a:lstStyle/>
-          <a:p>
-            <a:pPr algn="ctr"/>
-            <a:endParaRPr lang="en-US"/>
-          </a:p>
-        </p:txBody>
-      </p:sp>
-      <p:sp>
-        <p:nvSpPr>
-          <p:cNvPr id="21" name="Rectangle 20">
-            <a:extLst>
-              <a:ext uri="{FF2B5EF4-FFF2-40B4-BE49-F238E27FC236}">
-                <a16:creationId xmlns:a16="http://schemas.microsoft.com/office/drawing/2014/main" id="{D8C9BDAA-0390-4B39-9B5C-BC95E5120DA4}"/>
-              </a:ext>
-              <a:ext uri="{C183D7F6-B498-43B3-948B-1728B52AA6E4}">
-                <adec:decorative xmlns:adec="http://schemas.microsoft.com/office/drawing/2017/decorative" val="1"/>
-              </a:ext>
-            </a:extLst>
-          </p:cNvPr>
-          <p:cNvSpPr>
-            <a:spLocks noGrp="1" noRot="1" noChangeAspect="1" noMove="1" noResize="1" noEditPoints="1" noAdjustHandles="1" noChangeArrowheads="1" noChangeShapeType="1" noTextEdit="1"/>
-          </p:cNvSpPr>
-          <p:nvPr>
-            <p:extLst>
-              <p:ext uri="{386F3935-93C4-4BCD-93E2-E3B085C9AB24}">
-                <p16:designElem xmlns:p16="http://schemas.microsoft.com/office/powerpoint/2015/main" val="1"/>
-              </p:ext>
-            </p:extLst>
-          </p:nvPr>
-        </p:nvSpPr>
-        <p:spPr>
-          <a:xfrm>
-            <a:off x="16" y="0"/>
-            <a:ext cx="4059919" cy="6858000"/>
-          </a:xfrm>
-          <a:prstGeom prst="rect">
-            <a:avLst/>
-          </a:prstGeom>
-          <a:solidFill>
-            <a:srgbClr val="262626"/>
-          </a:solidFill>
-          <a:ln>
-            <a:noFill/>
-          </a:ln>
-        </p:spPr>
-        <p:style>
-          <a:lnRef idx="2">
-            <a:schemeClr val="accent1">
-              <a:shade val="50000"/>
-            </a:schemeClr>
-          </a:lnRef>
-          <a:fillRef idx="1">
-            <a:schemeClr val="accent1"/>
-          </a:fillRef>
-          <a:effectRef idx="0">
-            <a:schemeClr val="accent1"/>
-          </a:effectRef>
-          <a:fontRef idx="minor">
-            <a:schemeClr val="lt1"/>
-          </a:fontRef>
-        </p:style>
-      </p:sp>
-      <p:sp>
-        <p:nvSpPr>
-          <p:cNvPr id="2" name="Title 1">
-            <a:extLst>
-              <a:ext uri="{FF2B5EF4-FFF2-40B4-BE49-F238E27FC236}">
-                <a16:creationId xmlns:a16="http://schemas.microsoft.com/office/drawing/2014/main" id="{9C48BE68-3EC4-4686-A2A0-8A1E03C2580F}"/>
-              </a:ext>
-            </a:extLst>
-          </p:cNvPr>
-          <p:cNvSpPr>
-            <a:spLocks noGrp="1"/>
-          </p:cNvSpPr>
-          <p:nvPr>
-            <p:ph type="title"/>
-          </p:nvPr>
-        </p:nvSpPr>
-        <p:spPr>
-          <a:xfrm>
-            <a:off x="492370" y="516836"/>
-            <a:ext cx="3084844" cy="1961086"/>
-          </a:xfrm>
-        </p:spPr>
-        <p:txBody>
-          <a:bodyPr>
-            <a:normAutofit/>
-          </a:bodyPr>
-          <a:lstStyle/>
-          <a:p>
-            <a:r>
-              <a:rPr lang="en-US" sz="2800" dirty="0">
-                <a:solidFill>
-                  <a:srgbClr val="FFFFFF"/>
-                </a:solidFill>
-              </a:rPr>
-              <a:t>CORRELATION BETWEEN SUGAR INTAKE AND OBESITY</a:t>
-            </a:r>
-            <a:endParaRPr lang="en-CA" sz="2800" dirty="0">
-              <a:solidFill>
-                <a:srgbClr val="FFFFFF"/>
-              </a:solidFill>
-            </a:endParaRPr>
-          </a:p>
-        </p:txBody>
-      </p:sp>
-      <p:cxnSp>
-        <p:nvCxnSpPr>
-          <p:cNvPr id="23" name="Straight Connector 22">
-            <a:extLst>
-              <a:ext uri="{FF2B5EF4-FFF2-40B4-BE49-F238E27FC236}">
-                <a16:creationId xmlns:a16="http://schemas.microsoft.com/office/drawing/2014/main" id="{E04A321A-A039-4720-87B4-66A4210E0D57}"/>
-              </a:ext>
-              <a:ext uri="{C183D7F6-B498-43B3-948B-1728B52AA6E4}">
-                <adec:decorative xmlns:adec="http://schemas.microsoft.com/office/drawing/2017/decorative" val="1"/>
-              </a:ext>
-            </a:extLst>
-          </p:cNvPr>
-          <p:cNvCxnSpPr>
-            <a:cxnSpLocks noGrp="1" noRot="1" noChangeAspect="1" noMove="1" noResize="1" noEditPoints="1" noAdjustHandles="1" noChangeArrowheads="1" noChangeShapeType="1"/>
-          </p:cNvCxnSpPr>
-          <p:nvPr>
-            <p:extLst>
-              <p:ext uri="{386F3935-93C4-4BCD-93E2-E3B085C9AB24}">
-                <p16:designElem xmlns:p16="http://schemas.microsoft.com/office/powerpoint/2015/main" val="1"/>
-              </p:ext>
-            </p:extLst>
-          </p:nvPr>
-        </p:nvCxnSpPr>
-        <p:spPr>
-          <a:xfrm>
-            <a:off x="571752" y="2638787"/>
-            <a:ext cx="2743200" cy="0"/>
-          </a:xfrm>
-          <a:prstGeom prst="line">
-            <a:avLst/>
-          </a:prstGeom>
-          <a:ln w="19050">
-            <a:solidFill>
-              <a:schemeClr val="accent1"/>
-            </a:solidFill>
-          </a:ln>
-        </p:spPr>
-        <p:style>
-          <a:lnRef idx="1">
-            <a:schemeClr val="accent1"/>
-          </a:lnRef>
-          <a:fillRef idx="0">
-            <a:schemeClr val="accent1"/>
-          </a:fillRef>
-          <a:effectRef idx="0">
-            <a:schemeClr val="accent1"/>
-          </a:effectRef>
-          <a:fontRef idx="minor">
-            <a:schemeClr val="tx1"/>
-          </a:fontRef>
-        </p:style>
-      </p:cxnSp>
-      <p:sp>
-        <p:nvSpPr>
-          <p:cNvPr id="3" name="Content Placeholder 2">
-            <a:extLst>
-              <a:ext uri="{FF2B5EF4-FFF2-40B4-BE49-F238E27FC236}">
-                <a16:creationId xmlns:a16="http://schemas.microsoft.com/office/drawing/2014/main" id="{C990EB9B-20EF-41D2-BF3A-03ED63507C68}"/>
-              </a:ext>
-            </a:extLst>
-          </p:cNvPr>
-          <p:cNvSpPr>
-            <a:spLocks noGrp="1"/>
-          </p:cNvSpPr>
-          <p:nvPr>
-            <p:ph idx="1"/>
-          </p:nvPr>
-        </p:nvSpPr>
-        <p:spPr>
-          <a:xfrm>
-            <a:off x="571752" y="2799654"/>
-            <a:ext cx="3005462" cy="3189665"/>
-          </a:xfrm>
-        </p:spPr>
-        <p:txBody>
-          <a:bodyPr>
-            <a:normAutofit/>
-          </a:bodyPr>
-          <a:lstStyle/>
-          <a:p>
-            <a:pPr>
-              <a:buFont typeface="Wingdings" panose="05000000000000000000" pitchFamily="2" charset="2"/>
-              <a:buChar char="Ø"/>
-            </a:pPr>
-            <a:r>
-              <a:rPr lang="en-US" dirty="0">
-                <a:solidFill>
-                  <a:srgbClr val="FFFFFF"/>
-                </a:solidFill>
-              </a:rPr>
-              <a:t> Moderately Positive Correlation of 0.66</a:t>
-            </a:r>
-          </a:p>
-          <a:p>
-            <a:pPr>
-              <a:buFont typeface="Wingdings" panose="05000000000000000000" pitchFamily="2" charset="2"/>
-              <a:buChar char="Ø"/>
-            </a:pPr>
-            <a:r>
-              <a:rPr lang="en-US" dirty="0">
-                <a:solidFill>
-                  <a:srgbClr val="FFFFFF"/>
-                </a:solidFill>
-              </a:rPr>
-              <a:t> For most cases, obesity rate increases as sugar consumption increases.</a:t>
-            </a:r>
-          </a:p>
-        </p:txBody>
-      </p:sp>
-      <p:sp>
-        <p:nvSpPr>
-          <p:cNvPr id="6" name="TextBox 5">
-            <a:extLst>
-              <a:ext uri="{FF2B5EF4-FFF2-40B4-BE49-F238E27FC236}">
-                <a16:creationId xmlns:a16="http://schemas.microsoft.com/office/drawing/2014/main" id="{AB90CE9F-E12C-4F08-AA8B-8C4C9557D72E}"/>
-              </a:ext>
-            </a:extLst>
-          </p:cNvPr>
-          <p:cNvSpPr txBox="1"/>
-          <p:nvPr/>
-        </p:nvSpPr>
-        <p:spPr>
-          <a:xfrm>
-            <a:off x="5206970" y="5103674"/>
-            <a:ext cx="5850194" cy="1754326"/>
-          </a:xfrm>
-          <a:prstGeom prst="rect">
-            <a:avLst/>
-          </a:prstGeom>
-          <a:noFill/>
-        </p:spPr>
-        <p:txBody>
-          <a:bodyPr wrap="square" rtlCol="0">
-            <a:spAutoFit/>
-          </a:bodyPr>
-          <a:lstStyle/>
-          <a:p>
-            <a:pPr marL="342900" indent="-342900">
-              <a:buAutoNum type="arabicPeriod"/>
-            </a:pPr>
-            <a:r>
-              <a:rPr lang="en-US" sz="1200" dirty="0"/>
-              <a:t>Imported the Sugar Intake and Obesity CSV files.</a:t>
-            </a:r>
-          </a:p>
-          <a:p>
-            <a:pPr marL="342900" indent="-342900">
-              <a:buAutoNum type="arabicPeriod"/>
-            </a:pPr>
-            <a:r>
-              <a:rPr lang="en-US" sz="1200" dirty="0"/>
-              <a:t>Conducted an inner merge for the two files together to get all the data in 1 Data Frame.</a:t>
-            </a:r>
-          </a:p>
-          <a:p>
-            <a:pPr marL="342900" indent="-342900">
-              <a:buAutoNum type="arabicPeriod"/>
-            </a:pPr>
-            <a:r>
-              <a:rPr lang="en-US" sz="1200" dirty="0"/>
-              <a:t>Did an average of the income over the years between 2002-2013.</a:t>
-            </a:r>
-          </a:p>
-          <a:p>
-            <a:pPr marL="342900" indent="-342900">
-              <a:buAutoNum type="arabicPeriod"/>
-            </a:pPr>
-            <a:r>
-              <a:rPr lang="en-US" sz="1200" dirty="0"/>
-              <a:t>Used the Matplotlib method to get the scatterplot and linear regression model to determine if the two factors are correlated.</a:t>
-            </a:r>
-          </a:p>
-          <a:p>
-            <a:pPr marL="342900" indent="-342900">
-              <a:buAutoNum type="arabicPeriod"/>
-            </a:pPr>
-            <a:endParaRPr lang="en-US" dirty="0"/>
-          </a:p>
-          <a:p>
-            <a:pPr marL="342900" indent="-342900">
-              <a:buAutoNum type="arabicPeriod"/>
-            </a:pPr>
-            <a:endParaRPr lang="en-CA" dirty="0"/>
-          </a:p>
-        </p:txBody>
-      </p:sp>
-      <p:pic>
-        <p:nvPicPr>
-          <p:cNvPr id="7" name="Picture 6">
-            <a:extLst>
-              <a:ext uri="{FF2B5EF4-FFF2-40B4-BE49-F238E27FC236}">
-                <a16:creationId xmlns:a16="http://schemas.microsoft.com/office/drawing/2014/main" id="{1BE69BB0-1C1B-4F04-B128-49002311AD1C}"/>
-              </a:ext>
-            </a:extLst>
-          </p:cNvPr>
-          <p:cNvPicPr>
-            <a:picLocks noChangeAspect="1"/>
-          </p:cNvPicPr>
-          <p:nvPr/>
-        </p:nvPicPr>
-        <p:blipFill>
-          <a:blip r:embed="rId3"/>
-          <a:stretch>
-            <a:fillRect/>
-          </a:stretch>
-        </p:blipFill>
-        <p:spPr>
-          <a:xfrm>
-            <a:off x="5126584" y="4486306"/>
-            <a:ext cx="6348010" cy="342930"/>
-          </a:xfrm>
-          <a:prstGeom prst="rect">
-            <a:avLst/>
-          </a:prstGeom>
-        </p:spPr>
-      </p:pic>
-      <p:pic>
-        <p:nvPicPr>
-          <p:cNvPr id="5" name="Picture 4">
-            <a:extLst>
-              <a:ext uri="{FF2B5EF4-FFF2-40B4-BE49-F238E27FC236}">
-                <a16:creationId xmlns:a16="http://schemas.microsoft.com/office/drawing/2014/main" id="{B6BD7CD3-55F9-224E-BC32-18D21136D6F4}"/>
-              </a:ext>
-            </a:extLst>
-          </p:cNvPr>
-          <p:cNvPicPr>
-            <a:picLocks noChangeAspect="1"/>
-          </p:cNvPicPr>
-          <p:nvPr/>
-        </p:nvPicPr>
-        <p:blipFill>
-          <a:blip r:embed="rId4">
-            <a:extLst>
-              <a:ext uri="{28A0092B-C50C-407E-A947-70E740481C1C}">
-                <a14:useLocalDpi xmlns:a14="http://schemas.microsoft.com/office/drawing/2010/main" val="0"/>
-              </a:ext>
-            </a:extLst>
-          </a:blip>
-          <a:stretch>
-            <a:fillRect/>
-          </a:stretch>
-        </p:blipFill>
-        <p:spPr>
-          <a:xfrm>
-            <a:off x="5389091" y="238582"/>
-            <a:ext cx="6134130" cy="4009143"/>
-          </a:xfrm>
-          <a:prstGeom prst="rect">
-            <a:avLst/>
-          </a:prstGeom>
-        </p:spPr>
-      </p:pic>
-    </p:spTree>
-    <p:extLst>
-      <p:ext uri="{BB962C8B-B14F-4D97-AF65-F5344CB8AC3E}">
-        <p14:creationId xmlns:p14="http://schemas.microsoft.com/office/powerpoint/2010/main" val="454901871"/>
-      </p:ext>
-    </p:extLst>
-  </p:cSld>
-  <p:clrMapOvr>
-    <a:masterClrMapping/>
-  </p:clrMapOvr>
-</p:sld>
-</file>
-
 <file path=ppt/slides/slide13.xml><?xml version="1.0" encoding="utf-8"?>
 <p:sld xmlns:a="http://schemas.openxmlformats.org/drawingml/2006/main" xmlns:r="http://schemas.openxmlformats.org/officeDocument/2006/relationships" xmlns:p="http://schemas.openxmlformats.org/presentationml/2006/main">
   <p:cSld>
@@ -8770,17 +8839,19 @@
           </a:bodyPr>
           <a:lstStyle/>
           <a:p>
-            <a:pPr marL="0" indent="0">
-              <a:buNone/>
-            </a:pPr>
             <a:r>
               <a:rPr lang="en-US" sz="2800" dirty="0">
                 <a:solidFill>
                   <a:srgbClr val="FFFFFF"/>
                 </a:solidFill>
               </a:rPr>
-              <a:t>CORRELATION BETWEEN SUGAR INTAKE AND DENTAL HEALTH</a:t>
-            </a:r>
+              <a:t>CORRELATION BETWEEN SUGAR INTAKE AND OBESITY</a:t>
+            </a:r>
+            <a:endParaRPr lang="en-CA" sz="2800" dirty="0">
+              <a:solidFill>
+                <a:srgbClr val="FFFFFF"/>
+              </a:solidFill>
+            </a:endParaRPr>
           </a:p>
         </p:txBody>
       </p:sp>
@@ -8836,12 +8907,146 @@
           </a:fontRef>
         </p:style>
       </p:cxnSp>
+      <p:sp>
+        <p:nvSpPr>
+          <p:cNvPr id="3" name="Content Placeholder 2">
+            <a:extLst>
+              <a:ext uri="{FF2B5EF4-FFF2-40B4-BE49-F238E27FC236}">
+                <a16:creationId xmlns:a16="http://schemas.microsoft.com/office/drawing/2014/main" id="{C990EB9B-20EF-41D2-BF3A-03ED63507C68}"/>
+              </a:ext>
+            </a:extLst>
+          </p:cNvPr>
+          <p:cNvSpPr>
+            <a:spLocks noGrp="1"/>
+          </p:cNvSpPr>
+          <p:nvPr>
+            <p:ph idx="1"/>
+          </p:nvPr>
+        </p:nvSpPr>
+        <p:spPr>
+          <a:xfrm>
+            <a:off x="571752" y="2799654"/>
+            <a:ext cx="3005462" cy="3189665"/>
+          </a:xfrm>
+        </p:spPr>
+        <p:txBody>
+          <a:bodyPr>
+            <a:normAutofit/>
+          </a:bodyPr>
+          <a:lstStyle/>
+          <a:p>
+            <a:pPr>
+              <a:buFont typeface="Wingdings" panose="05000000000000000000" pitchFamily="2" charset="2"/>
+              <a:buChar char="Ø"/>
+            </a:pPr>
+            <a:r>
+              <a:rPr lang="en-US" dirty="0">
+                <a:solidFill>
+                  <a:srgbClr val="FFFFFF"/>
+                </a:solidFill>
+              </a:rPr>
+              <a:t> Moderately Positive Correlation of 0.66</a:t>
+            </a:r>
+          </a:p>
+          <a:p>
+            <a:pPr>
+              <a:buFont typeface="Wingdings" panose="05000000000000000000" pitchFamily="2" charset="2"/>
+              <a:buChar char="Ø"/>
+            </a:pPr>
+            <a:r>
+              <a:rPr lang="en-US" dirty="0">
+                <a:solidFill>
+                  <a:srgbClr val="FFFFFF"/>
+                </a:solidFill>
+              </a:rPr>
+              <a:t> For most cases, obesity rate increases as sugar consumption increases.</a:t>
+            </a:r>
+          </a:p>
+        </p:txBody>
+      </p:sp>
+      <p:sp>
+        <p:nvSpPr>
+          <p:cNvPr id="6" name="TextBox 5">
+            <a:extLst>
+              <a:ext uri="{FF2B5EF4-FFF2-40B4-BE49-F238E27FC236}">
+                <a16:creationId xmlns:a16="http://schemas.microsoft.com/office/drawing/2014/main" id="{AB90CE9F-E12C-4F08-AA8B-8C4C9557D72E}"/>
+              </a:ext>
+            </a:extLst>
+          </p:cNvPr>
+          <p:cNvSpPr txBox="1"/>
+          <p:nvPr/>
+        </p:nvSpPr>
+        <p:spPr>
+          <a:xfrm>
+            <a:off x="5206970" y="5103674"/>
+            <a:ext cx="5850194" cy="1754326"/>
+          </a:xfrm>
+          <a:prstGeom prst="rect">
+            <a:avLst/>
+          </a:prstGeom>
+          <a:noFill/>
+        </p:spPr>
+        <p:txBody>
+          <a:bodyPr wrap="square" rtlCol="0">
+            <a:spAutoFit/>
+          </a:bodyPr>
+          <a:lstStyle/>
+          <a:p>
+            <a:pPr marL="342900" indent="-342900">
+              <a:buAutoNum type="arabicPeriod"/>
+            </a:pPr>
+            <a:r>
+              <a:rPr lang="en-US" sz="1200" dirty="0"/>
+              <a:t>Imported the Sugar Intake and Obesity CSV files.</a:t>
+            </a:r>
+          </a:p>
+          <a:p>
+            <a:pPr marL="342900" indent="-342900">
+              <a:buAutoNum type="arabicPeriod"/>
+            </a:pPr>
+            <a:r>
+              <a:rPr lang="en-US" sz="1200" dirty="0"/>
+              <a:t>Conducted an inner merge for the two files together to get all the data in 1 Data Frame.</a:t>
+            </a:r>
+          </a:p>
+          <a:p>
+            <a:pPr marL="342900" indent="-342900">
+              <a:buAutoNum type="arabicPeriod"/>
+            </a:pPr>
+            <a:r>
+              <a:rPr lang="en-US" sz="1200" dirty="0"/>
+              <a:t>Did an average of the income over the years between 2002-2013.</a:t>
+            </a:r>
+          </a:p>
+          <a:p>
+            <a:pPr marL="342900" indent="-342900">
+              <a:buAutoNum type="arabicPeriod"/>
+            </a:pPr>
+            <a:r>
+              <a:rPr lang="en-US" sz="1200" dirty="0"/>
+              <a:t>Used the Matplotlib method to get the scatterplot and linear regression model to determine if the two factors are correlated.</a:t>
+            </a:r>
+          </a:p>
+          <a:p>
+            <a:pPr marL="342900" indent="-342900">
+              <a:buAutoNum type="arabicPeriod"/>
+            </a:pPr>
+            <a:endParaRPr lang="en-US" dirty="0"/>
+          </a:p>
+          <a:p>
+            <a:pPr marL="342900" indent="-342900">
+              <a:buAutoNum type="arabicPeriod"/>
+            </a:pPr>
+            <a:endParaRPr lang="en-CA" dirty="0"/>
+          </a:p>
+        </p:txBody>
+      </p:sp>
       <p:pic>
         <p:nvPicPr>
-          <p:cNvPr id="5" name="Picture 4" descr="Chart, scatter chart&#10;&#10;Description automatically generated">
+          <p:cNvPr id="7" name="Picture 6">
             <a:extLst>
               <a:ext uri="{FF2B5EF4-FFF2-40B4-BE49-F238E27FC236}">
-                <a16:creationId xmlns:a16="http://schemas.microsoft.com/office/drawing/2014/main" id="{CEB1B933-A33D-4470-B4FD-5A4ECA366E09}"/>
+                <a16:creationId xmlns:a16="http://schemas.microsoft.com/office/drawing/2014/main" id="{1BE69BB0-1C1B-4F04-B128-49002311AD1C}"/>
               </a:ext>
             </a:extLst>
           </p:cNvPr>
@@ -8851,167 +9056,27 @@
           <p:nvPr/>
         </p:nvPicPr>
         <p:blipFill>
-          <a:blip r:embed="rId3">
-            <a:extLst>
-              <a:ext uri="{28A0092B-C50C-407E-A947-70E740481C1C}">
-                <a14:useLocalDpi xmlns:a14="http://schemas.microsoft.com/office/drawing/2010/main" val="0"/>
-              </a:ext>
-            </a:extLst>
-          </a:blip>
+          <a:blip r:embed="rId3"/>
           <a:stretch>
             <a:fillRect/>
           </a:stretch>
         </p:blipFill>
         <p:spPr>
           <a:xfrm>
-            <a:off x="5035451" y="187846"/>
-            <a:ext cx="6135223" cy="4090148"/>
+            <a:off x="5126584" y="4486306"/>
+            <a:ext cx="6348010" cy="342930"/>
           </a:xfrm>
           <a:prstGeom prst="rect">
             <a:avLst/>
           </a:prstGeom>
         </p:spPr>
       </p:pic>
-      <p:sp>
-        <p:nvSpPr>
-          <p:cNvPr id="11" name="Content Placeholder 2">
-            <a:extLst>
-              <a:ext uri="{FF2B5EF4-FFF2-40B4-BE49-F238E27FC236}">
-                <a16:creationId xmlns:a16="http://schemas.microsoft.com/office/drawing/2014/main" id="{CD4C22A8-6AF2-48F7-A5D2-76F732A45D28}"/>
-              </a:ext>
-            </a:extLst>
-          </p:cNvPr>
-          <p:cNvSpPr>
-            <a:spLocks noGrp="1"/>
-          </p:cNvSpPr>
-          <p:nvPr>
-            <p:ph idx="1"/>
-          </p:nvPr>
-        </p:nvSpPr>
-        <p:spPr>
-          <a:xfrm>
-            <a:off x="571500" y="2800350"/>
-            <a:ext cx="3005138" cy="3189288"/>
-          </a:xfrm>
-        </p:spPr>
-        <p:txBody>
-          <a:bodyPr>
-            <a:normAutofit/>
-          </a:bodyPr>
-          <a:lstStyle/>
-          <a:p>
-            <a:pPr>
-              <a:buFont typeface="Wingdings" panose="05000000000000000000" pitchFamily="2" charset="2"/>
-              <a:buChar char="Ø"/>
-            </a:pPr>
-            <a:r>
-              <a:rPr lang="en-US" dirty="0">
-                <a:solidFill>
-                  <a:srgbClr val="FFFFFF"/>
-                </a:solidFill>
-              </a:rPr>
-              <a:t>Very weak correlation of 0.14</a:t>
-            </a:r>
-          </a:p>
-          <a:p>
-            <a:pPr>
-              <a:buFont typeface="Wingdings" panose="05000000000000000000" pitchFamily="2" charset="2"/>
-              <a:buChar char="Ø"/>
-            </a:pPr>
-            <a:r>
-              <a:rPr lang="en-US" dirty="0">
-                <a:solidFill>
-                  <a:srgbClr val="FFFFFF"/>
-                </a:solidFill>
-              </a:rPr>
-              <a:t> Sugar intake does not impact the dental health of the population.  </a:t>
-            </a:r>
-          </a:p>
-        </p:txBody>
-      </p:sp>
-      <p:sp>
-        <p:nvSpPr>
-          <p:cNvPr id="4" name="TextBox 3">
-            <a:extLst>
-              <a:ext uri="{FF2B5EF4-FFF2-40B4-BE49-F238E27FC236}">
-                <a16:creationId xmlns:a16="http://schemas.microsoft.com/office/drawing/2014/main" id="{A79970EA-9653-46F2-8B40-5A986BBDFE14}"/>
-              </a:ext>
-            </a:extLst>
-          </p:cNvPr>
-          <p:cNvSpPr txBox="1"/>
-          <p:nvPr/>
-        </p:nvSpPr>
-        <p:spPr>
-          <a:xfrm>
-            <a:off x="5035451" y="4878300"/>
-            <a:ext cx="5850194" cy="1754326"/>
-          </a:xfrm>
-          <a:prstGeom prst="rect">
-            <a:avLst/>
-          </a:prstGeom>
-          <a:noFill/>
-        </p:spPr>
-        <p:txBody>
-          <a:bodyPr wrap="square" rtlCol="0">
-            <a:spAutoFit/>
-          </a:bodyPr>
-          <a:lstStyle/>
-          <a:p>
-            <a:pPr marL="342900" indent="-342900">
-              <a:buAutoNum type="arabicPeriod"/>
-            </a:pPr>
-            <a:r>
-              <a:rPr lang="en-US" sz="1200" dirty="0"/>
-              <a:t>Imported the Sugar Intake and Bad Teeth CSV files.</a:t>
-            </a:r>
-          </a:p>
-          <a:p>
-            <a:pPr marL="342900" indent="-342900">
-              <a:buAutoNum type="arabicPeriod"/>
-            </a:pPr>
-            <a:r>
-              <a:rPr lang="en-US" sz="1200" dirty="0"/>
-              <a:t>Conducted an inner merge for the two files together to get all the data in 1 Data Frame.</a:t>
-            </a:r>
-          </a:p>
-          <a:p>
-            <a:pPr marL="342900" indent="-342900">
-              <a:buAutoNum type="arabicPeriod"/>
-            </a:pPr>
-            <a:r>
-              <a:rPr lang="en-US" sz="1200" dirty="0"/>
-              <a:t>Validated the data and ensure there enough samples to do a Scatterplot.</a:t>
-            </a:r>
-          </a:p>
-          <a:p>
-            <a:pPr marL="342900" indent="-342900">
-              <a:buAutoNum type="arabicPeriod"/>
-            </a:pPr>
-            <a:r>
-              <a:rPr lang="en-US" sz="1200" dirty="0"/>
-              <a:t>Used the Matplotlib method to get the scatterplot and linear regression model to determine if the two factors are correlated.</a:t>
-            </a:r>
-          </a:p>
-          <a:p>
-            <a:pPr marL="342900" indent="-342900">
-              <a:buAutoNum type="arabicPeriod"/>
-            </a:pPr>
-            <a:endParaRPr lang="en-US" dirty="0"/>
-          </a:p>
-          <a:p>
-            <a:pPr marL="342900" indent="-342900">
-              <a:buAutoNum type="arabicPeriod"/>
-            </a:pPr>
-            <a:endParaRPr lang="en-CA" dirty="0"/>
-          </a:p>
-        </p:txBody>
-      </p:sp>
       <p:pic>
         <p:nvPicPr>
-          <p:cNvPr id="6" name="Picture 5">
+          <p:cNvPr id="5" name="Picture 4">
             <a:extLst>
               <a:ext uri="{FF2B5EF4-FFF2-40B4-BE49-F238E27FC236}">
-                <a16:creationId xmlns:a16="http://schemas.microsoft.com/office/drawing/2014/main" id="{5F55F93B-FC2D-4E8E-B439-712257F60675}"/>
+                <a16:creationId xmlns:a16="http://schemas.microsoft.com/office/drawing/2014/main" id="{B6BD7CD3-55F9-224E-BC32-18D21136D6F4}"/>
               </a:ext>
             </a:extLst>
           </p:cNvPr>
@@ -9021,15 +9086,21 @@
           <p:nvPr/>
         </p:nvPicPr>
         <p:blipFill>
-          <a:blip r:embed="rId4"/>
+          <a:blip r:embed="rId4">
+            <a:extLst>
+              <a:ext uri="{28A0092B-C50C-407E-A947-70E740481C1C}">
+                <a14:useLocalDpi xmlns:a14="http://schemas.microsoft.com/office/drawing/2010/main" val="0"/>
+              </a:ext>
+            </a:extLst>
+          </a:blip>
           <a:stretch>
             <a:fillRect/>
           </a:stretch>
         </p:blipFill>
         <p:spPr>
           <a:xfrm>
-            <a:off x="5035451" y="4315522"/>
-            <a:ext cx="6881456" cy="487722"/>
+            <a:off x="5389091" y="238582"/>
+            <a:ext cx="6134130" cy="4009143"/>
           </a:xfrm>
           <a:prstGeom prst="rect">
             <a:avLst/>
@@ -9039,7 +9110,7 @@
     </p:spTree>
     <p:extLst>
       <p:ext uri="{BB962C8B-B14F-4D97-AF65-F5344CB8AC3E}">
-        <p14:creationId xmlns:p14="http://schemas.microsoft.com/office/powerpoint/2010/main" val="1709233667"/>
+        <p14:creationId xmlns:p14="http://schemas.microsoft.com/office/powerpoint/2010/main" val="454901871"/>
       </p:ext>
     </p:extLst>
   </p:cSld>
@@ -9076,7 +9147,7 @@
       </p:grpSpPr>
       <p:sp useBgFill="1">
         <p:nvSpPr>
-          <p:cNvPr id="39" name="Rectangle 38">
+          <p:cNvPr id="19" name="Rectangle 18">
             <a:extLst>
               <a:ext uri="{FF2B5EF4-FFF2-40B4-BE49-F238E27FC236}">
                 <a16:creationId xmlns:a16="http://schemas.microsoft.com/office/drawing/2014/main" id="{0AB6E427-3F73-4C06-A5D5-AE52C3883B50}"/>
@@ -9136,7 +9207,7 @@
       </p:sp>
       <p:sp>
         <p:nvSpPr>
-          <p:cNvPr id="41" name="Rectangle 40">
+          <p:cNvPr id="21" name="Rectangle 20">
             <a:extLst>
               <a:ext uri="{FF2B5EF4-FFF2-40B4-BE49-F238E27FC236}">
                 <a16:creationId xmlns:a16="http://schemas.microsoft.com/office/drawing/2014/main" id="{D8C9BDAA-0390-4B39-9B5C-BC95E5120DA4}"/>
@@ -9212,25 +9283,28 @@
           </a:xfrm>
         </p:spPr>
         <p:txBody>
-          <a:bodyPr vert="horz" lIns="91440" tIns="45720" rIns="91440" bIns="45720" rtlCol="0">
+          <a:bodyPr>
             <a:normAutofit/>
           </a:bodyPr>
           <a:lstStyle/>
           <a:p>
-            <a:r>
-              <a:rPr lang="en-US" sz="2200">
+            <a:pPr marL="0" indent="0">
+              <a:buNone/>
+            </a:pPr>
+            <a:r>
+              <a:rPr lang="en-US" sz="2800" dirty="0">
                 <a:solidFill>
                   <a:srgbClr val="FFFFFF"/>
                 </a:solidFill>
               </a:rPr>
-              <a:t>WHAT ARE THE TOP 5 PURCHASED GROCERY ITEMS IN THE COUNTRY WITH THE HIGHEST SUGAR INTAKE?</a:t>
+              <a:t>CORRELATION BETWEEN SUGAR INTAKE AND DENTAL HEALTH</a:t>
             </a:r>
           </a:p>
         </p:txBody>
       </p:sp>
       <p:cxnSp>
         <p:nvCxnSpPr>
-          <p:cNvPr id="43" name="Straight Connector 42">
+          <p:cNvPr id="23" name="Straight Connector 22">
             <a:extLst>
               <a:ext uri="{FF2B5EF4-FFF2-40B4-BE49-F238E27FC236}">
                 <a16:creationId xmlns:a16="http://schemas.microsoft.com/office/drawing/2014/main" id="{E04A321A-A039-4720-87B4-66A4210E0D57}"/>
@@ -9280,103 +9354,12 @@
           </a:fontRef>
         </p:style>
       </p:cxnSp>
-      <p:sp>
-        <p:nvSpPr>
-          <p:cNvPr id="27" name="Content Placeholder 26">
-            <a:extLst>
-              <a:ext uri="{FF2B5EF4-FFF2-40B4-BE49-F238E27FC236}">
-                <a16:creationId xmlns:a16="http://schemas.microsoft.com/office/drawing/2014/main" id="{276C6323-DF8F-4D01-87E1-EB768400DCB1}"/>
-              </a:ext>
-            </a:extLst>
-          </p:cNvPr>
-          <p:cNvSpPr>
-            <a:spLocks noGrp="1"/>
-          </p:cNvSpPr>
-          <p:nvPr>
-            <p:ph idx="1"/>
-          </p:nvPr>
-        </p:nvSpPr>
-        <p:spPr>
-          <a:xfrm>
-            <a:off x="571752" y="2799654"/>
-            <a:ext cx="3005462" cy="3189665"/>
-          </a:xfrm>
-        </p:spPr>
-        <p:txBody>
-          <a:bodyPr>
-            <a:normAutofit/>
-          </a:bodyPr>
-          <a:lstStyle/>
-          <a:p>
-            <a:pPr algn="ctr"/>
-            <a:r>
-              <a:rPr lang="en-US" sz="2400" dirty="0">
-                <a:solidFill>
-                  <a:srgbClr val="FFFFFF"/>
-                </a:solidFill>
-              </a:rPr>
-              <a:t>Whole Milk </a:t>
-            </a:r>
-          </a:p>
-          <a:p>
-            <a:pPr algn="ctr"/>
-            <a:r>
-              <a:rPr lang="en-US" sz="2400" dirty="0">
-                <a:solidFill>
-                  <a:srgbClr val="FFFFFF"/>
-                </a:solidFill>
-              </a:rPr>
-              <a:t>Vegetables</a:t>
-            </a:r>
-          </a:p>
-          <a:p>
-            <a:pPr algn="ctr"/>
-            <a:r>
-              <a:rPr lang="en-US" sz="2400" dirty="0">
-                <a:solidFill>
-                  <a:srgbClr val="FFFFFF"/>
-                </a:solidFill>
-              </a:rPr>
-              <a:t>Rolls/Buns </a:t>
-            </a:r>
-          </a:p>
-          <a:p>
-            <a:pPr algn="ctr"/>
-            <a:r>
-              <a:rPr lang="en-US" sz="2400" dirty="0">
-                <a:solidFill>
-                  <a:srgbClr val="FFFFFF"/>
-                </a:solidFill>
-              </a:rPr>
-              <a:t>Yogurt</a:t>
-            </a:r>
-          </a:p>
-          <a:p>
-            <a:pPr algn="ctr"/>
-            <a:r>
-              <a:rPr lang="en-US" sz="2400" dirty="0">
-                <a:solidFill>
-                  <a:srgbClr val="FFFFFF"/>
-                </a:solidFill>
-              </a:rPr>
-              <a:t>Soda</a:t>
-            </a:r>
-          </a:p>
-          <a:p>
-            <a:endParaRPr lang="en-US" dirty="0">
-              <a:solidFill>
-                <a:srgbClr val="FFFFFF"/>
-              </a:solidFill>
-            </a:endParaRPr>
-          </a:p>
-        </p:txBody>
-      </p:sp>
       <p:pic>
         <p:nvPicPr>
-          <p:cNvPr id="13" name="Picture 12">
+          <p:cNvPr id="5" name="Picture 4" descr="Chart, scatter chart&#10;&#10;Description automatically generated">
             <a:extLst>
               <a:ext uri="{FF2B5EF4-FFF2-40B4-BE49-F238E27FC236}">
-                <a16:creationId xmlns:a16="http://schemas.microsoft.com/office/drawing/2014/main" id="{6C971FEA-34CB-4F31-8183-457E7FE39BA1}"/>
+                <a16:creationId xmlns:a16="http://schemas.microsoft.com/office/drawing/2014/main" id="{CEB1B933-A33D-4470-B4FD-5A4ECA366E09}"/>
               </a:ext>
             </a:extLst>
           </p:cNvPr>
@@ -9386,15 +9369,21 @@
           <p:nvPr/>
         </p:nvPicPr>
         <p:blipFill>
-          <a:blip r:embed="rId3"/>
+          <a:blip r:embed="rId3">
+            <a:extLst>
+              <a:ext uri="{28A0092B-C50C-407E-A947-70E740481C1C}">
+                <a14:useLocalDpi xmlns:a14="http://schemas.microsoft.com/office/drawing/2010/main" val="0"/>
+              </a:ext>
+            </a:extLst>
+          </a:blip>
           <a:stretch>
             <a:fillRect/>
           </a:stretch>
         </p:blipFill>
         <p:spPr>
           <a:xfrm>
-            <a:off x="4059935" y="485964"/>
-            <a:ext cx="4471286" cy="3152256"/>
+            <a:off x="5035451" y="187846"/>
+            <a:ext cx="6135223" cy="4090148"/>
           </a:xfrm>
           <a:prstGeom prst="rect">
             <a:avLst/>
@@ -9403,10 +9392,67 @@
       </p:pic>
       <p:sp>
         <p:nvSpPr>
-          <p:cNvPr id="14" name="TextBox 13">
+          <p:cNvPr id="11" name="Content Placeholder 2">
             <a:extLst>
               <a:ext uri="{FF2B5EF4-FFF2-40B4-BE49-F238E27FC236}">
-                <a16:creationId xmlns:a16="http://schemas.microsoft.com/office/drawing/2014/main" id="{08A0B583-177B-4B4B-9703-4FE58C2F12BB}"/>
+                <a16:creationId xmlns:a16="http://schemas.microsoft.com/office/drawing/2014/main" id="{CD4C22A8-6AF2-48F7-A5D2-76F732A45D28}"/>
+              </a:ext>
+            </a:extLst>
+          </p:cNvPr>
+          <p:cNvSpPr>
+            <a:spLocks noGrp="1"/>
+          </p:cNvSpPr>
+          <p:nvPr>
+            <p:ph idx="1"/>
+          </p:nvPr>
+        </p:nvSpPr>
+        <p:spPr>
+          <a:xfrm>
+            <a:off x="571500" y="2800350"/>
+            <a:ext cx="3005138" cy="3189288"/>
+          </a:xfrm>
+        </p:spPr>
+        <p:txBody>
+          <a:bodyPr>
+            <a:normAutofit/>
+          </a:bodyPr>
+          <a:lstStyle/>
+          <a:p>
+            <a:pPr>
+              <a:buFont typeface="Wingdings" panose="05000000000000000000" pitchFamily="2" charset="2"/>
+              <a:buChar char="Ø"/>
+            </a:pPr>
+            <a:r>
+              <a:rPr lang="en-US" dirty="0">
+                <a:solidFill>
+                  <a:srgbClr val="FFFFFF"/>
+                </a:solidFill>
+              </a:rPr>
+              <a:t>Very weak correlation of 0.14</a:t>
+            </a:r>
+          </a:p>
+          <a:p>
+            <a:pPr>
+              <a:buFont typeface="Wingdings" panose="05000000000000000000" pitchFamily="2" charset="2"/>
+              <a:buChar char="Ø"/>
+            </a:pPr>
+            <a:r>
+              <a:rPr lang="en-US" dirty="0">
+                <a:solidFill>
+                  <a:srgbClr val="FFFFFF"/>
+                </a:solidFill>
+              </a:rPr>
+              <a:t> Sugar intake does not impact the dental health of the population.  </a:t>
+            </a:r>
+          </a:p>
+        </p:txBody>
+      </p:sp>
+      <p:sp>
+        <p:nvSpPr>
+          <p:cNvPr id="4" name="TextBox 3">
+            <a:extLst>
+              <a:ext uri="{FF2B5EF4-FFF2-40B4-BE49-F238E27FC236}">
+                <a16:creationId xmlns:a16="http://schemas.microsoft.com/office/drawing/2014/main" id="{A79970EA-9653-46F2-8B40-5A986BBDFE14}"/>
               </a:ext>
             </a:extLst>
           </p:cNvPr>
@@ -9415,8 +9461,8 @@
         </p:nvSpPr>
         <p:spPr>
           <a:xfrm>
-            <a:off x="4596542" y="3964688"/>
-            <a:ext cx="5850194" cy="1938992"/>
+            <a:off x="5035451" y="4878300"/>
+            <a:ext cx="5850194" cy="1754326"/>
           </a:xfrm>
           <a:prstGeom prst="rect">
             <a:avLst/>
@@ -9434,7 +9480,7 @@
             </a:pPr>
             <a:r>
               <a:rPr lang="en-US" sz="1200" dirty="0"/>
-              <a:t>Imported the Grocery data CSV files.</a:t>
+              <a:t>Imported the Sugar Intake and Bad Teeth CSV files.</a:t>
             </a:r>
           </a:p>
           <a:p>
@@ -9442,12 +9488,8 @@
               <a:buAutoNum type="arabicPeriod"/>
             </a:pPr>
             <a:r>
-              <a:rPr lang="en-US" sz="1200" dirty="0" err="1"/>
-              <a:t>Groupby</a:t>
-            </a:r>
-            <a:r>
               <a:rPr lang="en-US" sz="1200" dirty="0"/>
-              <a:t> Item List to get a count of the most purchased product.</a:t>
+              <a:t>Conducted an inner merge for the two files together to get all the data in 1 Data Frame.</a:t>
             </a:r>
           </a:p>
           <a:p>
@@ -9456,7 +9498,7 @@
             </a:pPr>
             <a:r>
               <a:rPr lang="en-US" sz="1200" dirty="0"/>
-              <a:t>Validated the data to ensure the data is accurate.</a:t>
+              <a:t>Validated the data and ensure there enough samples to do a Scatterplot.</a:t>
             </a:r>
           </a:p>
           <a:p>
@@ -9465,34 +9507,8 @@
             </a:pPr>
             <a:r>
               <a:rPr lang="en-US" sz="1200" dirty="0"/>
-              <a:t>Used the Matplotlib method to get the bar graph.</a:t>
-            </a:r>
-          </a:p>
-          <a:p>
-            <a:pPr marL="342900" indent="-342900">
-              <a:buAutoNum type="arabicPeriod"/>
-            </a:pPr>
-            <a:r>
-              <a:rPr lang="en-US" sz="1200" dirty="0"/>
-              <a:t>Pulled the API from Fat Secret to get the sugar contents of the products.</a:t>
-            </a:r>
-          </a:p>
-          <a:p>
-            <a:pPr marL="800100" lvl="1" indent="-342900">
-              <a:buFont typeface="Wingdings" panose="05000000000000000000" pitchFamily="2" charset="2"/>
-              <a:buChar char="Ø"/>
-            </a:pPr>
-            <a:r>
-              <a:rPr lang="en-US" sz="1200" dirty="0"/>
-              <a:t>API was reviewed and generic product were chosen for each item.</a:t>
-            </a:r>
-          </a:p>
-          <a:p>
-            <a:pPr marL="800100" lvl="1" indent="-342900">
-              <a:buFont typeface="Wingdings" panose="05000000000000000000" pitchFamily="2" charset="2"/>
-              <a:buChar char="Ø"/>
-            </a:pPr>
-            <a:endParaRPr lang="en-US" sz="1200" dirty="0"/>
+              <a:t>Used the Matplotlib method to get the scatterplot and linear regression model to determine if the two factors are correlated.</a:t>
+            </a:r>
           </a:p>
           <a:p>
             <a:pPr marL="342900" indent="-342900">
@@ -9513,7 +9529,7 @@
           <p:cNvPr id="6" name="Picture 5">
             <a:extLst>
               <a:ext uri="{FF2B5EF4-FFF2-40B4-BE49-F238E27FC236}">
-                <a16:creationId xmlns:a16="http://schemas.microsoft.com/office/drawing/2014/main" id="{29760ACF-59AE-46F4-9B75-327BEA60D1F5}"/>
+                <a16:creationId xmlns:a16="http://schemas.microsoft.com/office/drawing/2014/main" id="{5F55F93B-FC2D-4E8E-B439-712257F60675}"/>
               </a:ext>
             </a:extLst>
           </p:cNvPr>
@@ -9530,8 +9546,8 @@
         </p:blipFill>
         <p:spPr>
           <a:xfrm>
-            <a:off x="7862247" y="258748"/>
-            <a:ext cx="3913442" cy="3184682"/>
+            <a:off x="5035451" y="4315522"/>
+            <a:ext cx="6881456" cy="487722"/>
           </a:xfrm>
           <a:prstGeom prst="rect">
             <a:avLst/>
@@ -9541,7 +9557,7 @@
     </p:spTree>
     <p:extLst>
       <p:ext uri="{BB962C8B-B14F-4D97-AF65-F5344CB8AC3E}">
-        <p14:creationId xmlns:p14="http://schemas.microsoft.com/office/powerpoint/2010/main" val="1135346001"/>
+        <p14:creationId xmlns:p14="http://schemas.microsoft.com/office/powerpoint/2010/main" val="1709233667"/>
       </p:ext>
     </p:extLst>
   </p:cSld>
@@ -9578,10 +9594,10 @@
       </p:grpSpPr>
       <p:sp useBgFill="1">
         <p:nvSpPr>
-          <p:cNvPr id="11" name="Rectangle 10">
+          <p:cNvPr id="39" name="Rectangle 38">
             <a:extLst>
               <a:ext uri="{FF2B5EF4-FFF2-40B4-BE49-F238E27FC236}">
-                <a16:creationId xmlns:a16="http://schemas.microsoft.com/office/drawing/2014/main" id="{67B74F2B-9534-4540-96B0-5C8E958B940F}"/>
+                <a16:creationId xmlns:a16="http://schemas.microsoft.com/office/drawing/2014/main" id="{0AB6E427-3F73-4C06-A5D5-AE52C3883B50}"/>
               </a:ext>
               <a:ext uri="{C183D7F6-B498-43B3-948B-1728B52AA6E4}">
                 <adec:decorative xmlns:adec="http://schemas.microsoft.com/office/drawing/2017/decorative" val="1"/>
@@ -9601,12 +9617,75 @@
         </p:nvSpPr>
         <p:spPr>
           <a:xfrm>
-            <a:off x="0" y="0"/>
-            <a:ext cx="12192001" cy="6858000"/>
+            <a:off x="5685" y="0"/>
+            <a:ext cx="12186315" cy="6858000"/>
           </a:xfrm>
           <a:prstGeom prst="rect">
             <a:avLst/>
           </a:prstGeom>
+          <a:ln>
+            <a:noFill/>
+          </a:ln>
+        </p:spPr>
+        <p:style>
+          <a:lnRef idx="2">
+            <a:schemeClr val="accent6">
+              <a:shade val="50000"/>
+            </a:schemeClr>
+          </a:lnRef>
+          <a:fillRef idx="1001">
+            <a:schemeClr val="lt1"/>
+          </a:fillRef>
+          <a:effectRef idx="0">
+            <a:schemeClr val="accent6"/>
+          </a:effectRef>
+          <a:fontRef idx="minor">
+            <a:schemeClr val="lt1"/>
+          </a:fontRef>
+        </p:style>
+        <p:txBody>
+          <a:bodyPr rtlCol="0" anchor="ctr"/>
+          <a:lstStyle/>
+          <a:p>
+            <a:pPr algn="ctr"/>
+            <a:endParaRPr lang="en-US"/>
+          </a:p>
+        </p:txBody>
+      </p:sp>
+      <p:sp>
+        <p:nvSpPr>
+          <p:cNvPr id="41" name="Rectangle 40">
+            <a:extLst>
+              <a:ext uri="{FF2B5EF4-FFF2-40B4-BE49-F238E27FC236}">
+                <a16:creationId xmlns:a16="http://schemas.microsoft.com/office/drawing/2014/main" id="{D8C9BDAA-0390-4B39-9B5C-BC95E5120DA4}"/>
+              </a:ext>
+              <a:ext uri="{C183D7F6-B498-43B3-948B-1728B52AA6E4}">
+                <adec:decorative xmlns:adec="http://schemas.microsoft.com/office/drawing/2017/decorative" val="1"/>
+              </a:ext>
+            </a:extLst>
+          </p:cNvPr>
+          <p:cNvSpPr>
+            <a:spLocks noGrp="1" noRot="1" noChangeAspect="1" noMove="1" noResize="1" noEditPoints="1" noAdjustHandles="1" noChangeArrowheads="1" noChangeShapeType="1" noTextEdit="1"/>
+          </p:cNvSpPr>
+          <p:nvPr>
+            <p:extLst>
+              <p:ext uri="{386F3935-93C4-4BCD-93E2-E3B085C9AB24}">
+                <p16:designElem xmlns:p16="http://schemas.microsoft.com/office/powerpoint/2015/main" val="1"/>
+              </p:ext>
+            </p:extLst>
+          </p:nvPr>
+        </p:nvSpPr>
+        <p:spPr>
+          <a:xfrm>
+            <a:off x="16" y="0"/>
+            <a:ext cx="4059919" cy="6858000"/>
+          </a:xfrm>
+          <a:prstGeom prst="rect">
+            <a:avLst/>
+          </a:prstGeom>
+          <a:solidFill>
+            <a:srgbClr val="262626"/>
+          </a:solidFill>
           <a:ln>
             <a:noFill/>
           </a:ln>
@@ -9627,14 +9706,6 @@
             <a:schemeClr val="lt1"/>
           </a:fontRef>
         </p:style>
-        <p:txBody>
-          <a:bodyPr rtlCol="0" anchor="ctr"/>
-          <a:lstStyle/>
-          <a:p>
-            <a:pPr algn="ctr"/>
-            <a:endParaRPr lang="en-US"/>
-          </a:p>
-        </p:txBody>
       </p:sp>
       <p:sp>
         <p:nvSpPr>
@@ -9654,65 +9725,33 @@
         </p:nvSpPr>
         <p:spPr>
           <a:xfrm>
-            <a:off x="5242903" y="276747"/>
-            <a:ext cx="5983605" cy="1450757"/>
-          </a:xfrm>
-        </p:spPr>
-        <p:txBody>
-          <a:bodyPr>
+            <a:off x="492370" y="516836"/>
+            <a:ext cx="3084844" cy="1961086"/>
+          </a:xfrm>
+        </p:spPr>
+        <p:txBody>
+          <a:bodyPr vert="horz" lIns="91440" tIns="45720" rIns="91440" bIns="45720" rtlCol="0">
             <a:normAutofit/>
           </a:bodyPr>
           <a:lstStyle/>
           <a:p>
             <a:r>
-              <a:rPr lang="en-US" b="1" dirty="0"/>
-              <a:t>CONCLUSIONS</a:t>
-            </a:r>
-            <a:endParaRPr lang="en-CA" b="1" dirty="0"/>
-          </a:p>
-        </p:txBody>
-      </p:sp>
-      <p:pic>
-        <p:nvPicPr>
-          <p:cNvPr id="6" name="Picture 5" descr="A picture containing person, table&#10;&#10;Description automatically generated">
-            <a:extLst>
-              <a:ext uri="{FF2B5EF4-FFF2-40B4-BE49-F238E27FC236}">
-                <a16:creationId xmlns:a16="http://schemas.microsoft.com/office/drawing/2014/main" id="{E4220F78-7F8B-4671-B15F-AFC179F7AC30}"/>
-              </a:ext>
-            </a:extLst>
-          </p:cNvPr>
-          <p:cNvPicPr>
-            <a:picLocks noChangeAspect="1"/>
-          </p:cNvPicPr>
-          <p:nvPr/>
-        </p:nvPicPr>
-        <p:blipFill rotWithShape="1">
-          <a:blip r:embed="rId3">
-            <a:extLst>
-              <a:ext uri="{28A0092B-C50C-407E-A947-70E740481C1C}">
-                <a14:useLocalDpi xmlns:a14="http://schemas.microsoft.com/office/drawing/2010/main" val="0"/>
-              </a:ext>
-            </a:extLst>
-          </a:blip>
-          <a:srcRect l="30398" r="21839"/>
-          <a:stretch/>
-        </p:blipFill>
-        <p:spPr>
-          <a:xfrm>
-            <a:off x="20" y="10"/>
-            <a:ext cx="4580077" cy="6400784"/>
-          </a:xfrm>
-          <a:prstGeom prst="rect">
-            <a:avLst/>
-          </a:prstGeom>
-        </p:spPr>
-      </p:pic>
+              <a:rPr lang="en-US" sz="2200">
+                <a:solidFill>
+                  <a:srgbClr val="FFFFFF"/>
+                </a:solidFill>
+              </a:rPr>
+              <a:t>WHAT ARE THE TOP 5 PURCHASED GROCERY ITEMS IN THE COUNTRY WITH THE HIGHEST SUGAR INTAKE?</a:t>
+            </a:r>
+          </a:p>
+        </p:txBody>
+      </p:sp>
       <p:cxnSp>
         <p:nvCxnSpPr>
-          <p:cNvPr id="13" name="Straight Connector 12">
+          <p:cNvPr id="43" name="Straight Connector 42">
             <a:extLst>
               <a:ext uri="{FF2B5EF4-FFF2-40B4-BE49-F238E27FC236}">
-                <a16:creationId xmlns:a16="http://schemas.microsoft.com/office/drawing/2014/main" id="{33BECB2B-2CFA-412C-880F-C4B60974936F}"/>
+                <a16:creationId xmlns:a16="http://schemas.microsoft.com/office/drawing/2014/main" id="{E04A321A-A039-4720-87B4-66A4210E0D57}"/>
               </a:ext>
               <a:ext uri="{C183D7F6-B498-43B3-948B-1728B52AA6E4}">
                 <adec:decorative xmlns:adec="http://schemas.microsoft.com/office/drawing/2017/decorative" val="1"/>
@@ -9732,18 +9771,15 @@
         </p:nvCxnSpPr>
         <p:spPr>
           <a:xfrm>
-            <a:off x="5242903" y="1917852"/>
-            <a:ext cx="5943600" cy="0"/>
+            <a:off x="571752" y="2638787"/>
+            <a:ext cx="2743200" cy="0"/>
           </a:xfrm>
           <a:prstGeom prst="line">
             <a:avLst/>
           </a:prstGeom>
-          <a:ln w="12700">
+          <a:ln w="19050">
             <a:solidFill>
-              <a:schemeClr val="tx1">
-                <a:lumMod val="75000"/>
-                <a:lumOff val="25000"/>
-              </a:schemeClr>
+              <a:schemeClr val="accent1"/>
             </a:solidFill>
           </a:ln>
         </p:spPr>
@@ -9764,10 +9800,10 @@
       </p:cxnSp>
       <p:sp>
         <p:nvSpPr>
-          <p:cNvPr id="3" name="Content Placeholder 2">
+          <p:cNvPr id="27" name="Content Placeholder 26">
             <a:extLst>
               <a:ext uri="{FF2B5EF4-FFF2-40B4-BE49-F238E27FC236}">
-                <a16:creationId xmlns:a16="http://schemas.microsoft.com/office/drawing/2014/main" id="{C990EB9B-20EF-41D2-BF3A-03ED63507C68}"/>
+                <a16:creationId xmlns:a16="http://schemas.microsoft.com/office/drawing/2014/main" id="{276C6323-DF8F-4D01-87E1-EB768400DCB1}"/>
               </a:ext>
             </a:extLst>
           </p:cNvPr>
@@ -9780,235 +9816,290 @@
         </p:nvSpPr>
         <p:spPr>
           <a:xfrm>
-            <a:off x="5172074" y="2108201"/>
-            <a:ext cx="5983605" cy="3969213"/>
+            <a:off x="571752" y="2799654"/>
+            <a:ext cx="3005462" cy="3189665"/>
           </a:xfrm>
         </p:spPr>
         <p:txBody>
           <a:bodyPr>
-            <a:normAutofit fontScale="92500" lnSpcReduction="10000"/>
+            <a:normAutofit/>
           </a:bodyPr>
           <a:lstStyle/>
           <a:p>
-            <a:pPr marL="201168" lvl="1" indent="0">
-              <a:lnSpc>
-                <a:spcPct val="110000"/>
-              </a:lnSpc>
-              <a:spcBef>
-                <a:spcPts val="0"/>
-              </a:spcBef>
-              <a:spcAft>
-                <a:spcPts val="600"/>
-              </a:spcAft>
-              <a:buNone/>
-            </a:pPr>
-            <a:r>
-              <a:rPr lang="en-US" sz="2300" b="1" dirty="0"/>
-              <a:t>Expected Results:</a:t>
-            </a:r>
-          </a:p>
-          <a:p>
-            <a:pPr lvl="1">
-              <a:lnSpc>
-                <a:spcPct val="110000"/>
-              </a:lnSpc>
-              <a:spcBef>
-                <a:spcPts val="0"/>
-              </a:spcBef>
-              <a:spcAft>
-                <a:spcPts val="600"/>
-              </a:spcAft>
-              <a:buFont typeface="Arial" panose="020B0604020202020204" pitchFamily="34" charset="0"/>
-              <a:buChar char="•"/>
-            </a:pPr>
-            <a:r>
-              <a:rPr lang="en-US" sz="1800" dirty="0"/>
-              <a:t>Increase intake in sugar consumption over the last decade</a:t>
-            </a:r>
-          </a:p>
-          <a:p>
-            <a:pPr lvl="1">
-              <a:lnSpc>
-                <a:spcPct val="110000"/>
-              </a:lnSpc>
-              <a:spcBef>
-                <a:spcPts val="0"/>
-              </a:spcBef>
-              <a:spcAft>
-                <a:spcPts val="600"/>
-              </a:spcAft>
-              <a:buFont typeface="Arial" panose="020B0604020202020204" pitchFamily="34" charset="0"/>
-              <a:buChar char="•"/>
-            </a:pPr>
-            <a:r>
-              <a:rPr lang="en-US" sz="1800" dirty="0"/>
-              <a:t>Higher income households consume more sugar</a:t>
-            </a:r>
-          </a:p>
-          <a:p>
-            <a:pPr lvl="1">
-              <a:lnSpc>
-                <a:spcPct val="110000"/>
-              </a:lnSpc>
-              <a:spcBef>
-                <a:spcPts val="0"/>
-              </a:spcBef>
-              <a:spcAft>
-                <a:spcPts val="600"/>
-              </a:spcAft>
-              <a:buFont typeface="Arial" panose="020B0604020202020204" pitchFamily="34" charset="0"/>
-              <a:buChar char="•"/>
-            </a:pPr>
-            <a:r>
-              <a:rPr lang="en-US" sz="1800" dirty="0"/>
-              <a:t>High sugar consumption can lead to health impacts like obesity</a:t>
-            </a:r>
-          </a:p>
-          <a:p>
-            <a:pPr lvl="1">
-              <a:lnSpc>
-                <a:spcPct val="110000"/>
-              </a:lnSpc>
-              <a:spcBef>
-                <a:spcPts val="0"/>
-              </a:spcBef>
-              <a:spcAft>
-                <a:spcPts val="600"/>
-              </a:spcAft>
-              <a:buFont typeface="Arial" panose="020B0604020202020204" pitchFamily="34" charset="0"/>
-              <a:buChar char="•"/>
-            </a:pPr>
-            <a:r>
-              <a:rPr lang="en-US" sz="1800" dirty="0"/>
-              <a:t>US is the country with the highest sugar consumption around the world</a:t>
-            </a:r>
-          </a:p>
-          <a:p>
-            <a:pPr marL="201168" lvl="1" indent="0">
-              <a:lnSpc>
-                <a:spcPct val="110000"/>
-              </a:lnSpc>
-              <a:spcBef>
-                <a:spcPts val="0"/>
-              </a:spcBef>
-              <a:spcAft>
-                <a:spcPts val="600"/>
-              </a:spcAft>
-              <a:buNone/>
-            </a:pPr>
-            <a:endParaRPr lang="en-US" sz="1300" dirty="0"/>
-          </a:p>
-          <a:p>
-            <a:pPr marL="201168" lvl="1" indent="0">
-              <a:lnSpc>
-                <a:spcPct val="110000"/>
-              </a:lnSpc>
-              <a:spcBef>
-                <a:spcPts val="0"/>
-              </a:spcBef>
-              <a:spcAft>
-                <a:spcPts val="600"/>
-              </a:spcAft>
-              <a:buNone/>
-            </a:pPr>
-            <a:r>
-              <a:rPr lang="en-US" sz="2300" b="1" dirty="0"/>
-              <a:t>Unexpected Results:</a:t>
-            </a:r>
-          </a:p>
-          <a:p>
-            <a:pPr lvl="1">
-              <a:lnSpc>
-                <a:spcPct val="110000"/>
-              </a:lnSpc>
-              <a:spcBef>
-                <a:spcPts val="0"/>
-              </a:spcBef>
-              <a:spcAft>
-                <a:spcPts val="600"/>
-              </a:spcAft>
-              <a:buFont typeface="Arial" panose="020B0604020202020204" pitchFamily="34" charset="0"/>
-              <a:buChar char="•"/>
-            </a:pPr>
-            <a:r>
-              <a:rPr lang="en-US" sz="1800" dirty="0"/>
-              <a:t>Bad dental health is not correlated to sugar intake</a:t>
-            </a:r>
-          </a:p>
-          <a:p>
-            <a:pPr lvl="1">
-              <a:lnSpc>
-                <a:spcPct val="110000"/>
-              </a:lnSpc>
-              <a:spcBef>
-                <a:spcPts val="0"/>
-              </a:spcBef>
-              <a:spcAft>
-                <a:spcPts val="600"/>
-              </a:spcAft>
-              <a:buFont typeface="Arial" panose="020B0604020202020204" pitchFamily="34" charset="0"/>
-              <a:buChar char="•"/>
-            </a:pPr>
-            <a:r>
-              <a:rPr lang="en-US" sz="1800" dirty="0"/>
-              <a:t>Malta and Switzerland are in the top 3 of countries with high sugar consumption</a:t>
-            </a:r>
-          </a:p>
-          <a:p>
-            <a:pPr marL="201168" lvl="1" indent="0">
-              <a:lnSpc>
-                <a:spcPct val="110000"/>
-              </a:lnSpc>
-              <a:spcBef>
-                <a:spcPts val="0"/>
-              </a:spcBef>
-              <a:spcAft>
-                <a:spcPts val="600"/>
-              </a:spcAft>
-              <a:buNone/>
-            </a:pPr>
-            <a:endParaRPr lang="en-US" sz="2300" dirty="0"/>
-          </a:p>
-          <a:p>
-            <a:pPr lvl="1">
-              <a:lnSpc>
-                <a:spcPct val="110000"/>
-              </a:lnSpc>
-              <a:spcBef>
-                <a:spcPts val="0"/>
-              </a:spcBef>
-              <a:spcAft>
-                <a:spcPts val="600"/>
-              </a:spcAft>
-              <a:buFont typeface="Arial" panose="020B0604020202020204" pitchFamily="34" charset="0"/>
-              <a:buChar char="•"/>
-            </a:pPr>
-            <a:endParaRPr lang="en-US" sz="1300" dirty="0"/>
-          </a:p>
-          <a:p>
-            <a:pPr lvl="2">
-              <a:lnSpc>
-                <a:spcPct val="110000"/>
-              </a:lnSpc>
-              <a:spcBef>
-                <a:spcPts val="0"/>
-              </a:spcBef>
-              <a:spcAft>
-                <a:spcPts val="600"/>
-              </a:spcAft>
-              <a:buFont typeface="Arial" panose="020B0604020202020204" pitchFamily="34" charset="0"/>
-              <a:buChar char="•"/>
-            </a:pPr>
-            <a:endParaRPr lang="en-US" sz="1300" dirty="0"/>
-          </a:p>
-        </p:txBody>
-      </p:sp>
-      <p:sp>
-        <p:nvSpPr>
-          <p:cNvPr id="15" name="Rectangle 14">
+            <a:pPr algn="ctr"/>
+            <a:r>
+              <a:rPr lang="en-US" sz="2400" dirty="0">
+                <a:solidFill>
+                  <a:srgbClr val="FFFFFF"/>
+                </a:solidFill>
+              </a:rPr>
+              <a:t>Whole Milk </a:t>
+            </a:r>
+          </a:p>
+          <a:p>
+            <a:pPr algn="ctr"/>
+            <a:r>
+              <a:rPr lang="en-US" sz="2400" dirty="0">
+                <a:solidFill>
+                  <a:srgbClr val="FFFFFF"/>
+                </a:solidFill>
+              </a:rPr>
+              <a:t>Vegetables</a:t>
+            </a:r>
+          </a:p>
+          <a:p>
+            <a:pPr algn="ctr"/>
+            <a:r>
+              <a:rPr lang="en-US" sz="2400" dirty="0">
+                <a:solidFill>
+                  <a:srgbClr val="FFFFFF"/>
+                </a:solidFill>
+              </a:rPr>
+              <a:t>Rolls/Buns </a:t>
+            </a:r>
+          </a:p>
+          <a:p>
+            <a:pPr algn="ctr"/>
+            <a:r>
+              <a:rPr lang="en-US" sz="2400" dirty="0">
+                <a:solidFill>
+                  <a:srgbClr val="FFFFFF"/>
+                </a:solidFill>
+              </a:rPr>
+              <a:t>Yogurt</a:t>
+            </a:r>
+          </a:p>
+          <a:p>
+            <a:pPr algn="ctr"/>
+            <a:r>
+              <a:rPr lang="en-US" sz="2400" dirty="0">
+                <a:solidFill>
+                  <a:srgbClr val="FFFFFF"/>
+                </a:solidFill>
+              </a:rPr>
+              <a:t>Soda</a:t>
+            </a:r>
+          </a:p>
+          <a:p>
+            <a:endParaRPr lang="en-US" dirty="0">
+              <a:solidFill>
+                <a:srgbClr val="FFFFFF"/>
+              </a:solidFill>
+            </a:endParaRPr>
+          </a:p>
+        </p:txBody>
+      </p:sp>
+      <p:pic>
+        <p:nvPicPr>
+          <p:cNvPr id="13" name="Picture 12">
             <a:extLst>
               <a:ext uri="{FF2B5EF4-FFF2-40B4-BE49-F238E27FC236}">
-                <a16:creationId xmlns:a16="http://schemas.microsoft.com/office/drawing/2014/main" id="{C1B60310-C5C3-46A0-A452-2A0B008434DA}"/>
+                <a16:creationId xmlns:a16="http://schemas.microsoft.com/office/drawing/2014/main" id="{6C971FEA-34CB-4F31-8183-457E7FE39BA1}"/>
+              </a:ext>
+            </a:extLst>
+          </p:cNvPr>
+          <p:cNvPicPr>
+            <a:picLocks noChangeAspect="1"/>
+          </p:cNvPicPr>
+          <p:nvPr/>
+        </p:nvPicPr>
+        <p:blipFill>
+          <a:blip r:embed="rId3"/>
+          <a:stretch>
+            <a:fillRect/>
+          </a:stretch>
+        </p:blipFill>
+        <p:spPr>
+          <a:xfrm>
+            <a:off x="4059935" y="485964"/>
+            <a:ext cx="4471286" cy="3152256"/>
+          </a:xfrm>
+          <a:prstGeom prst="rect">
+            <a:avLst/>
+          </a:prstGeom>
+        </p:spPr>
+      </p:pic>
+      <p:sp>
+        <p:nvSpPr>
+          <p:cNvPr id="14" name="TextBox 13">
+            <a:extLst>
+              <a:ext uri="{FF2B5EF4-FFF2-40B4-BE49-F238E27FC236}">
+                <a16:creationId xmlns:a16="http://schemas.microsoft.com/office/drawing/2014/main" id="{08A0B583-177B-4B4B-9703-4FE58C2F12BB}"/>
+              </a:ext>
+            </a:extLst>
+          </p:cNvPr>
+          <p:cNvSpPr txBox="1"/>
+          <p:nvPr/>
+        </p:nvSpPr>
+        <p:spPr>
+          <a:xfrm>
+            <a:off x="4596542" y="3964688"/>
+            <a:ext cx="5850194" cy="1938992"/>
+          </a:xfrm>
+          <a:prstGeom prst="rect">
+            <a:avLst/>
+          </a:prstGeom>
+          <a:noFill/>
+        </p:spPr>
+        <p:txBody>
+          <a:bodyPr wrap="square" rtlCol="0">
+            <a:spAutoFit/>
+          </a:bodyPr>
+          <a:lstStyle/>
+          <a:p>
+            <a:pPr marL="342900" indent="-342900">
+              <a:buAutoNum type="arabicPeriod"/>
+            </a:pPr>
+            <a:r>
+              <a:rPr lang="en-US" sz="1200" dirty="0"/>
+              <a:t>Imported the Grocery data CSV files.</a:t>
+            </a:r>
+          </a:p>
+          <a:p>
+            <a:pPr marL="342900" indent="-342900">
+              <a:buAutoNum type="arabicPeriod"/>
+            </a:pPr>
+            <a:r>
+              <a:rPr lang="en-US" sz="1200" dirty="0" err="1"/>
+              <a:t>Groupby</a:t>
+            </a:r>
+            <a:r>
+              <a:rPr lang="en-US" sz="1200" dirty="0"/>
+              <a:t> Item List to get a count of the most purchased product.</a:t>
+            </a:r>
+          </a:p>
+          <a:p>
+            <a:pPr marL="342900" indent="-342900">
+              <a:buAutoNum type="arabicPeriod"/>
+            </a:pPr>
+            <a:r>
+              <a:rPr lang="en-US" sz="1200" dirty="0"/>
+              <a:t>Validated the data to ensure the data is accurate.</a:t>
+            </a:r>
+          </a:p>
+          <a:p>
+            <a:pPr marL="342900" indent="-342900">
+              <a:buAutoNum type="arabicPeriod"/>
+            </a:pPr>
+            <a:r>
+              <a:rPr lang="en-US" sz="1200" dirty="0"/>
+              <a:t>Used the Matplotlib method to get the bar graph.</a:t>
+            </a:r>
+          </a:p>
+          <a:p>
+            <a:pPr marL="342900" indent="-342900">
+              <a:buAutoNum type="arabicPeriod"/>
+            </a:pPr>
+            <a:r>
+              <a:rPr lang="en-US" sz="1200" dirty="0"/>
+              <a:t>Pulled the API from Fat Secret to get the sugar contents of the products.</a:t>
+            </a:r>
+          </a:p>
+          <a:p>
+            <a:pPr marL="800100" lvl="1" indent="-342900">
+              <a:buFont typeface="Wingdings" panose="05000000000000000000" pitchFamily="2" charset="2"/>
+              <a:buChar char="Ø"/>
+            </a:pPr>
+            <a:r>
+              <a:rPr lang="en-US" sz="1200" dirty="0"/>
+              <a:t>API was reviewed and generic product were chosen for each item.</a:t>
+            </a:r>
+          </a:p>
+          <a:p>
+            <a:pPr marL="800100" lvl="1" indent="-342900">
+              <a:buFont typeface="Wingdings" panose="05000000000000000000" pitchFamily="2" charset="2"/>
+              <a:buChar char="Ø"/>
+            </a:pPr>
+            <a:endParaRPr lang="en-US" sz="1200" dirty="0"/>
+          </a:p>
+          <a:p>
+            <a:pPr marL="342900" indent="-342900">
+              <a:buAutoNum type="arabicPeriod"/>
+            </a:pPr>
+            <a:endParaRPr lang="en-US" dirty="0"/>
+          </a:p>
+          <a:p>
+            <a:pPr marL="342900" indent="-342900">
+              <a:buAutoNum type="arabicPeriod"/>
+            </a:pPr>
+            <a:endParaRPr lang="en-CA" dirty="0"/>
+          </a:p>
+        </p:txBody>
+      </p:sp>
+      <p:pic>
+        <p:nvPicPr>
+          <p:cNvPr id="6" name="Picture 5">
+            <a:extLst>
+              <a:ext uri="{FF2B5EF4-FFF2-40B4-BE49-F238E27FC236}">
+                <a16:creationId xmlns:a16="http://schemas.microsoft.com/office/drawing/2014/main" id="{29760ACF-59AE-46F4-9B75-327BEA60D1F5}"/>
+              </a:ext>
+            </a:extLst>
+          </p:cNvPr>
+          <p:cNvPicPr>
+            <a:picLocks noChangeAspect="1"/>
+          </p:cNvPicPr>
+          <p:nvPr/>
+        </p:nvPicPr>
+        <p:blipFill>
+          <a:blip r:embed="rId4"/>
+          <a:stretch>
+            <a:fillRect/>
+          </a:stretch>
+        </p:blipFill>
+        <p:spPr>
+          <a:xfrm>
+            <a:off x="7862247" y="258748"/>
+            <a:ext cx="3913442" cy="3184682"/>
+          </a:xfrm>
+          <a:prstGeom prst="rect">
+            <a:avLst/>
+          </a:prstGeom>
+        </p:spPr>
+      </p:pic>
+    </p:spTree>
+    <p:extLst>
+      <p:ext uri="{BB962C8B-B14F-4D97-AF65-F5344CB8AC3E}">
+        <p14:creationId xmlns:p14="http://schemas.microsoft.com/office/powerpoint/2010/main" val="1135346001"/>
+      </p:ext>
+    </p:extLst>
+  </p:cSld>
+  <p:clrMapOvr>
+    <a:masterClrMapping/>
+  </p:clrMapOvr>
+</p:sld>
+</file>
+
+<file path=ppt/slides/slide16.xml><?xml version="1.0" encoding="utf-8"?>
+<p:sld xmlns:a="http://schemas.openxmlformats.org/drawingml/2006/main" xmlns:r="http://schemas.openxmlformats.org/officeDocument/2006/relationships" xmlns:p="http://schemas.openxmlformats.org/presentationml/2006/main">
+  <p:cSld>
+    <p:bg>
+      <p:bgPr>
+        <a:solidFill>
+          <a:schemeClr val="bg1"/>
+        </a:solidFill>
+        <a:effectLst/>
+      </p:bgPr>
+    </p:bg>
+    <p:spTree>
+      <p:nvGrpSpPr>
+        <p:cNvPr id="1" name=""/>
+        <p:cNvGrpSpPr/>
+        <p:nvPr/>
+      </p:nvGrpSpPr>
+      <p:grpSpPr>
+        <a:xfrm>
+          <a:off x="0" y="0"/>
+          <a:ext cx="0" cy="0"/>
+          <a:chOff x="0" y="0"/>
+          <a:chExt cx="0" cy="0"/>
+        </a:xfrm>
+      </p:grpSpPr>
+      <p:sp useBgFill="1">
+        <p:nvSpPr>
+          <p:cNvPr id="11" name="Rectangle 10">
+            <a:extLst>
+              <a:ext uri="{FF2B5EF4-FFF2-40B4-BE49-F238E27FC236}">
+                <a16:creationId xmlns:a16="http://schemas.microsoft.com/office/drawing/2014/main" id="{67B74F2B-9534-4540-96B0-5C8E958B940F}"/>
               </a:ext>
               <a:ext uri="{C183D7F6-B498-43B3-948B-1728B52AA6E4}">
                 <adec:decorative xmlns:adec="http://schemas.microsoft.com/office/drawing/2017/decorative" val="1"/>
@@ -10028,15 +10119,12 @@
         </p:nvSpPr>
         <p:spPr>
           <a:xfrm>
-            <a:off x="-1" y="6400800"/>
-            <a:ext cx="12192000" cy="457200"/>
+            <a:off x="0" y="0"/>
+            <a:ext cx="12192001" cy="6858000"/>
           </a:xfrm>
           <a:prstGeom prst="rect">
             <a:avLst/>
           </a:prstGeom>
-          <a:solidFill>
-            <a:srgbClr val="262626"/>
-          </a:solidFill>
           <a:ln>
             <a:noFill/>
           </a:ln>
@@ -10057,37 +10145,15 @@
             <a:schemeClr val="lt1"/>
           </a:fontRef>
         </p:style>
-      </p:sp>
-    </p:spTree>
-    <p:extLst>
-      <p:ext uri="{BB962C8B-B14F-4D97-AF65-F5344CB8AC3E}">
-        <p14:creationId xmlns:p14="http://schemas.microsoft.com/office/powerpoint/2010/main" val="2312304452"/>
-      </p:ext>
-    </p:extLst>
-  </p:cSld>
-  <p:clrMapOvr>
-    <a:masterClrMapping/>
-  </p:clrMapOvr>
-</p:sld>
-</file>
-
-<file path=ppt/slides/slide16.xml><?xml version="1.0" encoding="utf-8"?>
-<p:sld xmlns:a="http://schemas.openxmlformats.org/drawingml/2006/main" xmlns:r="http://schemas.openxmlformats.org/officeDocument/2006/relationships" xmlns:p="http://schemas.openxmlformats.org/presentationml/2006/main">
-  <p:cSld>
-    <p:spTree>
-      <p:nvGrpSpPr>
-        <p:cNvPr id="1" name=""/>
-        <p:cNvGrpSpPr/>
-        <p:nvPr/>
-      </p:nvGrpSpPr>
-      <p:grpSpPr>
-        <a:xfrm>
-          <a:off x="0" y="0"/>
-          <a:ext cx="0" cy="0"/>
-          <a:chOff x="0" y="0"/>
-          <a:chExt cx="0" cy="0"/>
-        </a:xfrm>
-      </p:grpSpPr>
+        <p:txBody>
+          <a:bodyPr rtlCol="0" anchor="ctr"/>
+          <a:lstStyle/>
+          <a:p>
+            <a:pPr algn="ctr"/>
+            <a:endParaRPr lang="en-US"/>
+          </a:p>
+        </p:txBody>
+      </p:sp>
       <p:sp>
         <p:nvSpPr>
           <p:cNvPr id="2" name="Title 1">
@@ -10106,8 +10172,8 @@
         </p:nvSpPr>
         <p:spPr>
           <a:xfrm>
-            <a:off x="5172074" y="286604"/>
-            <a:ext cx="6491191" cy="1374246"/>
+            <a:off x="5242903" y="276747"/>
+            <a:ext cx="5983605" cy="1450757"/>
           </a:xfrm>
         </p:spPr>
         <p:txBody>
@@ -10118,411 +10184,18 @@
           <a:p>
             <a:r>
               <a:rPr lang="en-US" b="1" dirty="0"/>
-              <a:t>CHALLENGES</a:t>
+              <a:t>CONCLUSIONS</a:t>
             </a:r>
             <a:endParaRPr lang="en-CA" b="1" dirty="0"/>
-          </a:p>
-        </p:txBody>
-      </p:sp>
-      <p:sp>
-        <p:nvSpPr>
-          <p:cNvPr id="3" name="Content Placeholder 2">
-            <a:extLst>
-              <a:ext uri="{FF2B5EF4-FFF2-40B4-BE49-F238E27FC236}">
-                <a16:creationId xmlns:a16="http://schemas.microsoft.com/office/drawing/2014/main" id="{C990EB9B-20EF-41D2-BF3A-03ED63507C68}"/>
-              </a:ext>
-            </a:extLst>
-          </p:cNvPr>
-          <p:cNvSpPr>
-            <a:spLocks noGrp="1"/>
-          </p:cNvSpPr>
-          <p:nvPr>
-            <p:ph idx="1"/>
-          </p:nvPr>
-        </p:nvSpPr>
-        <p:spPr>
-          <a:xfrm>
-            <a:off x="4889344" y="2038351"/>
-            <a:ext cx="6491191" cy="4038599"/>
-          </a:xfrm>
-        </p:spPr>
-        <p:txBody>
-          <a:bodyPr>
-            <a:normAutofit fontScale="92500" lnSpcReduction="10000"/>
-          </a:bodyPr>
-          <a:lstStyle/>
-          <a:p>
-            <a:pPr eaLnBrk="0" fontAlgn="base" hangingPunct="0">
-              <a:lnSpc>
-                <a:spcPct val="100000"/>
-              </a:lnSpc>
-              <a:spcBef>
-                <a:spcPct val="0"/>
-              </a:spcBef>
-              <a:spcAft>
-                <a:spcPct val="0"/>
-              </a:spcAft>
-              <a:buClrTx/>
-              <a:buSzTx/>
-              <a:buFont typeface="Arial" panose="020B0604020202020204" pitchFamily="34" charset="0"/>
-              <a:buChar char="•"/>
-            </a:pPr>
-            <a:endParaRPr lang="en-US" altLang="en-US" sz="2400" dirty="0">
-              <a:solidFill>
-                <a:schemeClr val="tx1"/>
-              </a:solidFill>
-              <a:latin typeface="Arial" panose="020B0604020202020204" pitchFamily="34" charset="0"/>
-            </a:endParaRPr>
-          </a:p>
-          <a:p>
-            <a:pPr eaLnBrk="0" fontAlgn="base" hangingPunct="0">
-              <a:lnSpc>
-                <a:spcPct val="100000"/>
-              </a:lnSpc>
-              <a:spcBef>
-                <a:spcPct val="0"/>
-              </a:spcBef>
-              <a:spcAft>
-                <a:spcPct val="0"/>
-              </a:spcAft>
-              <a:buClrTx/>
-              <a:buSzTx/>
-              <a:buFont typeface="Arial" panose="020B0604020202020204" pitchFamily="34" charset="0"/>
-              <a:buChar char="•"/>
-            </a:pPr>
-            <a:r>
-              <a:rPr lang="en-US" altLang="en-US" sz="2400" dirty="0">
-                <a:solidFill>
-                  <a:schemeClr val="tx1"/>
-                </a:solidFill>
-                <a:latin typeface="Arial" panose="020B0604020202020204" pitchFamily="34" charset="0"/>
-              </a:rPr>
-              <a:t> </a:t>
-            </a:r>
-            <a:r>
-              <a:rPr lang="en-US" altLang="en-US" sz="3200" dirty="0">
-                <a:solidFill>
-                  <a:schemeClr val="tx1"/>
-                </a:solidFill>
-                <a:latin typeface="Arial" panose="020B0604020202020204" pitchFamily="34" charset="0"/>
-              </a:rPr>
-              <a:t>Data Collection</a:t>
-            </a:r>
-          </a:p>
-          <a:p>
-            <a:pPr lvl="1" eaLnBrk="0" fontAlgn="base" hangingPunct="0">
-              <a:lnSpc>
-                <a:spcPct val="100000"/>
-              </a:lnSpc>
-              <a:spcBef>
-                <a:spcPct val="0"/>
-              </a:spcBef>
-              <a:spcAft>
-                <a:spcPct val="0"/>
-              </a:spcAft>
-              <a:buFont typeface="Wingdings" panose="05000000000000000000" pitchFamily="2" charset="2"/>
-              <a:buChar char="Ø"/>
-            </a:pPr>
-            <a:r>
-              <a:rPr lang="en-US" altLang="en-US" sz="2000" dirty="0">
-                <a:solidFill>
-                  <a:schemeClr val="tx1"/>
-                </a:solidFill>
-                <a:latin typeface="Arial" panose="020B0604020202020204" pitchFamily="34" charset="0"/>
-              </a:rPr>
-              <a:t>Difficulties finding recent data and dataset within the same year</a:t>
-            </a:r>
-          </a:p>
-          <a:p>
-            <a:pPr lvl="1" eaLnBrk="0" fontAlgn="base" hangingPunct="0">
-              <a:lnSpc>
-                <a:spcPct val="100000"/>
-              </a:lnSpc>
-              <a:spcBef>
-                <a:spcPct val="0"/>
-              </a:spcBef>
-              <a:spcAft>
-                <a:spcPct val="0"/>
-              </a:spcAft>
-              <a:buFont typeface="Wingdings" panose="05000000000000000000" pitchFamily="2" charset="2"/>
-              <a:buChar char="Ø"/>
-            </a:pPr>
-            <a:r>
-              <a:rPr lang="en-US" altLang="en-US" sz="2000" dirty="0">
-                <a:solidFill>
-                  <a:schemeClr val="tx1"/>
-                </a:solidFill>
-                <a:latin typeface="Arial" panose="020B0604020202020204" pitchFamily="34" charset="0"/>
-              </a:rPr>
-              <a:t>Used more outdated sets then we would have liked</a:t>
-            </a:r>
-          </a:p>
-          <a:p>
-            <a:pPr marL="201168" lvl="1" indent="0" eaLnBrk="0" fontAlgn="base" hangingPunct="0">
-              <a:lnSpc>
-                <a:spcPct val="100000"/>
-              </a:lnSpc>
-              <a:spcBef>
-                <a:spcPct val="0"/>
-              </a:spcBef>
-              <a:spcAft>
-                <a:spcPct val="0"/>
-              </a:spcAft>
-              <a:buNone/>
-            </a:pPr>
-            <a:endParaRPr lang="en-US" altLang="en-US" sz="2000" dirty="0">
-              <a:solidFill>
-                <a:schemeClr val="tx1"/>
-              </a:solidFill>
-              <a:latin typeface="Arial" panose="020B0604020202020204" pitchFamily="34" charset="0"/>
-            </a:endParaRPr>
-          </a:p>
-          <a:p>
-            <a:pPr marL="201168" lvl="1" indent="0" eaLnBrk="0" fontAlgn="base" hangingPunct="0">
-              <a:lnSpc>
-                <a:spcPct val="100000"/>
-              </a:lnSpc>
-              <a:spcBef>
-                <a:spcPct val="0"/>
-              </a:spcBef>
-              <a:spcAft>
-                <a:spcPct val="0"/>
-              </a:spcAft>
-              <a:buNone/>
-            </a:pPr>
-            <a:endParaRPr lang="en-US" altLang="en-US" sz="2000" dirty="0">
-              <a:solidFill>
-                <a:schemeClr val="tx1"/>
-              </a:solidFill>
-              <a:latin typeface="Arial" panose="020B0604020202020204" pitchFamily="34" charset="0"/>
-            </a:endParaRPr>
-          </a:p>
-          <a:p>
-            <a:pPr marL="201168" lvl="1" indent="0" eaLnBrk="0" fontAlgn="base" hangingPunct="0">
-              <a:lnSpc>
-                <a:spcPct val="100000"/>
-              </a:lnSpc>
-              <a:spcBef>
-                <a:spcPct val="0"/>
-              </a:spcBef>
-              <a:spcAft>
-                <a:spcPct val="0"/>
-              </a:spcAft>
-              <a:buNone/>
-            </a:pPr>
-            <a:endParaRPr lang="en-US" altLang="en-US" sz="2000" dirty="0">
-              <a:solidFill>
-                <a:schemeClr val="tx1"/>
-              </a:solidFill>
-              <a:latin typeface="Arial" panose="020B0604020202020204" pitchFamily="34" charset="0"/>
-            </a:endParaRPr>
-          </a:p>
-          <a:p>
-            <a:pPr marL="201168" lvl="1" indent="0" eaLnBrk="0" fontAlgn="base" hangingPunct="0">
-              <a:lnSpc>
-                <a:spcPct val="100000"/>
-              </a:lnSpc>
-              <a:spcBef>
-                <a:spcPct val="0"/>
-              </a:spcBef>
-              <a:spcAft>
-                <a:spcPct val="0"/>
-              </a:spcAft>
-              <a:buNone/>
-            </a:pPr>
-            <a:endParaRPr lang="en-US" altLang="en-US" sz="2000" dirty="0">
-              <a:solidFill>
-                <a:schemeClr val="tx1"/>
-              </a:solidFill>
-              <a:latin typeface="Arial" panose="020B0604020202020204" pitchFamily="34" charset="0"/>
-            </a:endParaRPr>
-          </a:p>
-          <a:p>
-            <a:pPr eaLnBrk="0" fontAlgn="base" hangingPunct="0">
-              <a:lnSpc>
-                <a:spcPct val="100000"/>
-              </a:lnSpc>
-              <a:spcBef>
-                <a:spcPct val="0"/>
-              </a:spcBef>
-              <a:spcAft>
-                <a:spcPct val="0"/>
-              </a:spcAft>
-              <a:buClrTx/>
-              <a:buSzTx/>
-              <a:buFont typeface="Arial" panose="020B0604020202020204" pitchFamily="34" charset="0"/>
-              <a:buChar char="•"/>
-            </a:pPr>
-            <a:r>
-              <a:rPr kumimoji="0" lang="en-US" altLang="en-US" sz="3600" b="0" i="0" u="none" strike="noStrike" cap="none" normalizeH="0" baseline="0" dirty="0">
-                <a:ln>
-                  <a:noFill/>
-                </a:ln>
-                <a:solidFill>
-                  <a:schemeClr val="tx1"/>
-                </a:solidFill>
-                <a:effectLst/>
-                <a:latin typeface="Arial" panose="020B0604020202020204" pitchFamily="34" charset="0"/>
-              </a:rPr>
-              <a:t> </a:t>
-            </a:r>
-            <a:r>
-              <a:rPr kumimoji="0" lang="en-US" altLang="en-US" sz="3200" b="0" i="0" u="none" strike="noStrike" cap="none" normalizeH="0" baseline="0" dirty="0">
-                <a:ln>
-                  <a:noFill/>
-                </a:ln>
-                <a:solidFill>
-                  <a:schemeClr val="tx1"/>
-                </a:solidFill>
-                <a:effectLst/>
-                <a:latin typeface="Arial" panose="020B0604020202020204" pitchFamily="34" charset="0"/>
-              </a:rPr>
-              <a:t>API</a:t>
-            </a:r>
-          </a:p>
-          <a:p>
-            <a:pPr lvl="1" eaLnBrk="0" fontAlgn="base" hangingPunct="0">
-              <a:lnSpc>
-                <a:spcPct val="100000"/>
-              </a:lnSpc>
-              <a:spcBef>
-                <a:spcPct val="0"/>
-              </a:spcBef>
-              <a:spcAft>
-                <a:spcPct val="0"/>
-              </a:spcAft>
-              <a:buFont typeface="Wingdings" panose="05000000000000000000" pitchFamily="2" charset="2"/>
-              <a:buChar char="Ø"/>
-            </a:pPr>
-            <a:r>
-              <a:rPr kumimoji="0" lang="en-US" altLang="en-US" sz="2000" b="0" i="0" u="none" strike="noStrike" cap="none" normalizeH="0" baseline="0" dirty="0">
-                <a:ln>
-                  <a:noFill/>
-                </a:ln>
-                <a:solidFill>
-                  <a:schemeClr val="tx1"/>
-                </a:solidFill>
-                <a:effectLst/>
-                <a:latin typeface="Arial" panose="020B0604020202020204" pitchFamily="34" charset="0"/>
-              </a:rPr>
-              <a:t>No standardization with nutrition labels</a:t>
-            </a:r>
-          </a:p>
-          <a:p>
-            <a:pPr lvl="1" eaLnBrk="0" fontAlgn="base" hangingPunct="0">
-              <a:lnSpc>
-                <a:spcPct val="100000"/>
-              </a:lnSpc>
-              <a:spcBef>
-                <a:spcPct val="0"/>
-              </a:spcBef>
-              <a:spcAft>
-                <a:spcPct val="0"/>
-              </a:spcAft>
-              <a:buFont typeface="Wingdings" panose="05000000000000000000" pitchFamily="2" charset="2"/>
-              <a:buChar char="Ø"/>
-            </a:pPr>
-            <a:r>
-              <a:rPr kumimoji="0" lang="en-US" altLang="en-US" sz="2000" b="0" i="0" u="none" strike="noStrike" cap="none" normalizeH="0" baseline="0" dirty="0">
-                <a:ln>
-                  <a:noFill/>
-                </a:ln>
-                <a:solidFill>
-                  <a:schemeClr val="tx1"/>
-                </a:solidFill>
-                <a:effectLst/>
-                <a:latin typeface="Arial" panose="020B0604020202020204" pitchFamily="34" charset="0"/>
-              </a:rPr>
-              <a:t>Inconsisten</a:t>
-            </a:r>
-            <a:r>
-              <a:rPr lang="en-US" altLang="en-US" sz="2000" dirty="0">
-                <a:solidFill>
-                  <a:schemeClr val="tx1"/>
-                </a:solidFill>
-                <a:latin typeface="Arial" panose="020B0604020202020204" pitchFamily="34" charset="0"/>
-              </a:rPr>
-              <a:t>t data types</a:t>
-            </a:r>
-          </a:p>
-          <a:p>
-            <a:pPr lvl="1" eaLnBrk="0" fontAlgn="base" hangingPunct="0">
-              <a:lnSpc>
-                <a:spcPct val="100000"/>
-              </a:lnSpc>
-              <a:spcBef>
-                <a:spcPct val="0"/>
-              </a:spcBef>
-              <a:spcAft>
-                <a:spcPct val="0"/>
-              </a:spcAft>
-              <a:buFont typeface="Wingdings" panose="05000000000000000000" pitchFamily="2" charset="2"/>
-              <a:buChar char="Ø"/>
-            </a:pPr>
-            <a:r>
-              <a:rPr kumimoji="0" lang="en-US" altLang="en-US" sz="2000" b="0" i="0" u="none" strike="noStrike" cap="none" normalizeH="0" baseline="0" dirty="0">
-                <a:ln>
-                  <a:noFill/>
-                </a:ln>
-                <a:solidFill>
-                  <a:schemeClr val="tx1"/>
-                </a:solidFill>
-                <a:effectLst/>
-                <a:latin typeface="Arial" panose="020B0604020202020204" pitchFamily="34" charset="0"/>
-              </a:rPr>
-              <a:t>Choosing a product that represent a grocery category</a:t>
-            </a:r>
-          </a:p>
-          <a:p>
-            <a:pPr marL="201168" lvl="1" indent="0" eaLnBrk="0" fontAlgn="base" hangingPunct="0">
-              <a:lnSpc>
-                <a:spcPct val="100000"/>
-              </a:lnSpc>
-              <a:spcBef>
-                <a:spcPct val="0"/>
-              </a:spcBef>
-              <a:spcAft>
-                <a:spcPct val="0"/>
-              </a:spcAft>
-              <a:buNone/>
-            </a:pPr>
-            <a:endParaRPr kumimoji="0" lang="en-US" altLang="en-US" b="0" i="0" u="none" strike="noStrike" cap="none" normalizeH="0" baseline="0" dirty="0">
-              <a:ln>
-                <a:noFill/>
-              </a:ln>
-              <a:solidFill>
-                <a:schemeClr val="tx1"/>
-              </a:solidFill>
-              <a:effectLst/>
-              <a:latin typeface="Arial" panose="020B0604020202020204" pitchFamily="34" charset="0"/>
-            </a:endParaRPr>
-          </a:p>
-          <a:p>
-            <a:pPr eaLnBrk="0" fontAlgn="base" hangingPunct="0">
-              <a:lnSpc>
-                <a:spcPct val="100000"/>
-              </a:lnSpc>
-              <a:spcBef>
-                <a:spcPct val="0"/>
-              </a:spcBef>
-              <a:spcAft>
-                <a:spcPct val="0"/>
-              </a:spcAft>
-              <a:buClrTx/>
-              <a:buSzTx/>
-              <a:buFont typeface="Arial" panose="020B0604020202020204" pitchFamily="34" charset="0"/>
-              <a:buChar char="•"/>
-            </a:pPr>
-            <a:endParaRPr lang="en-US" sz="2800" dirty="0"/>
           </a:p>
         </p:txBody>
       </p:sp>
       <p:pic>
         <p:nvPicPr>
-          <p:cNvPr id="6" name="Picture 5" descr="Logo&#10;&#10;Description automatically generated">
+          <p:cNvPr id="6" name="Picture 5" descr="A picture containing person, table&#10;&#10;Description automatically generated">
             <a:extLst>
               <a:ext uri="{FF2B5EF4-FFF2-40B4-BE49-F238E27FC236}">
-                <a16:creationId xmlns:a16="http://schemas.microsoft.com/office/drawing/2014/main" id="{89BF6574-3168-4FCC-A0C3-A041CFF86C00}"/>
+                <a16:creationId xmlns:a16="http://schemas.microsoft.com/office/drawing/2014/main" id="{E4220F78-7F8B-4671-B15F-AFC179F7AC30}"/>
               </a:ext>
             </a:extLst>
           </p:cNvPr>
@@ -10531,7 +10204,7 @@
           </p:cNvPicPr>
           <p:nvPr/>
         </p:nvPicPr>
-        <p:blipFill>
+        <p:blipFill rotWithShape="1">
           <a:blip r:embed="rId3">
             <a:extLst>
               <a:ext uri="{28A0092B-C50C-407E-A947-70E740481C1C}">
@@ -10539,24 +10212,374 @@
               </a:ext>
             </a:extLst>
           </a:blip>
-          <a:stretch>
-            <a:fillRect/>
-          </a:stretch>
+          <a:srcRect l="30398" r="21839"/>
+          <a:stretch/>
         </p:blipFill>
         <p:spPr>
           <a:xfrm>
-            <a:off x="-1" y="0"/>
-            <a:ext cx="4527395" cy="6423102"/>
+            <a:off x="20" y="10"/>
+            <a:ext cx="4580077" cy="6400784"/>
           </a:xfrm>
           <a:prstGeom prst="rect">
             <a:avLst/>
           </a:prstGeom>
         </p:spPr>
       </p:pic>
+      <p:cxnSp>
+        <p:nvCxnSpPr>
+          <p:cNvPr id="13" name="Straight Connector 12">
+            <a:extLst>
+              <a:ext uri="{FF2B5EF4-FFF2-40B4-BE49-F238E27FC236}">
+                <a16:creationId xmlns:a16="http://schemas.microsoft.com/office/drawing/2014/main" id="{33BECB2B-2CFA-412C-880F-C4B60974936F}"/>
+              </a:ext>
+              <a:ext uri="{C183D7F6-B498-43B3-948B-1728B52AA6E4}">
+                <adec:decorative xmlns:adec="http://schemas.microsoft.com/office/drawing/2017/decorative" val="1"/>
+              </a:ext>
+            </a:extLst>
+          </p:cNvPr>
+          <p:cNvCxnSpPr>
+            <a:cxnSpLocks noGrp="1" noRot="1" noChangeAspect="1" noMove="1" noResize="1" noEditPoints="1" noAdjustHandles="1" noChangeArrowheads="1" noChangeShapeType="1"/>
+          </p:cNvCxnSpPr>
+          <p:nvPr>
+            <p:extLst>
+              <p:ext uri="{386F3935-93C4-4BCD-93E2-E3B085C9AB24}">
+                <p16:designElem xmlns:p16="http://schemas.microsoft.com/office/powerpoint/2015/main" val="1"/>
+              </p:ext>
+            </p:extLst>
+          </p:nvPr>
+        </p:nvCxnSpPr>
+        <p:spPr>
+          <a:xfrm>
+            <a:off x="5242903" y="1917852"/>
+            <a:ext cx="5943600" cy="0"/>
+          </a:xfrm>
+          <a:prstGeom prst="line">
+            <a:avLst/>
+          </a:prstGeom>
+          <a:ln w="12700">
+            <a:solidFill>
+              <a:schemeClr val="tx1">
+                <a:lumMod val="75000"/>
+                <a:lumOff val="25000"/>
+              </a:schemeClr>
+            </a:solidFill>
+          </a:ln>
+        </p:spPr>
+        <p:style>
+          <a:lnRef idx="1">
+            <a:schemeClr val="accent1"/>
+          </a:lnRef>
+          <a:fillRef idx="0">
+            <a:schemeClr val="accent1"/>
+          </a:fillRef>
+          <a:effectRef idx="0">
+            <a:schemeClr val="accent1"/>
+          </a:effectRef>
+          <a:fontRef idx="minor">
+            <a:schemeClr val="tx1"/>
+          </a:fontRef>
+        </p:style>
+      </p:cxnSp>
+      <p:sp>
+        <p:nvSpPr>
+          <p:cNvPr id="3" name="Content Placeholder 2">
+            <a:extLst>
+              <a:ext uri="{FF2B5EF4-FFF2-40B4-BE49-F238E27FC236}">
+                <a16:creationId xmlns:a16="http://schemas.microsoft.com/office/drawing/2014/main" id="{C990EB9B-20EF-41D2-BF3A-03ED63507C68}"/>
+              </a:ext>
+            </a:extLst>
+          </p:cNvPr>
+          <p:cNvSpPr>
+            <a:spLocks noGrp="1"/>
+          </p:cNvSpPr>
+          <p:nvPr>
+            <p:ph idx="1"/>
+          </p:nvPr>
+        </p:nvSpPr>
+        <p:spPr>
+          <a:xfrm>
+            <a:off x="5172074" y="2108201"/>
+            <a:ext cx="5983605" cy="3969213"/>
+          </a:xfrm>
+        </p:spPr>
+        <p:txBody>
+          <a:bodyPr>
+            <a:normAutofit fontScale="92500" lnSpcReduction="10000"/>
+          </a:bodyPr>
+          <a:lstStyle/>
+          <a:p>
+            <a:pPr marL="201168" lvl="1" indent="0">
+              <a:lnSpc>
+                <a:spcPct val="110000"/>
+              </a:lnSpc>
+              <a:spcBef>
+                <a:spcPts val="0"/>
+              </a:spcBef>
+              <a:spcAft>
+                <a:spcPts val="600"/>
+              </a:spcAft>
+              <a:buNone/>
+            </a:pPr>
+            <a:r>
+              <a:rPr lang="en-US" sz="2300" b="1" dirty="0"/>
+              <a:t>Expected Results:</a:t>
+            </a:r>
+          </a:p>
+          <a:p>
+            <a:pPr lvl="1">
+              <a:lnSpc>
+                <a:spcPct val="110000"/>
+              </a:lnSpc>
+              <a:spcBef>
+                <a:spcPts val="0"/>
+              </a:spcBef>
+              <a:spcAft>
+                <a:spcPts val="600"/>
+              </a:spcAft>
+              <a:buFont typeface="Arial" panose="020B0604020202020204" pitchFamily="34" charset="0"/>
+              <a:buChar char="•"/>
+            </a:pPr>
+            <a:r>
+              <a:rPr lang="en-US" sz="1800" dirty="0"/>
+              <a:t>Increase intake in sugar consumption over the last decade</a:t>
+            </a:r>
+          </a:p>
+          <a:p>
+            <a:pPr lvl="1">
+              <a:lnSpc>
+                <a:spcPct val="110000"/>
+              </a:lnSpc>
+              <a:spcBef>
+                <a:spcPts val="0"/>
+              </a:spcBef>
+              <a:spcAft>
+                <a:spcPts val="600"/>
+              </a:spcAft>
+              <a:buFont typeface="Arial" panose="020B0604020202020204" pitchFamily="34" charset="0"/>
+              <a:buChar char="•"/>
+            </a:pPr>
+            <a:r>
+              <a:rPr lang="en-US" sz="1800" dirty="0"/>
+              <a:t>Higher income households consume more sugar</a:t>
+            </a:r>
+          </a:p>
+          <a:p>
+            <a:pPr lvl="1">
+              <a:lnSpc>
+                <a:spcPct val="110000"/>
+              </a:lnSpc>
+              <a:spcBef>
+                <a:spcPts val="0"/>
+              </a:spcBef>
+              <a:spcAft>
+                <a:spcPts val="600"/>
+              </a:spcAft>
+              <a:buFont typeface="Arial" panose="020B0604020202020204" pitchFamily="34" charset="0"/>
+              <a:buChar char="•"/>
+            </a:pPr>
+            <a:r>
+              <a:rPr lang="en-US" sz="1800" dirty="0"/>
+              <a:t>High sugar consumption can lead to health impacts like obesity</a:t>
+            </a:r>
+          </a:p>
+          <a:p>
+            <a:pPr lvl="1">
+              <a:lnSpc>
+                <a:spcPct val="110000"/>
+              </a:lnSpc>
+              <a:spcBef>
+                <a:spcPts val="0"/>
+              </a:spcBef>
+              <a:spcAft>
+                <a:spcPts val="600"/>
+              </a:spcAft>
+              <a:buFont typeface="Arial" panose="020B0604020202020204" pitchFamily="34" charset="0"/>
+              <a:buChar char="•"/>
+            </a:pPr>
+            <a:r>
+              <a:rPr lang="en-US" sz="1800" dirty="0"/>
+              <a:t>US is the country with the highest sugar consumption around the world</a:t>
+            </a:r>
+          </a:p>
+          <a:p>
+            <a:pPr marL="201168" lvl="1" indent="0">
+              <a:lnSpc>
+                <a:spcPct val="110000"/>
+              </a:lnSpc>
+              <a:spcBef>
+                <a:spcPts val="0"/>
+              </a:spcBef>
+              <a:spcAft>
+                <a:spcPts val="600"/>
+              </a:spcAft>
+              <a:buNone/>
+            </a:pPr>
+            <a:endParaRPr lang="en-US" sz="1300" dirty="0"/>
+          </a:p>
+          <a:p>
+            <a:pPr marL="201168" lvl="1" indent="0">
+              <a:lnSpc>
+                <a:spcPct val="110000"/>
+              </a:lnSpc>
+              <a:spcBef>
+                <a:spcPts val="0"/>
+              </a:spcBef>
+              <a:spcAft>
+                <a:spcPts val="600"/>
+              </a:spcAft>
+              <a:buNone/>
+            </a:pPr>
+            <a:r>
+              <a:rPr lang="en-US" sz="2300" b="1" dirty="0"/>
+              <a:t>Unexpected Results:</a:t>
+            </a:r>
+          </a:p>
+          <a:p>
+            <a:pPr lvl="1">
+              <a:lnSpc>
+                <a:spcPct val="110000"/>
+              </a:lnSpc>
+              <a:spcBef>
+                <a:spcPts val="0"/>
+              </a:spcBef>
+              <a:spcAft>
+                <a:spcPts val="600"/>
+              </a:spcAft>
+              <a:buFont typeface="Arial" panose="020B0604020202020204" pitchFamily="34" charset="0"/>
+              <a:buChar char="•"/>
+            </a:pPr>
+            <a:r>
+              <a:rPr lang="en-US" sz="1800" dirty="0"/>
+              <a:t>Bad dental health is not correlated to sugar intake</a:t>
+            </a:r>
+          </a:p>
+          <a:p>
+            <a:pPr lvl="1">
+              <a:lnSpc>
+                <a:spcPct val="110000"/>
+              </a:lnSpc>
+              <a:spcBef>
+                <a:spcPts val="0"/>
+              </a:spcBef>
+              <a:spcAft>
+                <a:spcPts val="600"/>
+              </a:spcAft>
+              <a:buFont typeface="Arial" panose="020B0604020202020204" pitchFamily="34" charset="0"/>
+              <a:buChar char="•"/>
+            </a:pPr>
+            <a:r>
+              <a:rPr lang="en-US" sz="1800" dirty="0"/>
+              <a:t>Malta and Switzerland are in the top 3 of countries with high sugar consumption</a:t>
+            </a:r>
+          </a:p>
+          <a:p>
+            <a:pPr marL="201168" lvl="1" indent="0">
+              <a:lnSpc>
+                <a:spcPct val="110000"/>
+              </a:lnSpc>
+              <a:spcBef>
+                <a:spcPts val="0"/>
+              </a:spcBef>
+              <a:spcAft>
+                <a:spcPts val="600"/>
+              </a:spcAft>
+              <a:buNone/>
+            </a:pPr>
+            <a:endParaRPr lang="en-US" sz="2300" dirty="0"/>
+          </a:p>
+          <a:p>
+            <a:pPr lvl="1">
+              <a:lnSpc>
+                <a:spcPct val="110000"/>
+              </a:lnSpc>
+              <a:spcBef>
+                <a:spcPts val="0"/>
+              </a:spcBef>
+              <a:spcAft>
+                <a:spcPts val="600"/>
+              </a:spcAft>
+              <a:buFont typeface="Arial" panose="020B0604020202020204" pitchFamily="34" charset="0"/>
+              <a:buChar char="•"/>
+            </a:pPr>
+            <a:endParaRPr lang="en-US" sz="1300" dirty="0"/>
+          </a:p>
+          <a:p>
+            <a:pPr lvl="2">
+              <a:lnSpc>
+                <a:spcPct val="110000"/>
+              </a:lnSpc>
+              <a:spcBef>
+                <a:spcPts val="0"/>
+              </a:spcBef>
+              <a:spcAft>
+                <a:spcPts val="600"/>
+              </a:spcAft>
+              <a:buFont typeface="Arial" panose="020B0604020202020204" pitchFamily="34" charset="0"/>
+              <a:buChar char="•"/>
+            </a:pPr>
+            <a:endParaRPr lang="en-US" sz="1300" dirty="0"/>
+          </a:p>
+        </p:txBody>
+      </p:sp>
+      <p:sp>
+        <p:nvSpPr>
+          <p:cNvPr id="15" name="Rectangle 14">
+            <a:extLst>
+              <a:ext uri="{FF2B5EF4-FFF2-40B4-BE49-F238E27FC236}">
+                <a16:creationId xmlns:a16="http://schemas.microsoft.com/office/drawing/2014/main" id="{C1B60310-C5C3-46A0-A452-2A0B008434DA}"/>
+              </a:ext>
+              <a:ext uri="{C183D7F6-B498-43B3-948B-1728B52AA6E4}">
+                <adec:decorative xmlns:adec="http://schemas.microsoft.com/office/drawing/2017/decorative" val="1"/>
+              </a:ext>
+            </a:extLst>
+          </p:cNvPr>
+          <p:cNvSpPr>
+            <a:spLocks noGrp="1" noRot="1" noChangeAspect="1" noMove="1" noResize="1" noEditPoints="1" noAdjustHandles="1" noChangeArrowheads="1" noChangeShapeType="1" noTextEdit="1"/>
+          </p:cNvSpPr>
+          <p:nvPr>
+            <p:extLst>
+              <p:ext uri="{386F3935-93C4-4BCD-93E2-E3B085C9AB24}">
+                <p16:designElem xmlns:p16="http://schemas.microsoft.com/office/powerpoint/2015/main" val="1"/>
+              </p:ext>
+            </p:extLst>
+          </p:nvPr>
+        </p:nvSpPr>
+        <p:spPr>
+          <a:xfrm>
+            <a:off x="-1" y="6400800"/>
+            <a:ext cx="12192000" cy="457200"/>
+          </a:xfrm>
+          <a:prstGeom prst="rect">
+            <a:avLst/>
+          </a:prstGeom>
+          <a:solidFill>
+            <a:srgbClr val="262626"/>
+          </a:solidFill>
+          <a:ln>
+            <a:noFill/>
+          </a:ln>
+        </p:spPr>
+        <p:style>
+          <a:lnRef idx="2">
+            <a:schemeClr val="accent1">
+              <a:shade val="50000"/>
+            </a:schemeClr>
+          </a:lnRef>
+          <a:fillRef idx="1">
+            <a:schemeClr val="accent1"/>
+          </a:fillRef>
+          <a:effectRef idx="0">
+            <a:schemeClr val="accent1"/>
+          </a:effectRef>
+          <a:fontRef idx="minor">
+            <a:schemeClr val="lt1"/>
+          </a:fontRef>
+        </p:style>
+      </p:sp>
     </p:spTree>
     <p:extLst>
       <p:ext uri="{BB962C8B-B14F-4D97-AF65-F5344CB8AC3E}">
-        <p14:creationId xmlns:p14="http://schemas.microsoft.com/office/powerpoint/2010/main" val="275583699"/>
+        <p14:creationId xmlns:p14="http://schemas.microsoft.com/office/powerpoint/2010/main" val="2312304452"/>
       </p:ext>
     </p:extLst>
   </p:cSld>
@@ -10613,6 +10636,501 @@
           <a:p>
             <a:r>
               <a:rPr lang="en-US" b="1" dirty="0"/>
+              <a:t>CHALLENGES</a:t>
+            </a:r>
+            <a:endParaRPr lang="en-CA" b="1" dirty="0"/>
+          </a:p>
+        </p:txBody>
+      </p:sp>
+      <p:sp>
+        <p:nvSpPr>
+          <p:cNvPr id="3" name="Content Placeholder 2">
+            <a:extLst>
+              <a:ext uri="{FF2B5EF4-FFF2-40B4-BE49-F238E27FC236}">
+                <a16:creationId xmlns:a16="http://schemas.microsoft.com/office/drawing/2014/main" id="{C990EB9B-20EF-41D2-BF3A-03ED63507C68}"/>
+              </a:ext>
+            </a:extLst>
+          </p:cNvPr>
+          <p:cNvSpPr>
+            <a:spLocks noGrp="1"/>
+          </p:cNvSpPr>
+          <p:nvPr>
+            <p:ph idx="1"/>
+          </p:nvPr>
+        </p:nvSpPr>
+        <p:spPr>
+          <a:xfrm>
+            <a:off x="4889344" y="2038351"/>
+            <a:ext cx="6491191" cy="4038599"/>
+          </a:xfrm>
+        </p:spPr>
+        <p:txBody>
+          <a:bodyPr>
+            <a:normAutofit fontScale="92500" lnSpcReduction="10000"/>
+          </a:bodyPr>
+          <a:lstStyle/>
+          <a:p>
+            <a:pPr eaLnBrk="0" fontAlgn="base" hangingPunct="0">
+              <a:lnSpc>
+                <a:spcPct val="100000"/>
+              </a:lnSpc>
+              <a:spcBef>
+                <a:spcPct val="0"/>
+              </a:spcBef>
+              <a:spcAft>
+                <a:spcPct val="0"/>
+              </a:spcAft>
+              <a:buClrTx/>
+              <a:buSzTx/>
+              <a:buFont typeface="Arial" panose="020B0604020202020204" pitchFamily="34" charset="0"/>
+              <a:buChar char="•"/>
+            </a:pPr>
+            <a:endParaRPr lang="en-US" altLang="en-US" sz="2400" dirty="0">
+              <a:solidFill>
+                <a:schemeClr val="tx1"/>
+              </a:solidFill>
+              <a:latin typeface="Arial" panose="020B0604020202020204" pitchFamily="34" charset="0"/>
+            </a:endParaRPr>
+          </a:p>
+          <a:p>
+            <a:pPr eaLnBrk="0" fontAlgn="base" hangingPunct="0">
+              <a:lnSpc>
+                <a:spcPct val="100000"/>
+              </a:lnSpc>
+              <a:spcBef>
+                <a:spcPct val="0"/>
+              </a:spcBef>
+              <a:spcAft>
+                <a:spcPct val="0"/>
+              </a:spcAft>
+              <a:buClrTx/>
+              <a:buSzTx/>
+              <a:buFont typeface="Arial" panose="020B0604020202020204" pitchFamily="34" charset="0"/>
+              <a:buChar char="•"/>
+            </a:pPr>
+            <a:r>
+              <a:rPr lang="en-US" altLang="en-US" sz="2400" dirty="0">
+                <a:solidFill>
+                  <a:schemeClr val="tx1"/>
+                </a:solidFill>
+                <a:latin typeface="Arial" panose="020B0604020202020204" pitchFamily="34" charset="0"/>
+              </a:rPr>
+              <a:t> </a:t>
+            </a:r>
+            <a:r>
+              <a:rPr lang="en-US" altLang="en-US" sz="3200" dirty="0">
+                <a:solidFill>
+                  <a:schemeClr val="tx1"/>
+                </a:solidFill>
+                <a:latin typeface="Arial" panose="020B0604020202020204" pitchFamily="34" charset="0"/>
+              </a:rPr>
+              <a:t>Data Collection</a:t>
+            </a:r>
+          </a:p>
+          <a:p>
+            <a:pPr lvl="1" eaLnBrk="0" fontAlgn="base" hangingPunct="0">
+              <a:lnSpc>
+                <a:spcPct val="100000"/>
+              </a:lnSpc>
+              <a:spcBef>
+                <a:spcPct val="0"/>
+              </a:spcBef>
+              <a:spcAft>
+                <a:spcPct val="0"/>
+              </a:spcAft>
+              <a:buFont typeface="Wingdings" panose="05000000000000000000" pitchFamily="2" charset="2"/>
+              <a:buChar char="Ø"/>
+            </a:pPr>
+            <a:r>
+              <a:rPr lang="en-US" altLang="en-US" sz="2000" dirty="0">
+                <a:solidFill>
+                  <a:schemeClr val="tx1"/>
+                </a:solidFill>
+                <a:latin typeface="Arial" panose="020B0604020202020204" pitchFamily="34" charset="0"/>
+              </a:rPr>
+              <a:t>Difficulties finding recent data and dataset within the same year</a:t>
+            </a:r>
+          </a:p>
+          <a:p>
+            <a:pPr lvl="1" eaLnBrk="0" fontAlgn="base" hangingPunct="0">
+              <a:lnSpc>
+                <a:spcPct val="100000"/>
+              </a:lnSpc>
+              <a:spcBef>
+                <a:spcPct val="0"/>
+              </a:spcBef>
+              <a:spcAft>
+                <a:spcPct val="0"/>
+              </a:spcAft>
+              <a:buFont typeface="Wingdings" panose="05000000000000000000" pitchFamily="2" charset="2"/>
+              <a:buChar char="Ø"/>
+            </a:pPr>
+            <a:r>
+              <a:rPr lang="en-US" altLang="en-US" sz="2000" dirty="0">
+                <a:solidFill>
+                  <a:schemeClr val="tx1"/>
+                </a:solidFill>
+                <a:latin typeface="Arial" panose="020B0604020202020204" pitchFamily="34" charset="0"/>
+              </a:rPr>
+              <a:t>Used more outdated sets then we would have liked</a:t>
+            </a:r>
+          </a:p>
+          <a:p>
+            <a:pPr marL="201168" lvl="1" indent="0" eaLnBrk="0" fontAlgn="base" hangingPunct="0">
+              <a:lnSpc>
+                <a:spcPct val="100000"/>
+              </a:lnSpc>
+              <a:spcBef>
+                <a:spcPct val="0"/>
+              </a:spcBef>
+              <a:spcAft>
+                <a:spcPct val="0"/>
+              </a:spcAft>
+              <a:buNone/>
+            </a:pPr>
+            <a:endParaRPr lang="en-US" altLang="en-US" sz="2000" dirty="0">
+              <a:solidFill>
+                <a:schemeClr val="tx1"/>
+              </a:solidFill>
+              <a:latin typeface="Arial" panose="020B0604020202020204" pitchFamily="34" charset="0"/>
+            </a:endParaRPr>
+          </a:p>
+          <a:p>
+            <a:pPr marL="201168" lvl="1" indent="0" eaLnBrk="0" fontAlgn="base" hangingPunct="0">
+              <a:lnSpc>
+                <a:spcPct val="100000"/>
+              </a:lnSpc>
+              <a:spcBef>
+                <a:spcPct val="0"/>
+              </a:spcBef>
+              <a:spcAft>
+                <a:spcPct val="0"/>
+              </a:spcAft>
+              <a:buNone/>
+            </a:pPr>
+            <a:endParaRPr lang="en-US" altLang="en-US" sz="2000" dirty="0">
+              <a:solidFill>
+                <a:schemeClr val="tx1"/>
+              </a:solidFill>
+              <a:latin typeface="Arial" panose="020B0604020202020204" pitchFamily="34" charset="0"/>
+            </a:endParaRPr>
+          </a:p>
+          <a:p>
+            <a:pPr marL="201168" lvl="1" indent="0" eaLnBrk="0" fontAlgn="base" hangingPunct="0">
+              <a:lnSpc>
+                <a:spcPct val="100000"/>
+              </a:lnSpc>
+              <a:spcBef>
+                <a:spcPct val="0"/>
+              </a:spcBef>
+              <a:spcAft>
+                <a:spcPct val="0"/>
+              </a:spcAft>
+              <a:buNone/>
+            </a:pPr>
+            <a:endParaRPr lang="en-US" altLang="en-US" sz="2000" dirty="0">
+              <a:solidFill>
+                <a:schemeClr val="tx1"/>
+              </a:solidFill>
+              <a:latin typeface="Arial" panose="020B0604020202020204" pitchFamily="34" charset="0"/>
+            </a:endParaRPr>
+          </a:p>
+          <a:p>
+            <a:pPr marL="201168" lvl="1" indent="0" eaLnBrk="0" fontAlgn="base" hangingPunct="0">
+              <a:lnSpc>
+                <a:spcPct val="100000"/>
+              </a:lnSpc>
+              <a:spcBef>
+                <a:spcPct val="0"/>
+              </a:spcBef>
+              <a:spcAft>
+                <a:spcPct val="0"/>
+              </a:spcAft>
+              <a:buNone/>
+            </a:pPr>
+            <a:endParaRPr lang="en-US" altLang="en-US" sz="2000" dirty="0">
+              <a:solidFill>
+                <a:schemeClr val="tx1"/>
+              </a:solidFill>
+              <a:latin typeface="Arial" panose="020B0604020202020204" pitchFamily="34" charset="0"/>
+            </a:endParaRPr>
+          </a:p>
+          <a:p>
+            <a:pPr eaLnBrk="0" fontAlgn="base" hangingPunct="0">
+              <a:lnSpc>
+                <a:spcPct val="100000"/>
+              </a:lnSpc>
+              <a:spcBef>
+                <a:spcPct val="0"/>
+              </a:spcBef>
+              <a:spcAft>
+                <a:spcPct val="0"/>
+              </a:spcAft>
+              <a:buClrTx/>
+              <a:buSzTx/>
+              <a:buFont typeface="Arial" panose="020B0604020202020204" pitchFamily="34" charset="0"/>
+              <a:buChar char="•"/>
+            </a:pPr>
+            <a:r>
+              <a:rPr kumimoji="0" lang="en-US" altLang="en-US" sz="3600" b="0" i="0" u="none" strike="noStrike" cap="none" normalizeH="0" baseline="0" dirty="0">
+                <a:ln>
+                  <a:noFill/>
+                </a:ln>
+                <a:solidFill>
+                  <a:schemeClr val="tx1"/>
+                </a:solidFill>
+                <a:effectLst/>
+                <a:latin typeface="Arial" panose="020B0604020202020204" pitchFamily="34" charset="0"/>
+              </a:rPr>
+              <a:t> </a:t>
+            </a:r>
+            <a:r>
+              <a:rPr kumimoji="0" lang="en-US" altLang="en-US" sz="3200" b="0" i="0" u="none" strike="noStrike" cap="none" normalizeH="0" baseline="0" dirty="0">
+                <a:ln>
+                  <a:noFill/>
+                </a:ln>
+                <a:solidFill>
+                  <a:schemeClr val="tx1"/>
+                </a:solidFill>
+                <a:effectLst/>
+                <a:latin typeface="Arial" panose="020B0604020202020204" pitchFamily="34" charset="0"/>
+              </a:rPr>
+              <a:t>API</a:t>
+            </a:r>
+          </a:p>
+          <a:p>
+            <a:pPr lvl="1" eaLnBrk="0" fontAlgn="base" hangingPunct="0">
+              <a:lnSpc>
+                <a:spcPct val="100000"/>
+              </a:lnSpc>
+              <a:spcBef>
+                <a:spcPct val="0"/>
+              </a:spcBef>
+              <a:spcAft>
+                <a:spcPct val="0"/>
+              </a:spcAft>
+              <a:buFont typeface="Wingdings" panose="05000000000000000000" pitchFamily="2" charset="2"/>
+              <a:buChar char="Ø"/>
+            </a:pPr>
+            <a:r>
+              <a:rPr kumimoji="0" lang="en-US" altLang="en-US" sz="2000" b="0" i="0" u="none" strike="noStrike" cap="none" normalizeH="0" baseline="0" dirty="0">
+                <a:ln>
+                  <a:noFill/>
+                </a:ln>
+                <a:solidFill>
+                  <a:schemeClr val="tx1"/>
+                </a:solidFill>
+                <a:effectLst/>
+                <a:latin typeface="Arial" panose="020B0604020202020204" pitchFamily="34" charset="0"/>
+              </a:rPr>
+              <a:t>No standardization with nutrition labels</a:t>
+            </a:r>
+          </a:p>
+          <a:p>
+            <a:pPr lvl="1" eaLnBrk="0" fontAlgn="base" hangingPunct="0">
+              <a:lnSpc>
+                <a:spcPct val="100000"/>
+              </a:lnSpc>
+              <a:spcBef>
+                <a:spcPct val="0"/>
+              </a:spcBef>
+              <a:spcAft>
+                <a:spcPct val="0"/>
+              </a:spcAft>
+              <a:buFont typeface="Wingdings" panose="05000000000000000000" pitchFamily="2" charset="2"/>
+              <a:buChar char="Ø"/>
+            </a:pPr>
+            <a:r>
+              <a:rPr kumimoji="0" lang="en-US" altLang="en-US" sz="2000" b="0" i="0" u="none" strike="noStrike" cap="none" normalizeH="0" baseline="0" dirty="0">
+                <a:ln>
+                  <a:noFill/>
+                </a:ln>
+                <a:solidFill>
+                  <a:schemeClr val="tx1"/>
+                </a:solidFill>
+                <a:effectLst/>
+                <a:latin typeface="Arial" panose="020B0604020202020204" pitchFamily="34" charset="0"/>
+              </a:rPr>
+              <a:t>Inconsisten</a:t>
+            </a:r>
+            <a:r>
+              <a:rPr lang="en-US" altLang="en-US" sz="2000" dirty="0">
+                <a:solidFill>
+                  <a:schemeClr val="tx1"/>
+                </a:solidFill>
+                <a:latin typeface="Arial" panose="020B0604020202020204" pitchFamily="34" charset="0"/>
+              </a:rPr>
+              <a:t>t data types</a:t>
+            </a:r>
+          </a:p>
+          <a:p>
+            <a:pPr lvl="1" eaLnBrk="0" fontAlgn="base" hangingPunct="0">
+              <a:lnSpc>
+                <a:spcPct val="100000"/>
+              </a:lnSpc>
+              <a:spcBef>
+                <a:spcPct val="0"/>
+              </a:spcBef>
+              <a:spcAft>
+                <a:spcPct val="0"/>
+              </a:spcAft>
+              <a:buFont typeface="Wingdings" panose="05000000000000000000" pitchFamily="2" charset="2"/>
+              <a:buChar char="Ø"/>
+            </a:pPr>
+            <a:r>
+              <a:rPr kumimoji="0" lang="en-US" altLang="en-US" sz="2000" b="0" i="0" u="none" strike="noStrike" cap="none" normalizeH="0" baseline="0" dirty="0">
+                <a:ln>
+                  <a:noFill/>
+                </a:ln>
+                <a:solidFill>
+                  <a:schemeClr val="tx1"/>
+                </a:solidFill>
+                <a:effectLst/>
+                <a:latin typeface="Arial" panose="020B0604020202020204" pitchFamily="34" charset="0"/>
+              </a:rPr>
+              <a:t>Choosing a product that represent a grocery category</a:t>
+            </a:r>
+          </a:p>
+          <a:p>
+            <a:pPr marL="201168" lvl="1" indent="0" eaLnBrk="0" fontAlgn="base" hangingPunct="0">
+              <a:lnSpc>
+                <a:spcPct val="100000"/>
+              </a:lnSpc>
+              <a:spcBef>
+                <a:spcPct val="0"/>
+              </a:spcBef>
+              <a:spcAft>
+                <a:spcPct val="0"/>
+              </a:spcAft>
+              <a:buNone/>
+            </a:pPr>
+            <a:endParaRPr kumimoji="0" lang="en-US" altLang="en-US" b="0" i="0" u="none" strike="noStrike" cap="none" normalizeH="0" baseline="0" dirty="0">
+              <a:ln>
+                <a:noFill/>
+              </a:ln>
+              <a:solidFill>
+                <a:schemeClr val="tx1"/>
+              </a:solidFill>
+              <a:effectLst/>
+              <a:latin typeface="Arial" panose="020B0604020202020204" pitchFamily="34" charset="0"/>
+            </a:endParaRPr>
+          </a:p>
+          <a:p>
+            <a:pPr eaLnBrk="0" fontAlgn="base" hangingPunct="0">
+              <a:lnSpc>
+                <a:spcPct val="100000"/>
+              </a:lnSpc>
+              <a:spcBef>
+                <a:spcPct val="0"/>
+              </a:spcBef>
+              <a:spcAft>
+                <a:spcPct val="0"/>
+              </a:spcAft>
+              <a:buClrTx/>
+              <a:buSzTx/>
+              <a:buFont typeface="Arial" panose="020B0604020202020204" pitchFamily="34" charset="0"/>
+              <a:buChar char="•"/>
+            </a:pPr>
+            <a:endParaRPr lang="en-US" sz="2800" dirty="0"/>
+          </a:p>
+        </p:txBody>
+      </p:sp>
+      <p:pic>
+        <p:nvPicPr>
+          <p:cNvPr id="6" name="Picture 5" descr="Logo&#10;&#10;Description automatically generated">
+            <a:extLst>
+              <a:ext uri="{FF2B5EF4-FFF2-40B4-BE49-F238E27FC236}">
+                <a16:creationId xmlns:a16="http://schemas.microsoft.com/office/drawing/2014/main" id="{89BF6574-3168-4FCC-A0C3-A041CFF86C00}"/>
+              </a:ext>
+            </a:extLst>
+          </p:cNvPr>
+          <p:cNvPicPr>
+            <a:picLocks noChangeAspect="1"/>
+          </p:cNvPicPr>
+          <p:nvPr/>
+        </p:nvPicPr>
+        <p:blipFill>
+          <a:blip r:embed="rId3">
+            <a:extLst>
+              <a:ext uri="{28A0092B-C50C-407E-A947-70E740481C1C}">
+                <a14:useLocalDpi xmlns:a14="http://schemas.microsoft.com/office/drawing/2010/main" val="0"/>
+              </a:ext>
+            </a:extLst>
+          </a:blip>
+          <a:stretch>
+            <a:fillRect/>
+          </a:stretch>
+        </p:blipFill>
+        <p:spPr>
+          <a:xfrm>
+            <a:off x="-1" y="0"/>
+            <a:ext cx="4527395" cy="6423102"/>
+          </a:xfrm>
+          <a:prstGeom prst="rect">
+            <a:avLst/>
+          </a:prstGeom>
+        </p:spPr>
+      </p:pic>
+    </p:spTree>
+    <p:extLst>
+      <p:ext uri="{BB962C8B-B14F-4D97-AF65-F5344CB8AC3E}">
+        <p14:creationId xmlns:p14="http://schemas.microsoft.com/office/powerpoint/2010/main" val="275583699"/>
+      </p:ext>
+    </p:extLst>
+  </p:cSld>
+  <p:clrMapOvr>
+    <a:masterClrMapping/>
+  </p:clrMapOvr>
+</p:sld>
+</file>
+
+<file path=ppt/slides/slide18.xml><?xml version="1.0" encoding="utf-8"?>
+<p:sld xmlns:a="http://schemas.openxmlformats.org/drawingml/2006/main" xmlns:r="http://schemas.openxmlformats.org/officeDocument/2006/relationships" xmlns:p="http://schemas.openxmlformats.org/presentationml/2006/main">
+  <p:cSld>
+    <p:spTree>
+      <p:nvGrpSpPr>
+        <p:cNvPr id="1" name=""/>
+        <p:cNvGrpSpPr/>
+        <p:nvPr/>
+      </p:nvGrpSpPr>
+      <p:grpSpPr>
+        <a:xfrm>
+          <a:off x="0" y="0"/>
+          <a:ext cx="0" cy="0"/>
+          <a:chOff x="0" y="0"/>
+          <a:chExt cx="0" cy="0"/>
+        </a:xfrm>
+      </p:grpSpPr>
+      <p:sp>
+        <p:nvSpPr>
+          <p:cNvPr id="2" name="Title 1">
+            <a:extLst>
+              <a:ext uri="{FF2B5EF4-FFF2-40B4-BE49-F238E27FC236}">
+                <a16:creationId xmlns:a16="http://schemas.microsoft.com/office/drawing/2014/main" id="{9C48BE68-3EC4-4686-A2A0-8A1E03C2580F}"/>
+              </a:ext>
+            </a:extLst>
+          </p:cNvPr>
+          <p:cNvSpPr>
+            <a:spLocks noGrp="1"/>
+          </p:cNvSpPr>
+          <p:nvPr>
+            <p:ph type="title"/>
+          </p:nvPr>
+        </p:nvSpPr>
+        <p:spPr>
+          <a:xfrm>
+            <a:off x="5172074" y="286604"/>
+            <a:ext cx="6491191" cy="1374246"/>
+          </a:xfrm>
+        </p:spPr>
+        <p:txBody>
+          <a:bodyPr>
+            <a:normAutofit/>
+          </a:bodyPr>
+          <a:lstStyle/>
+          <a:p>
+            <a:r>
+              <a:rPr lang="en-US" b="1" dirty="0"/>
               <a:t>ADDITIONAL RESEARCH</a:t>
             </a:r>
             <a:endParaRPr lang="en-CA" b="1" dirty="0"/>
@@ -10818,7 +11336,7 @@
 </p:sld>
 </file>
 
-<file path=ppt/slides/slide18.xml><?xml version="1.0" encoding="utf-8"?>
+<file path=ppt/slides/slide19.xml><?xml version="1.0" encoding="utf-8"?>
 <p:sld xmlns:a="http://schemas.openxmlformats.org/drawingml/2006/main" xmlns:r="http://schemas.openxmlformats.org/officeDocument/2006/relationships" xmlns:p="http://schemas.openxmlformats.org/presentationml/2006/main">
   <p:cSld>
     <p:bg>
@@ -12840,14 +13358,6 @@
 <file path=ppt/slides/slide7.xml><?xml version="1.0" encoding="utf-8"?>
 <p:sld xmlns:a="http://schemas.openxmlformats.org/drawingml/2006/main" xmlns:r="http://schemas.openxmlformats.org/officeDocument/2006/relationships" xmlns:p="http://schemas.openxmlformats.org/presentationml/2006/main">
   <p:cSld>
-    <p:bg>
-      <p:bgPr>
-        <a:solidFill>
-          <a:schemeClr val="bg1"/>
-        </a:solidFill>
-        <a:effectLst/>
-      </p:bgPr>
-    </p:bg>
     <p:spTree>
       <p:nvGrpSpPr>
         <p:cNvPr id="1" name=""/>
@@ -12864,179 +13374,14 @@
       </p:grpSpPr>
       <p:sp>
         <p:nvSpPr>
-          <p:cNvPr id="10" name="Rectangle 9">
+          <p:cNvPr id="2" name="Title 1">
             <a:extLst>
               <a:ext uri="{FF2B5EF4-FFF2-40B4-BE49-F238E27FC236}">
-                <a16:creationId xmlns:a16="http://schemas.microsoft.com/office/drawing/2014/main" id="{39E3965E-AC41-4711-9D10-E25ABB132D86}"/>
-              </a:ext>
-              <a:ext uri="{C183D7F6-B498-43B3-948B-1728B52AA6E4}">
-                <adec:decorative xmlns:adec="http://schemas.microsoft.com/office/drawing/2017/decorative" val="1"/>
+                <a16:creationId xmlns:a16="http://schemas.microsoft.com/office/drawing/2014/main" id="{9C48BE68-3EC4-4686-A2A0-8A1E03C2580F}"/>
               </a:ext>
             </a:extLst>
           </p:cNvPr>
           <p:cNvSpPr>
-            <a:spLocks noGrp="1" noRot="1" noChangeAspect="1" noMove="1" noResize="1" noEditPoints="1" noAdjustHandles="1" noChangeArrowheads="1" noChangeShapeType="1" noTextEdit="1"/>
-          </p:cNvSpPr>
-          <p:nvPr>
-            <p:extLst>
-              <p:ext uri="{386F3935-93C4-4BCD-93E2-E3B085C9AB24}">
-                <p16:designElem xmlns:p16="http://schemas.microsoft.com/office/powerpoint/2015/main" val="1"/>
-              </p:ext>
-            </p:extLst>
-          </p:nvPr>
-        </p:nvSpPr>
-        <p:spPr>
-          <a:xfrm>
-            <a:off x="3175" y="6400800"/>
-            <a:ext cx="12188825" cy="457200"/>
-          </a:xfrm>
-          <a:prstGeom prst="rect">
-            <a:avLst/>
-          </a:prstGeom>
-          <a:solidFill>
-            <a:srgbClr val="262626"/>
-          </a:solidFill>
-          <a:ln>
-            <a:noFill/>
-          </a:ln>
-        </p:spPr>
-        <p:style>
-          <a:lnRef idx="2">
-            <a:schemeClr val="accent1">
-              <a:shade val="50000"/>
-            </a:schemeClr>
-          </a:lnRef>
-          <a:fillRef idx="1">
-            <a:schemeClr val="accent1"/>
-          </a:fillRef>
-          <a:effectRef idx="0">
-            <a:schemeClr val="accent1"/>
-          </a:effectRef>
-          <a:fontRef idx="minor">
-            <a:schemeClr val="lt1"/>
-          </a:fontRef>
-        </p:style>
-      </p:sp>
-      <p:cxnSp>
-        <p:nvCxnSpPr>
-          <p:cNvPr id="12" name="Straight Connector 11">
-            <a:extLst>
-              <a:ext uri="{FF2B5EF4-FFF2-40B4-BE49-F238E27FC236}">
-                <a16:creationId xmlns:a16="http://schemas.microsoft.com/office/drawing/2014/main" id="{1F5DC8C3-BA5F-4EED-BB9A-A14272BD82A1}"/>
-              </a:ext>
-              <a:ext uri="{C183D7F6-B498-43B3-948B-1728B52AA6E4}">
-                <adec:decorative xmlns:adec="http://schemas.microsoft.com/office/drawing/2017/decorative" val="1"/>
-              </a:ext>
-            </a:extLst>
-          </p:cNvPr>
-          <p:cNvCxnSpPr>
-            <a:cxnSpLocks noGrp="1" noRot="1" noChangeAspect="1" noMove="1" noResize="1" noEditPoints="1" noAdjustHandles="1" noChangeArrowheads="1" noChangeShapeType="1"/>
-          </p:cNvCxnSpPr>
-          <p:nvPr>
-            <p:extLst>
-              <p:ext uri="{386F3935-93C4-4BCD-93E2-E3B085C9AB24}">
-                <p16:designElem xmlns:p16="http://schemas.microsoft.com/office/powerpoint/2015/main" val="1"/>
-              </p:ext>
-            </p:extLst>
-          </p:nvPr>
-        </p:nvCxnSpPr>
-        <p:spPr>
-          <a:xfrm>
-            <a:off x="1207658" y="4474741"/>
-            <a:ext cx="9875520" cy="0"/>
-          </a:xfrm>
-          <a:prstGeom prst="line">
-            <a:avLst/>
-          </a:prstGeom>
-          <a:ln w="12700">
-            <a:solidFill>
-              <a:schemeClr val="tx1">
-                <a:lumMod val="75000"/>
-                <a:lumOff val="25000"/>
-              </a:schemeClr>
-            </a:solidFill>
-          </a:ln>
-        </p:spPr>
-        <p:style>
-          <a:lnRef idx="1">
-            <a:schemeClr val="accent1"/>
-          </a:lnRef>
-          <a:fillRef idx="0">
-            <a:schemeClr val="accent1"/>
-          </a:fillRef>
-          <a:effectRef idx="0">
-            <a:schemeClr val="accent1"/>
-          </a:effectRef>
-          <a:fontRef idx="minor">
-            <a:schemeClr val="tx1"/>
-          </a:fontRef>
-        </p:style>
-      </p:cxnSp>
-      <p:sp>
-        <p:nvSpPr>
-          <p:cNvPr id="14" name="Rectangle 13">
-            <a:extLst>
-              <a:ext uri="{FF2B5EF4-FFF2-40B4-BE49-F238E27FC236}">
-                <a16:creationId xmlns:a16="http://schemas.microsoft.com/office/drawing/2014/main" id="{6482F060-A4AF-4E0B-B364-7C6BA4AE9C03}"/>
-              </a:ext>
-              <a:ext uri="{C183D7F6-B498-43B3-948B-1728B52AA6E4}">
-                <adec:decorative xmlns:adec="http://schemas.microsoft.com/office/drawing/2017/decorative" val="1"/>
-              </a:ext>
-            </a:extLst>
-          </p:cNvPr>
-          <p:cNvSpPr>
-            <a:spLocks noGrp="1" noRot="1" noChangeAspect="1" noMove="1" noResize="1" noEditPoints="1" noAdjustHandles="1" noChangeArrowheads="1" noChangeShapeType="1" noTextEdit="1"/>
-          </p:cNvSpPr>
-          <p:nvPr>
-            <p:extLst>
-              <p:ext uri="{386F3935-93C4-4BCD-93E2-E3B085C9AB24}">
-                <p16:designElem xmlns:p16="http://schemas.microsoft.com/office/powerpoint/2015/main" val="1"/>
-              </p:ext>
-            </p:extLst>
-          </p:nvPr>
-        </p:nvSpPr>
-        <p:spPr bwMode="white">
-          <a:xfrm>
-            <a:off x="-6220" y="0"/>
-            <a:ext cx="4641315" cy="6858000"/>
-          </a:xfrm>
-          <a:prstGeom prst="rect">
-            <a:avLst/>
-          </a:prstGeom>
-          <a:solidFill>
-            <a:srgbClr val="262626"/>
-          </a:solidFill>
-          <a:ln>
-            <a:noFill/>
-          </a:ln>
-        </p:spPr>
-        <p:style>
-          <a:lnRef idx="2">
-            <a:schemeClr val="accent1">
-              <a:shade val="50000"/>
-            </a:schemeClr>
-          </a:lnRef>
-          <a:fillRef idx="1">
-            <a:schemeClr val="accent1"/>
-          </a:fillRef>
-          <a:effectRef idx="0">
-            <a:schemeClr val="accent1"/>
-          </a:effectRef>
-          <a:fontRef idx="minor">
-            <a:schemeClr val="lt1"/>
-          </a:fontRef>
-        </p:style>
-      </p:sp>
-      <p:sp>
-        <p:nvSpPr>
-          <p:cNvPr id="2" name="Title 1">
-            <a:extLst>
-              <a:ext uri="{FF2B5EF4-FFF2-40B4-BE49-F238E27FC236}">
-                <a16:creationId xmlns:a16="http://schemas.microsoft.com/office/drawing/2014/main" id="{D394FF68-0CEC-423D-AF00-3E7A83639720}"/>
-              </a:ext>
-            </a:extLst>
-          </p:cNvPr>
-          <p:cNvSpPr>
             <a:spLocks noGrp="1"/>
           </p:cNvSpPr>
           <p:nvPr>
@@ -13045,106 +13390,396 @@
         </p:nvSpPr>
         <p:spPr>
           <a:xfrm>
-            <a:off x="484814" y="640080"/>
-            <a:ext cx="3659246" cy="2850319"/>
-          </a:xfrm>
-        </p:spPr>
-        <p:txBody>
-          <a:bodyPr vert="horz" lIns="91440" tIns="45720" rIns="91440" bIns="45720" rtlCol="0" anchor="b">
-            <a:normAutofit/>
+            <a:off x="5172074" y="286603"/>
+            <a:ext cx="7019926" cy="1475289"/>
+          </a:xfrm>
+        </p:spPr>
+        <p:txBody>
+          <a:bodyPr>
+            <a:noAutofit/>
           </a:bodyPr>
           <a:lstStyle/>
           <a:p>
             <a:r>
-              <a:rPr lang="en-US" sz="5400"/>
-              <a:t>DATA ANALYSIS</a:t>
-            </a:r>
-          </a:p>
-        </p:txBody>
-      </p:sp>
-      <p:cxnSp>
-        <p:nvCxnSpPr>
-          <p:cNvPr id="16" name="Straight Connector 15">
+              <a:rPr lang="en-US" b="1" dirty="0"/>
+              <a:t>DATA CLEANUP – </a:t>
+            </a:r>
+            <a:br>
+              <a:rPr lang="en-US" b="1" dirty="0"/>
+            </a:br>
+            <a:r>
+              <a:rPr lang="en-US" b="1" dirty="0"/>
+              <a:t>INSIGHTS AND DIFFICULTIES</a:t>
+            </a:r>
+            <a:endParaRPr lang="en-CA" b="1" dirty="0"/>
+          </a:p>
+        </p:txBody>
+      </p:sp>
+      <p:sp>
+        <p:nvSpPr>
+          <p:cNvPr id="3" name="Content Placeholder 2">
             <a:extLst>
               <a:ext uri="{FF2B5EF4-FFF2-40B4-BE49-F238E27FC236}">
-                <a16:creationId xmlns:a16="http://schemas.microsoft.com/office/drawing/2014/main" id="{B9EB6DAA-2F0C-43D5-A577-15D5D2C4E3F5}"/>
-              </a:ext>
-              <a:ext uri="{C183D7F6-B498-43B3-948B-1728B52AA6E4}">
-                <adec:decorative xmlns:adec="http://schemas.microsoft.com/office/drawing/2017/decorative" val="1"/>
+                <a16:creationId xmlns:a16="http://schemas.microsoft.com/office/drawing/2014/main" id="{C990EB9B-20EF-41D2-BF3A-03ED63507C68}"/>
               </a:ext>
             </a:extLst>
           </p:cNvPr>
-          <p:cNvCxnSpPr>
-            <a:cxnSpLocks noGrp="1" noRot="1" noChangeAspect="1" noMove="1" noResize="1" noEditPoints="1" noAdjustHandles="1" noChangeArrowheads="1" noChangeShapeType="1"/>
-          </p:cNvCxnSpPr>
-          <p:nvPr>
-            <p:extLst>
-              <p:ext uri="{386F3935-93C4-4BCD-93E2-E3B085C9AB24}">
-                <p16:designElem xmlns:p16="http://schemas.microsoft.com/office/powerpoint/2015/main" val="1"/>
-              </p:ext>
-            </p:extLst>
-          </p:nvPr>
-        </p:nvCxnSpPr>
-        <p:spPr>
-          <a:xfrm>
-            <a:off x="622797" y="3651268"/>
-            <a:ext cx="3383280" cy="0"/>
-          </a:xfrm>
-          <a:prstGeom prst="line">
-            <a:avLst/>
-          </a:prstGeom>
-          <a:ln w="19050">
-            <a:solidFill>
-              <a:schemeClr val="accent1"/>
-            </a:solidFill>
-          </a:ln>
-        </p:spPr>
-        <p:style>
-          <a:lnRef idx="1">
-            <a:schemeClr val="accent1"/>
-          </a:lnRef>
-          <a:fillRef idx="0">
-            <a:schemeClr val="accent1"/>
-          </a:fillRef>
-          <a:effectRef idx="0">
-            <a:schemeClr val="accent1"/>
-          </a:effectRef>
-          <a:fontRef idx="minor">
-            <a:schemeClr val="tx1"/>
-          </a:fontRef>
-        </p:style>
-      </p:cxnSp>
+          <p:cNvSpPr>
+            <a:spLocks noGrp="1"/>
+          </p:cNvSpPr>
+          <p:nvPr>
+            <p:ph idx="1"/>
+          </p:nvPr>
+        </p:nvSpPr>
+        <p:spPr>
+          <a:xfrm>
+            <a:off x="5172074" y="2108201"/>
+            <a:ext cx="5983606" cy="3760891"/>
+          </a:xfrm>
+        </p:spPr>
+        <p:txBody>
+          <a:bodyPr>
+            <a:normAutofit fontScale="70000" lnSpcReduction="20000"/>
+          </a:bodyPr>
+          <a:lstStyle/>
+          <a:p>
+            <a:pPr lvl="1">
+              <a:lnSpc>
+                <a:spcPct val="110000"/>
+              </a:lnSpc>
+              <a:spcBef>
+                <a:spcPts val="0"/>
+              </a:spcBef>
+              <a:spcAft>
+                <a:spcPts val="0"/>
+              </a:spcAft>
+              <a:buFont typeface="Arial" panose="020B0604020202020204" pitchFamily="34" charset="0"/>
+              <a:buChar char="•"/>
+            </a:pPr>
+            <a:r>
+              <a:rPr lang="en-US" sz="2200" dirty="0">
+                <a:latin typeface="Calibri" panose="020F0502020204030204" pitchFamily="34" charset="0"/>
+                <a:ea typeface="Calibri" panose="020F0502020204030204" pitchFamily="34" charset="0"/>
+                <a:cs typeface="Times New Roman" panose="02020603050405020304" pitchFamily="18" charset="0"/>
+              </a:rPr>
+              <a:t>Requires team effort to brainstorm on where to get the data</a:t>
+            </a:r>
+          </a:p>
+          <a:p>
+            <a:pPr marL="0" indent="0">
+              <a:lnSpc>
+                <a:spcPct val="110000"/>
+              </a:lnSpc>
+              <a:spcBef>
+                <a:spcPts val="0"/>
+              </a:spcBef>
+              <a:spcAft>
+                <a:spcPts val="0"/>
+              </a:spcAft>
+              <a:buNone/>
+            </a:pPr>
+            <a:endParaRPr lang="en-US" sz="2200" dirty="0">
+              <a:latin typeface="Calibri" panose="020F0502020204030204" pitchFamily="34" charset="0"/>
+              <a:ea typeface="Calibri" panose="020F0502020204030204" pitchFamily="34" charset="0"/>
+              <a:cs typeface="Times New Roman" panose="02020603050405020304" pitchFamily="18" charset="0"/>
+            </a:endParaRPr>
+          </a:p>
+          <a:p>
+            <a:pPr lvl="1">
+              <a:lnSpc>
+                <a:spcPct val="110000"/>
+              </a:lnSpc>
+              <a:spcBef>
+                <a:spcPts val="0"/>
+              </a:spcBef>
+              <a:spcAft>
+                <a:spcPts val="0"/>
+              </a:spcAft>
+              <a:buFont typeface="Arial" panose="020B0604020202020204" pitchFamily="34" charset="0"/>
+              <a:buChar char="•"/>
+            </a:pPr>
+            <a:r>
+              <a:rPr lang="en-US" sz="2200" dirty="0">
+                <a:latin typeface="Calibri" panose="020F0502020204030204" pitchFamily="34" charset="0"/>
+                <a:ea typeface="Calibri" panose="020F0502020204030204" pitchFamily="34" charset="0"/>
+                <a:cs typeface="Times New Roman" panose="02020603050405020304" pitchFamily="18" charset="0"/>
+              </a:rPr>
+              <a:t>Time consuming to research the right data for our analysis</a:t>
+            </a:r>
+          </a:p>
+          <a:p>
+            <a:pPr lvl="1">
+              <a:lnSpc>
+                <a:spcPct val="110000"/>
+              </a:lnSpc>
+              <a:spcBef>
+                <a:spcPts val="0"/>
+              </a:spcBef>
+              <a:spcAft>
+                <a:spcPts val="0"/>
+              </a:spcAft>
+              <a:buFont typeface="Arial" panose="020B0604020202020204" pitchFamily="34" charset="0"/>
+              <a:buChar char="•"/>
+            </a:pPr>
+            <a:endParaRPr lang="en-US" sz="2200" dirty="0">
+              <a:latin typeface="Calibri" panose="020F0502020204030204" pitchFamily="34" charset="0"/>
+              <a:ea typeface="Calibri" panose="020F0502020204030204" pitchFamily="34" charset="0"/>
+              <a:cs typeface="Times New Roman" panose="02020603050405020304" pitchFamily="18" charset="0"/>
+            </a:endParaRPr>
+          </a:p>
+          <a:p>
+            <a:pPr lvl="1">
+              <a:lnSpc>
+                <a:spcPct val="110000"/>
+              </a:lnSpc>
+              <a:spcBef>
+                <a:spcPts val="0"/>
+              </a:spcBef>
+              <a:spcAft>
+                <a:spcPts val="0"/>
+              </a:spcAft>
+              <a:buFont typeface="Arial" panose="020B0604020202020204" pitchFamily="34" charset="0"/>
+              <a:buChar char="•"/>
+            </a:pPr>
+            <a:r>
+              <a:rPr lang="en-US" sz="2200" dirty="0">
+                <a:latin typeface="Calibri" panose="020F0502020204030204" pitchFamily="34" charset="0"/>
+                <a:ea typeface="Calibri" panose="020F0502020204030204" pitchFamily="34" charset="0"/>
+                <a:cs typeface="Times New Roman" panose="02020603050405020304" pitchFamily="18" charset="0"/>
+              </a:rPr>
+              <a:t>Not all information for a specific country may not be available as some of the countries were not independent until 1990-1993</a:t>
+            </a:r>
+          </a:p>
+          <a:p>
+            <a:pPr marL="0" marR="0" lvl="0" indent="0">
+              <a:lnSpc>
+                <a:spcPct val="110000"/>
+              </a:lnSpc>
+              <a:spcBef>
+                <a:spcPts val="0"/>
+              </a:spcBef>
+              <a:spcAft>
+                <a:spcPts val="0"/>
+              </a:spcAft>
+              <a:buNone/>
+            </a:pPr>
+            <a:endParaRPr lang="en-CA" sz="2200" dirty="0">
+              <a:effectLst/>
+              <a:latin typeface="Calibri" panose="020F0502020204030204" pitchFamily="34" charset="0"/>
+              <a:ea typeface="Calibri" panose="020F0502020204030204" pitchFamily="34" charset="0"/>
+              <a:cs typeface="Times New Roman" panose="02020603050405020304" pitchFamily="18" charset="0"/>
+            </a:endParaRPr>
+          </a:p>
+          <a:p>
+            <a:pPr lvl="1">
+              <a:lnSpc>
+                <a:spcPct val="110000"/>
+              </a:lnSpc>
+              <a:spcBef>
+                <a:spcPts val="0"/>
+              </a:spcBef>
+              <a:spcAft>
+                <a:spcPts val="800"/>
+              </a:spcAft>
+              <a:buFont typeface="Arial" panose="020B0604020202020204" pitchFamily="34" charset="0"/>
+              <a:buChar char="•"/>
+            </a:pPr>
+            <a:r>
+              <a:rPr lang="en-CA" sz="2200" dirty="0">
+                <a:effectLst/>
+                <a:latin typeface="Calibri" panose="020F0502020204030204" pitchFamily="34" charset="0"/>
+                <a:ea typeface="Calibri" panose="020F0502020204030204" pitchFamily="34" charset="0"/>
+                <a:cs typeface="Times New Roman" panose="02020603050405020304" pitchFamily="18" charset="0"/>
+              </a:rPr>
+              <a:t>Formats of the Datasets</a:t>
+            </a:r>
+          </a:p>
+          <a:p>
+            <a:pPr marL="635508" lvl="1" indent="-342900">
+              <a:lnSpc>
+                <a:spcPct val="110000"/>
+              </a:lnSpc>
+              <a:spcBef>
+                <a:spcPts val="0"/>
+              </a:spcBef>
+              <a:spcAft>
+                <a:spcPts val="800"/>
+              </a:spcAft>
+              <a:buFont typeface="Wingdings" panose="05000000000000000000" pitchFamily="2" charset="2"/>
+              <a:buChar char="Ø"/>
+            </a:pPr>
+            <a:r>
+              <a:rPr lang="en-CA" sz="2100" dirty="0">
+                <a:latin typeface="Calibri" panose="020F0502020204030204" pitchFamily="34" charset="0"/>
+                <a:ea typeface="Calibri" panose="020F0502020204030204" pitchFamily="34" charset="0"/>
+                <a:cs typeface="Times New Roman" panose="02020603050405020304" pitchFamily="18" charset="0"/>
+              </a:rPr>
+              <a:t>Requires reformatting CSV files in proper rows and columns</a:t>
+            </a:r>
+          </a:p>
+          <a:p>
+            <a:pPr marL="635508" lvl="1" indent="-342900">
+              <a:lnSpc>
+                <a:spcPct val="110000"/>
+              </a:lnSpc>
+              <a:spcBef>
+                <a:spcPts val="0"/>
+              </a:spcBef>
+              <a:spcAft>
+                <a:spcPts val="800"/>
+              </a:spcAft>
+              <a:buFont typeface="Wingdings" panose="05000000000000000000" pitchFamily="2" charset="2"/>
+              <a:buChar char="Ø"/>
+            </a:pPr>
+            <a:r>
+              <a:rPr lang="en-CA" sz="2100" dirty="0">
+                <a:latin typeface="Calibri" panose="020F0502020204030204" pitchFamily="34" charset="0"/>
+                <a:ea typeface="Calibri" panose="020F0502020204030204" pitchFamily="34" charset="0"/>
+                <a:cs typeface="Times New Roman" panose="02020603050405020304" pitchFamily="18" charset="0"/>
+              </a:rPr>
+              <a:t>Merging data frames to determine trends and correlation</a:t>
+            </a:r>
+          </a:p>
+          <a:p>
+            <a:pPr marL="635508" lvl="1" indent="-342900">
+              <a:lnSpc>
+                <a:spcPct val="110000"/>
+              </a:lnSpc>
+              <a:spcBef>
+                <a:spcPts val="0"/>
+              </a:spcBef>
+              <a:spcAft>
+                <a:spcPts val="800"/>
+              </a:spcAft>
+              <a:buFont typeface="Wingdings" panose="05000000000000000000" pitchFamily="2" charset="2"/>
+              <a:buChar char="Ø"/>
+            </a:pPr>
+            <a:endParaRPr lang="en-CA" sz="2100" dirty="0">
+              <a:latin typeface="Calibri" panose="020F0502020204030204" pitchFamily="34" charset="0"/>
+              <a:ea typeface="Calibri" panose="020F0502020204030204" pitchFamily="34" charset="0"/>
+              <a:cs typeface="Times New Roman" panose="02020603050405020304" pitchFamily="18" charset="0"/>
+            </a:endParaRPr>
+          </a:p>
+          <a:p>
+            <a:pPr lvl="1">
+              <a:lnSpc>
+                <a:spcPct val="110000"/>
+              </a:lnSpc>
+              <a:spcBef>
+                <a:spcPts val="0"/>
+              </a:spcBef>
+              <a:spcAft>
+                <a:spcPts val="800"/>
+              </a:spcAft>
+              <a:buFont typeface="Arial" panose="020B0604020202020204" pitchFamily="34" charset="0"/>
+              <a:buChar char="•"/>
+            </a:pPr>
+            <a:r>
+              <a:rPr lang="en-CA" sz="2100" dirty="0">
+                <a:latin typeface="Calibri" panose="020F0502020204030204" pitchFamily="34" charset="0"/>
+                <a:ea typeface="Calibri" panose="020F0502020204030204" pitchFamily="34" charset="0"/>
+                <a:cs typeface="Times New Roman" panose="02020603050405020304" pitchFamily="18" charset="0"/>
+              </a:rPr>
+              <a:t>Complexity of API</a:t>
+            </a:r>
+          </a:p>
+          <a:p>
+            <a:pPr marL="635508" lvl="1" indent="-342900">
+              <a:lnSpc>
+                <a:spcPct val="110000"/>
+              </a:lnSpc>
+              <a:spcBef>
+                <a:spcPts val="0"/>
+              </a:spcBef>
+              <a:spcAft>
+                <a:spcPts val="800"/>
+              </a:spcAft>
+              <a:buFont typeface="Wingdings" panose="05000000000000000000" pitchFamily="2" charset="2"/>
+              <a:buChar char="Ø"/>
+            </a:pPr>
+            <a:r>
+              <a:rPr lang="en-US" sz="2100" dirty="0">
+                <a:latin typeface="Calibri" panose="020F0502020204030204" pitchFamily="34" charset="0"/>
+                <a:cs typeface="Times New Roman" panose="02020603050405020304" pitchFamily="18" charset="0"/>
+              </a:rPr>
+              <a:t>Data was hard to retrieve as the sugar content was deeply embedded</a:t>
+            </a:r>
+          </a:p>
+          <a:p>
+            <a:pPr marL="635508" lvl="1" indent="-342900">
+              <a:lnSpc>
+                <a:spcPct val="110000"/>
+              </a:lnSpc>
+              <a:spcBef>
+                <a:spcPts val="0"/>
+              </a:spcBef>
+              <a:spcAft>
+                <a:spcPts val="800"/>
+              </a:spcAft>
+              <a:buFont typeface="Wingdings" panose="05000000000000000000" pitchFamily="2" charset="2"/>
+              <a:buChar char="Ø"/>
+            </a:pPr>
+            <a:r>
+              <a:rPr lang="en-CA" sz="2100" dirty="0">
+                <a:latin typeface="Calibri" panose="020F0502020204030204" pitchFamily="34" charset="0"/>
+                <a:ea typeface="Calibri" panose="020F0502020204030204" pitchFamily="34" charset="0"/>
+                <a:cs typeface="Times New Roman" panose="02020603050405020304" pitchFamily="18" charset="0"/>
+              </a:rPr>
+              <a:t>Converting data types to conduct analysis</a:t>
+            </a:r>
+            <a:endParaRPr lang="en-US" sz="2100" dirty="0">
+              <a:latin typeface="Calibri" panose="020F0502020204030204" pitchFamily="34" charset="0"/>
+              <a:cs typeface="Times New Roman" panose="02020603050405020304" pitchFamily="18" charset="0"/>
+            </a:endParaRPr>
+          </a:p>
+          <a:p>
+            <a:pPr marL="635508" lvl="1" indent="-342900">
+              <a:lnSpc>
+                <a:spcPct val="110000"/>
+              </a:lnSpc>
+              <a:spcBef>
+                <a:spcPts val="0"/>
+              </a:spcBef>
+              <a:spcAft>
+                <a:spcPts val="800"/>
+              </a:spcAft>
+              <a:buFont typeface="Wingdings" panose="05000000000000000000" pitchFamily="2" charset="2"/>
+              <a:buChar char="Ø"/>
+            </a:pPr>
+            <a:endParaRPr lang="en-CA" dirty="0"/>
+          </a:p>
+        </p:txBody>
+      </p:sp>
       <p:pic>
         <p:nvPicPr>
-          <p:cNvPr id="5" name="Content Placeholder 4" descr="A picture containing shape&#10;&#10;Description automatically generated">
+          <p:cNvPr id="5" name="Picture 4" descr="A picture containing text, light&#10;&#10;Description automatically generated">
             <a:extLst>
               <a:ext uri="{FF2B5EF4-FFF2-40B4-BE49-F238E27FC236}">
-                <a16:creationId xmlns:a16="http://schemas.microsoft.com/office/drawing/2014/main" id="{772CD907-E1CA-4128-A28D-FCE1A2A8D004}"/>
+                <a16:creationId xmlns:a16="http://schemas.microsoft.com/office/drawing/2014/main" id="{C7403585-643A-4CD5-8120-2A09D1D480DF}"/>
               </a:ext>
             </a:extLst>
           </p:cNvPr>
           <p:cNvPicPr>
-            <a:picLocks noGrp="1" noChangeAspect="1"/>
+            <a:picLocks noChangeAspect="1"/>
           </p:cNvPicPr>
-          <p:nvPr>
-            <p:ph idx="1"/>
-          </p:nvPr>
+          <p:nvPr/>
         </p:nvPicPr>
-        <p:blipFill rotWithShape="1">
-          <a:blip r:embed="rId2">
+        <p:blipFill>
+          <a:blip r:embed="rId3">
             <a:extLst>
               <a:ext uri="{28A0092B-C50C-407E-A947-70E740481C1C}">
                 <a14:useLocalDpi xmlns:a14="http://schemas.microsoft.com/office/drawing/2010/main" val="0"/>
               </a:ext>
             </a:extLst>
           </a:blip>
-          <a:srcRect l="45315" r="4065" b="-2"/>
-          <a:stretch/>
+          <a:stretch>
+            <a:fillRect/>
+          </a:stretch>
         </p:blipFill>
         <p:spPr>
           <a:xfrm>
-            <a:off x="4635095" y="10"/>
-            <a:ext cx="7556889" cy="6857990"/>
+            <a:off x="0" y="0"/>
+            <a:ext cx="4768645" cy="6416795"/>
           </a:xfrm>
           <a:prstGeom prst="rect">
             <a:avLst/>
@@ -13154,12 +13789,12 @@
     </p:spTree>
     <p:extLst>
       <p:ext uri="{BB962C8B-B14F-4D97-AF65-F5344CB8AC3E}">
-        <p14:creationId xmlns:p14="http://schemas.microsoft.com/office/powerpoint/2010/main" val="3323730400"/>
+        <p14:creationId xmlns:p14="http://schemas.microsoft.com/office/powerpoint/2010/main" val="3829639878"/>
       </p:ext>
     </p:extLst>
   </p:cSld>
   <p:clrMapOvr>
-    <a:overrideClrMapping bg1="dk1" tx1="lt1" bg2="dk2" tx2="lt2" accent1="accent1" accent2="accent2" accent3="accent3" accent4="accent4" accent5="accent5" accent6="accent6" hlink="hlink" folHlink="folHlink"/>
+    <a:masterClrMapping/>
   </p:clrMapOvr>
 </p:sld>
 </file>
@@ -13189,12 +13824,12 @@
           <a:chExt cx="0" cy="0"/>
         </a:xfrm>
       </p:grpSpPr>
-      <p:sp useBgFill="1">
-        <p:nvSpPr>
-          <p:cNvPr id="56" name="Rectangle 55">
+      <p:sp>
+        <p:nvSpPr>
+          <p:cNvPr id="10" name="Rectangle 9">
             <a:extLst>
               <a:ext uri="{FF2B5EF4-FFF2-40B4-BE49-F238E27FC236}">
-                <a16:creationId xmlns:a16="http://schemas.microsoft.com/office/drawing/2014/main" id="{0AB6E427-3F73-4C06-A5D5-AE52C3883B50}"/>
+                <a16:creationId xmlns:a16="http://schemas.microsoft.com/office/drawing/2014/main" id="{39E3965E-AC41-4711-9D10-E25ABB132D86}"/>
               </a:ext>
               <a:ext uri="{C183D7F6-B498-43B3-948B-1728B52AA6E4}">
                 <adec:decorative xmlns:adec="http://schemas.microsoft.com/office/drawing/2017/decorative" val="1"/>
@@ -13214,68 +13849,8 @@
         </p:nvSpPr>
         <p:spPr>
           <a:xfrm>
-            <a:off x="5685" y="0"/>
-            <a:ext cx="12186315" cy="6858000"/>
-          </a:xfrm>
-          <a:prstGeom prst="rect">
-            <a:avLst/>
-          </a:prstGeom>
-          <a:ln>
-            <a:noFill/>
-          </a:ln>
-        </p:spPr>
-        <p:style>
-          <a:lnRef idx="2">
-            <a:schemeClr val="accent6">
-              <a:shade val="50000"/>
-            </a:schemeClr>
-          </a:lnRef>
-          <a:fillRef idx="1001">
-            <a:schemeClr val="lt1"/>
-          </a:fillRef>
-          <a:effectRef idx="0">
-            <a:schemeClr val="accent6"/>
-          </a:effectRef>
-          <a:fontRef idx="minor">
-            <a:schemeClr val="lt1"/>
-          </a:fontRef>
-        </p:style>
-        <p:txBody>
-          <a:bodyPr rtlCol="0" anchor="ctr"/>
-          <a:lstStyle/>
-          <a:p>
-            <a:pPr algn="ctr"/>
-            <a:endParaRPr lang="en-US"/>
-          </a:p>
-        </p:txBody>
-      </p:sp>
-      <p:sp>
-        <p:nvSpPr>
-          <p:cNvPr id="58" name="Rectangle 57">
-            <a:extLst>
-              <a:ext uri="{FF2B5EF4-FFF2-40B4-BE49-F238E27FC236}">
-                <a16:creationId xmlns:a16="http://schemas.microsoft.com/office/drawing/2014/main" id="{D8C9BDAA-0390-4B39-9B5C-BC95E5120DA4}"/>
-              </a:ext>
-              <a:ext uri="{C183D7F6-B498-43B3-948B-1728B52AA6E4}">
-                <adec:decorative xmlns:adec="http://schemas.microsoft.com/office/drawing/2017/decorative" val="1"/>
-              </a:ext>
-            </a:extLst>
-          </p:cNvPr>
-          <p:cNvSpPr>
-            <a:spLocks noGrp="1" noRot="1" noChangeAspect="1" noMove="1" noResize="1" noEditPoints="1" noAdjustHandles="1" noChangeArrowheads="1" noChangeShapeType="1" noTextEdit="1"/>
-          </p:cNvSpPr>
-          <p:nvPr>
-            <p:extLst>
-              <p:ext uri="{386F3935-93C4-4BCD-93E2-E3B085C9AB24}">
-                <p16:designElem xmlns:p16="http://schemas.microsoft.com/office/powerpoint/2015/main" val="1"/>
-              </p:ext>
-            </p:extLst>
-          </p:nvPr>
-        </p:nvSpPr>
-        <p:spPr>
-          <a:xfrm>
-            <a:off x="16" y="0"/>
-            <a:ext cx="4059919" cy="6858000"/>
+            <a:off x="3175" y="6400800"/>
+            <a:ext cx="12188825" cy="457200"/>
           </a:xfrm>
           <a:prstGeom prst="rect">
             <a:avLst/>
@@ -13304,80 +13879,12 @@
           </a:fontRef>
         </p:style>
       </p:sp>
-      <p:sp>
-        <p:nvSpPr>
-          <p:cNvPr id="2" name="Title 1">
-            <a:extLst>
-              <a:ext uri="{FF2B5EF4-FFF2-40B4-BE49-F238E27FC236}">
-                <a16:creationId xmlns:a16="http://schemas.microsoft.com/office/drawing/2014/main" id="{9C48BE68-3EC4-4686-A2A0-8A1E03C2580F}"/>
-              </a:ext>
-            </a:extLst>
-          </p:cNvPr>
-          <p:cNvSpPr>
-            <a:spLocks noGrp="1"/>
-          </p:cNvSpPr>
-          <p:nvPr>
-            <p:ph type="title"/>
-          </p:nvPr>
-        </p:nvSpPr>
-        <p:spPr>
-          <a:xfrm>
-            <a:off x="571752" y="950430"/>
-            <a:ext cx="3084844" cy="1961086"/>
-          </a:xfrm>
-        </p:spPr>
-        <p:txBody>
-          <a:bodyPr vert="horz" lIns="91440" tIns="45720" rIns="91440" bIns="45720" rtlCol="0">
-            <a:normAutofit fontScale="90000"/>
-          </a:bodyPr>
-          <a:lstStyle/>
-          <a:p>
-            <a:r>
-              <a:rPr lang="en-US" sz="2200" b="1" cap="all" spc="200" dirty="0">
-                <a:solidFill>
-                  <a:srgbClr val="FFFFFF"/>
-                </a:solidFill>
-              </a:rPr>
-              <a:t>What IS the average daily sugar intake and </a:t>
-            </a:r>
-            <a:r>
-              <a:rPr lang="en-US" sz="2200" cap="all" spc="200" dirty="0">
-                <a:solidFill>
-                  <a:srgbClr val="FFFFFF"/>
-                </a:solidFill>
-                <a:latin typeface="+mn-lt"/>
-              </a:rPr>
-              <a:t>which</a:t>
-            </a:r>
-            <a:r>
-              <a:rPr lang="en-US" sz="2200" b="1" cap="all" spc="200" dirty="0">
-                <a:solidFill>
-                  <a:srgbClr val="FFFFFF"/>
-                </a:solidFill>
-              </a:rPr>
-              <a:t> countries have the highest sugar consumption?</a:t>
-            </a:r>
-            <a:br>
-              <a:rPr lang="en-US" sz="1600" cap="all" spc="200" dirty="0">
-                <a:solidFill>
-                  <a:srgbClr val="FFFFFF"/>
-                </a:solidFill>
-              </a:rPr>
-            </a:br>
-            <a:endParaRPr lang="en-US" sz="4000" dirty="0">
-              <a:solidFill>
-                <a:srgbClr val="FFFFFF"/>
-              </a:solidFill>
-            </a:endParaRPr>
-          </a:p>
-        </p:txBody>
-      </p:sp>
       <p:cxnSp>
         <p:nvCxnSpPr>
-          <p:cNvPr id="60" name="Straight Connector 59">
+          <p:cNvPr id="12" name="Straight Connector 11">
             <a:extLst>
               <a:ext uri="{FF2B5EF4-FFF2-40B4-BE49-F238E27FC236}">
-                <a16:creationId xmlns:a16="http://schemas.microsoft.com/office/drawing/2014/main" id="{E04A321A-A039-4720-87B4-66A4210E0D57}"/>
+                <a16:creationId xmlns:a16="http://schemas.microsoft.com/office/drawing/2014/main" id="{1F5DC8C3-BA5F-4EED-BB9A-A14272BD82A1}"/>
               </a:ext>
               <a:ext uri="{C183D7F6-B498-43B3-948B-1728B52AA6E4}">
                 <adec:decorative xmlns:adec="http://schemas.microsoft.com/office/drawing/2017/decorative" val="1"/>
@@ -13397,15 +13904,18 @@
         </p:nvCxnSpPr>
         <p:spPr>
           <a:xfrm>
-            <a:off x="571752" y="2638787"/>
-            <a:ext cx="2743200" cy="0"/>
+            <a:off x="1207658" y="4474741"/>
+            <a:ext cx="9875520" cy="0"/>
           </a:xfrm>
           <a:prstGeom prst="line">
             <a:avLst/>
           </a:prstGeom>
-          <a:ln w="19050">
+          <a:ln w="12700">
             <a:solidFill>
-              <a:schemeClr val="accent1"/>
+              <a:schemeClr val="tx1">
+                <a:lumMod val="75000"/>
+                <a:lumOff val="25000"/>
+              </a:schemeClr>
             </a:solidFill>
           </a:ln>
         </p:spPr>
@@ -13426,189 +13936,177 @@
       </p:cxnSp>
       <p:sp>
         <p:nvSpPr>
-          <p:cNvPr id="3" name="Content Placeholder 2">
+          <p:cNvPr id="14" name="Rectangle 13">
             <a:extLst>
               <a:ext uri="{FF2B5EF4-FFF2-40B4-BE49-F238E27FC236}">
-                <a16:creationId xmlns:a16="http://schemas.microsoft.com/office/drawing/2014/main" id="{C990EB9B-20EF-41D2-BF3A-03ED63507C68}"/>
+                <a16:creationId xmlns:a16="http://schemas.microsoft.com/office/drawing/2014/main" id="{6482F060-A4AF-4E0B-B364-7C6BA4AE9C03}"/>
+              </a:ext>
+              <a:ext uri="{C183D7F6-B498-43B3-948B-1728B52AA6E4}">
+                <adec:decorative xmlns:adec="http://schemas.microsoft.com/office/drawing/2017/decorative" val="1"/>
               </a:ext>
             </a:extLst>
           </p:cNvPr>
           <p:cNvSpPr>
+            <a:spLocks noGrp="1" noRot="1" noChangeAspect="1" noMove="1" noResize="1" noEditPoints="1" noAdjustHandles="1" noChangeArrowheads="1" noChangeShapeType="1" noTextEdit="1"/>
+          </p:cNvSpPr>
+          <p:nvPr>
+            <p:extLst>
+              <p:ext uri="{386F3935-93C4-4BCD-93E2-E3B085C9AB24}">
+                <p16:designElem xmlns:p16="http://schemas.microsoft.com/office/powerpoint/2015/main" val="1"/>
+              </p:ext>
+            </p:extLst>
+          </p:nvPr>
+        </p:nvSpPr>
+        <p:spPr bwMode="white">
+          <a:xfrm>
+            <a:off x="-6220" y="0"/>
+            <a:ext cx="4641315" cy="6858000"/>
+          </a:xfrm>
+          <a:prstGeom prst="rect">
+            <a:avLst/>
+          </a:prstGeom>
+          <a:solidFill>
+            <a:srgbClr val="262626"/>
+          </a:solidFill>
+          <a:ln>
+            <a:noFill/>
+          </a:ln>
+        </p:spPr>
+        <p:style>
+          <a:lnRef idx="2">
+            <a:schemeClr val="accent1">
+              <a:shade val="50000"/>
+            </a:schemeClr>
+          </a:lnRef>
+          <a:fillRef idx="1">
+            <a:schemeClr val="accent1"/>
+          </a:fillRef>
+          <a:effectRef idx="0">
+            <a:schemeClr val="accent1"/>
+          </a:effectRef>
+          <a:fontRef idx="minor">
+            <a:schemeClr val="lt1"/>
+          </a:fontRef>
+        </p:style>
+      </p:sp>
+      <p:sp>
+        <p:nvSpPr>
+          <p:cNvPr id="2" name="Title 1">
+            <a:extLst>
+              <a:ext uri="{FF2B5EF4-FFF2-40B4-BE49-F238E27FC236}">
+                <a16:creationId xmlns:a16="http://schemas.microsoft.com/office/drawing/2014/main" id="{D394FF68-0CEC-423D-AF00-3E7A83639720}"/>
+              </a:ext>
+            </a:extLst>
+          </p:cNvPr>
+          <p:cNvSpPr>
             <a:spLocks noGrp="1"/>
           </p:cNvSpPr>
           <p:nvPr>
-            <p:ph idx="1"/>
-          </p:nvPr>
-        </p:nvSpPr>
-        <p:spPr>
-          <a:xfrm>
-            <a:off x="571752" y="2799654"/>
-            <a:ext cx="3005462" cy="3189665"/>
-          </a:xfrm>
-        </p:spPr>
-        <p:txBody>
-          <a:bodyPr vert="horz" lIns="91440" tIns="45720" rIns="91440" bIns="45720" rtlCol="0">
+            <p:ph type="title"/>
+          </p:nvPr>
+        </p:nvSpPr>
+        <p:spPr>
+          <a:xfrm>
+            <a:off x="484814" y="640080"/>
+            <a:ext cx="3659246" cy="2850319"/>
+          </a:xfrm>
+        </p:spPr>
+        <p:txBody>
+          <a:bodyPr vert="horz" lIns="91440" tIns="45720" rIns="91440" bIns="45720" rtlCol="0" anchor="b">
             <a:normAutofit/>
           </a:bodyPr>
           <a:lstStyle/>
           <a:p>
-            <a:pPr marL="0" indent="0">
-              <a:buNone/>
-            </a:pPr>
-            <a:r>
-              <a:rPr lang="en-US" sz="1600" b="1" cap="all" spc="200" dirty="0">
-                <a:solidFill>
-                  <a:srgbClr val="FFFFFF"/>
-                </a:solidFill>
-              </a:rPr>
-              <a:t>Results:</a:t>
-            </a:r>
-          </a:p>
-          <a:p>
-            <a:pPr marL="342900" indent="-342900">
-              <a:buAutoNum type="arabicParenR"/>
-            </a:pPr>
-            <a:r>
-              <a:rPr lang="en-US" cap="all" spc="200" dirty="0">
-                <a:solidFill>
-                  <a:srgbClr val="FFFFFF"/>
-                </a:solidFill>
-              </a:rPr>
-              <a:t>USA</a:t>
-            </a:r>
-          </a:p>
-          <a:p>
-            <a:pPr marL="342900" indent="-342900">
-              <a:buAutoNum type="arabicParenR"/>
-            </a:pPr>
-            <a:r>
-              <a:rPr lang="en-US" cap="all" spc="200" dirty="0">
-                <a:solidFill>
-                  <a:srgbClr val="FFFFFF"/>
-                </a:solidFill>
-              </a:rPr>
-              <a:t>Malta</a:t>
-            </a:r>
-          </a:p>
-          <a:p>
-            <a:pPr marL="342900" indent="-342900">
-              <a:buAutoNum type="arabicParenR"/>
-            </a:pPr>
-            <a:r>
-              <a:rPr lang="en-US" cap="all" spc="200" dirty="0">
-                <a:solidFill>
-                  <a:srgbClr val="FFFFFF"/>
-                </a:solidFill>
-              </a:rPr>
-              <a:t>Switzerland</a:t>
-            </a:r>
-          </a:p>
-        </p:txBody>
-      </p:sp>
-      <p:sp>
-        <p:nvSpPr>
-          <p:cNvPr id="4" name="TextBox 3">
+            <a:r>
+              <a:rPr lang="en-US" sz="5400"/>
+              <a:t>DATA ANALYSIS</a:t>
+            </a:r>
+          </a:p>
+        </p:txBody>
+      </p:sp>
+      <p:cxnSp>
+        <p:nvCxnSpPr>
+          <p:cNvPr id="16" name="Straight Connector 15">
             <a:extLst>
               <a:ext uri="{FF2B5EF4-FFF2-40B4-BE49-F238E27FC236}">
-                <a16:creationId xmlns:a16="http://schemas.microsoft.com/office/drawing/2014/main" id="{4C8AEAE0-D09B-4820-A7BB-98B57541C5FC}"/>
+                <a16:creationId xmlns:a16="http://schemas.microsoft.com/office/drawing/2014/main" id="{B9EB6DAA-2F0C-43D5-A577-15D5D2C4E3F5}"/>
+              </a:ext>
+              <a:ext uri="{C183D7F6-B498-43B3-948B-1728B52AA6E4}">
+                <adec:decorative xmlns:adec="http://schemas.microsoft.com/office/drawing/2017/decorative" val="1"/>
               </a:ext>
             </a:extLst>
           </p:cNvPr>
-          <p:cNvSpPr txBox="1"/>
-          <p:nvPr/>
-        </p:nvSpPr>
-        <p:spPr>
-          <a:xfrm>
-            <a:off x="4945001" y="4889887"/>
-            <a:ext cx="6202674" cy="1477328"/>
-          </a:xfrm>
-          <a:prstGeom prst="rect">
+          <p:cNvCxnSpPr>
+            <a:cxnSpLocks noGrp="1" noRot="1" noChangeAspect="1" noMove="1" noResize="1" noEditPoints="1" noAdjustHandles="1" noChangeArrowheads="1" noChangeShapeType="1"/>
+          </p:cNvCxnSpPr>
+          <p:nvPr>
+            <p:extLst>
+              <p:ext uri="{386F3935-93C4-4BCD-93E2-E3B085C9AB24}">
+                <p16:designElem xmlns:p16="http://schemas.microsoft.com/office/powerpoint/2015/main" val="1"/>
+              </p:ext>
+            </p:extLst>
+          </p:nvPr>
+        </p:nvCxnSpPr>
+        <p:spPr>
+          <a:xfrm>
+            <a:off x="622797" y="3651268"/>
+            <a:ext cx="3383280" cy="0"/>
+          </a:xfrm>
+          <a:prstGeom prst="line">
             <a:avLst/>
           </a:prstGeom>
-          <a:noFill/>
-        </p:spPr>
-        <p:txBody>
-          <a:bodyPr wrap="square" rtlCol="0">
-            <a:spAutoFit/>
-          </a:bodyPr>
-          <a:lstStyle/>
-          <a:p>
-            <a:pPr marL="342900" indent="-342900">
-              <a:buFont typeface="+mj-lt"/>
-              <a:buAutoNum type="arabicPeriod"/>
-            </a:pPr>
-            <a:r>
-              <a:rPr lang="en-US" sz="1200" dirty="0"/>
-              <a:t>Import Average Sugar Intake csv dataset in </a:t>
-            </a:r>
-            <a:r>
-              <a:rPr lang="en-US" sz="1200" dirty="0" err="1"/>
-              <a:t>Jupyter</a:t>
-            </a:r>
-            <a:r>
-              <a:rPr lang="en-US" sz="1200" dirty="0"/>
-              <a:t> Notebook and create a data frame.</a:t>
-            </a:r>
-          </a:p>
-          <a:p>
-            <a:pPr marL="342900" indent="-342900">
-              <a:buFont typeface="+mj-lt"/>
-              <a:buAutoNum type="arabicPeriod"/>
-            </a:pPr>
-            <a:r>
-              <a:rPr lang="en-US" sz="1200" dirty="0"/>
-              <a:t>Filter data to 3 years and sort by descending order for average gram to get countries with highest consumption.</a:t>
-            </a:r>
-          </a:p>
-          <a:p>
-            <a:pPr marL="342900" indent="-342900">
-              <a:buFont typeface="+mj-lt"/>
-              <a:buAutoNum type="arabicPeriod"/>
-            </a:pPr>
-            <a:r>
-              <a:rPr lang="en-US" sz="1200" dirty="0"/>
-              <a:t>Used Matplotlib method to get bar graphs of the countries with the highest consumption.</a:t>
-            </a:r>
-          </a:p>
-          <a:p>
-            <a:pPr marL="342900" indent="-342900">
-              <a:buFont typeface="+mj-lt"/>
-              <a:buAutoNum type="arabicPeriod"/>
-            </a:pPr>
-            <a:endParaRPr lang="en-CA" dirty="0"/>
-          </a:p>
-        </p:txBody>
-      </p:sp>
+          <a:ln w="19050">
+            <a:solidFill>
+              <a:schemeClr val="accent1"/>
+            </a:solidFill>
+          </a:ln>
+        </p:spPr>
+        <p:style>
+          <a:lnRef idx="1">
+            <a:schemeClr val="accent1"/>
+          </a:lnRef>
+          <a:fillRef idx="0">
+            <a:schemeClr val="accent1"/>
+          </a:fillRef>
+          <a:effectRef idx="0">
+            <a:schemeClr val="accent1"/>
+          </a:effectRef>
+          <a:fontRef idx="minor">
+            <a:schemeClr val="tx1"/>
+          </a:fontRef>
+        </p:style>
+      </p:cxnSp>
       <p:pic>
         <p:nvPicPr>
-          <p:cNvPr id="9" name="Picture 8" descr="Chart, bar chart&#10;&#10;Description automatically generated">
+          <p:cNvPr id="5" name="Content Placeholder 4" descr="A picture containing shape&#10;&#10;Description automatically generated">
             <a:extLst>
               <a:ext uri="{FF2B5EF4-FFF2-40B4-BE49-F238E27FC236}">
-                <a16:creationId xmlns:a16="http://schemas.microsoft.com/office/drawing/2014/main" id="{C224F34E-D32B-4456-A28C-5501784C2921}"/>
+                <a16:creationId xmlns:a16="http://schemas.microsoft.com/office/drawing/2014/main" id="{772CD907-E1CA-4128-A28D-FCE1A2A8D004}"/>
               </a:ext>
             </a:extLst>
           </p:cNvPr>
           <p:cNvPicPr>
-            <a:picLocks noChangeAspect="1"/>
+            <a:picLocks noGrp="1" noChangeAspect="1"/>
           </p:cNvPicPr>
-          <p:nvPr/>
+          <p:nvPr>
+            <p:ph idx="1"/>
+          </p:nvPr>
         </p:nvPicPr>
-        <p:blipFill>
-          <a:blip r:embed="rId3">
+        <p:blipFill rotWithShape="1">
+          <a:blip r:embed="rId2">
             <a:extLst>
               <a:ext uri="{28A0092B-C50C-407E-A947-70E740481C1C}">
                 <a14:useLocalDpi xmlns:a14="http://schemas.microsoft.com/office/drawing/2010/main" val="0"/>
               </a:ext>
             </a:extLst>
           </a:blip>
-          <a:stretch>
-            <a:fillRect/>
-          </a:stretch>
+          <a:srcRect l="45315" r="4065" b="-2"/>
+          <a:stretch/>
         </p:blipFill>
         <p:spPr>
           <a:xfrm>
-            <a:off x="4752219" y="442708"/>
-            <a:ext cx="6588238" cy="4392158"/>
+            <a:off x="4635095" y="10"/>
+            <a:ext cx="7556889" cy="6857990"/>
           </a:xfrm>
           <a:prstGeom prst="rect">
             <a:avLst/>
@@ -13618,12 +14116,12 @@
     </p:spTree>
     <p:extLst>
       <p:ext uri="{BB962C8B-B14F-4D97-AF65-F5344CB8AC3E}">
-        <p14:creationId xmlns:p14="http://schemas.microsoft.com/office/powerpoint/2010/main" val="2071876068"/>
+        <p14:creationId xmlns:p14="http://schemas.microsoft.com/office/powerpoint/2010/main" val="3323730400"/>
       </p:ext>
     </p:extLst>
   </p:cSld>
   <p:clrMapOvr>
-    <a:masterClrMapping/>
+    <a:overrideClrMapping bg1="dk1" tx1="lt1" bg2="dk2" tx2="lt2" accent1="accent1" accent2="accent2" accent3="accent3" accent4="accent4" accent5="accent5" accent6="accent6" hlink="hlink" folHlink="folHlink"/>
   </p:clrMapOvr>
 </p:sld>
 </file>
@@ -13655,7 +14153,7 @@
       </p:grpSpPr>
       <p:sp useBgFill="1">
         <p:nvSpPr>
-          <p:cNvPr id="59" name="Rectangle 58">
+          <p:cNvPr id="56" name="Rectangle 55">
             <a:extLst>
               <a:ext uri="{FF2B5EF4-FFF2-40B4-BE49-F238E27FC236}">
                 <a16:creationId xmlns:a16="http://schemas.microsoft.com/office/drawing/2014/main" id="{0AB6E427-3F73-4C06-A5D5-AE52C3883B50}"/>
@@ -13715,7 +14213,7 @@
       </p:sp>
       <p:sp>
         <p:nvSpPr>
-          <p:cNvPr id="61" name="Rectangle 60">
+          <p:cNvPr id="58" name="Rectangle 57">
             <a:extLst>
               <a:ext uri="{FF2B5EF4-FFF2-40B4-BE49-F238E27FC236}">
                 <a16:creationId xmlns:a16="http://schemas.microsoft.com/office/drawing/2014/main" id="{D8C9BDAA-0390-4B39-9B5C-BC95E5120DA4}"/>
@@ -13786,26 +14284,49 @@
         </p:nvSpPr>
         <p:spPr>
           <a:xfrm>
-            <a:off x="492370" y="516836"/>
-            <a:ext cx="3266830" cy="1961086"/>
-          </a:xfrm>
-        </p:spPr>
-        <p:txBody>
-          <a:bodyPr>
-            <a:normAutofit/>
+            <a:off x="571752" y="950430"/>
+            <a:ext cx="3084844" cy="1961086"/>
+          </a:xfrm>
+        </p:spPr>
+        <p:txBody>
+          <a:bodyPr vert="horz" lIns="91440" tIns="45720" rIns="91440" bIns="45720" rtlCol="0">
+            <a:normAutofit fontScale="90000"/>
           </a:bodyPr>
           <a:lstStyle/>
           <a:p>
-            <a:pPr algn="ctr"/>
-            <a:r>
-              <a:rPr lang="en-US" sz="2500" b="1" cap="all" spc="200" dirty="0">
+            <a:r>
+              <a:rPr lang="en-US" sz="2200" b="1" cap="all" spc="200" dirty="0">
                 <a:solidFill>
                   <a:srgbClr val="FFFFFF"/>
                 </a:solidFill>
               </a:rPr>
-              <a:t>HOW HAS THE AVERAGE SUGAR INTAKE CHANGED OVERTIME?</a:t>
-            </a:r>
-            <a:endParaRPr lang="en-CA" sz="2500" dirty="0">
+              <a:t>What IS the average daily sugar intake and </a:t>
+            </a:r>
+            <a:r>
+              <a:rPr lang="en-US" sz="2200" cap="all" spc="200" dirty="0">
+                <a:solidFill>
+                  <a:srgbClr val="FFFFFF"/>
+                </a:solidFill>
+                <a:latin typeface="+mn-lt"/>
+              </a:rPr>
+              <a:t>which</a:t>
+            </a:r>
+            <a:r>
+              <a:rPr lang="en-US" sz="2200" b="1" cap="all" spc="200" dirty="0">
+                <a:solidFill>
+                  <a:srgbClr val="FFFFFF"/>
+                </a:solidFill>
+              </a:rPr>
+              <a:t> countries have the highest sugar consumption?</a:t>
+            </a:r>
+            <a:br>
+              <a:rPr lang="en-US" sz="1600" cap="all" spc="200" dirty="0">
+                <a:solidFill>
+                  <a:srgbClr val="FFFFFF"/>
+                </a:solidFill>
+              </a:rPr>
+            </a:br>
+            <a:endParaRPr lang="en-US" sz="4000" dirty="0">
               <a:solidFill>
                 <a:srgbClr val="FFFFFF"/>
               </a:solidFill>
@@ -13815,7 +14336,7 @@
       </p:sp>
       <p:cxnSp>
         <p:nvCxnSpPr>
-          <p:cNvPr id="63" name="Straight Connector 62">
+          <p:cNvPr id="60" name="Straight Connector 59">
             <a:extLst>
               <a:ext uri="{FF2B5EF4-FFF2-40B4-BE49-F238E27FC236}">
                 <a16:creationId xmlns:a16="http://schemas.microsoft.com/office/drawing/2014/main" id="{E04A321A-A039-4720-87B4-66A4210E0D57}"/>
@@ -13888,7 +14409,7 @@
           </a:xfrm>
         </p:spPr>
         <p:txBody>
-          <a:bodyPr>
+          <a:bodyPr vert="horz" lIns="91440" tIns="45720" rIns="91440" bIns="45720" rtlCol="0">
             <a:normAutofit/>
           </a:bodyPr>
           <a:lstStyle/>
@@ -13897,27 +14418,135 @@
               <a:buNone/>
             </a:pPr>
             <a:r>
-              <a:rPr lang="en-US" dirty="0">
+              <a:rPr lang="en-US" sz="1600" b="1" cap="all" spc="200" dirty="0">
                 <a:solidFill>
                   <a:srgbClr val="FFFFFF"/>
                 </a:solidFill>
               </a:rPr>
-              <a:t>The trend shows an increase of sugar intake over the past 10 years. </a:t>
-            </a:r>
-            <a:endParaRPr lang="en-CA" dirty="0">
-              <a:solidFill>
-                <a:srgbClr val="FFFFFF"/>
-              </a:solidFill>
-            </a:endParaRPr>
+              <a:t>Results:</a:t>
+            </a:r>
+          </a:p>
+          <a:p>
+            <a:pPr marL="342900" indent="-342900">
+              <a:buAutoNum type="arabicParenR"/>
+            </a:pPr>
+            <a:r>
+              <a:rPr lang="en-US" cap="all" spc="200" dirty="0">
+                <a:solidFill>
+                  <a:srgbClr val="FFFFFF"/>
+                </a:solidFill>
+              </a:rPr>
+              <a:t>USA</a:t>
+            </a:r>
+          </a:p>
+          <a:p>
+            <a:pPr marL="342900" indent="-342900">
+              <a:buAutoNum type="arabicParenR"/>
+            </a:pPr>
+            <a:r>
+              <a:rPr lang="en-US" cap="all" spc="200" dirty="0">
+                <a:solidFill>
+                  <a:srgbClr val="FFFFFF"/>
+                </a:solidFill>
+              </a:rPr>
+              <a:t>Malta</a:t>
+            </a:r>
+          </a:p>
+          <a:p>
+            <a:pPr marL="342900" indent="-342900">
+              <a:buAutoNum type="arabicParenR"/>
+            </a:pPr>
+            <a:r>
+              <a:rPr lang="en-US" cap="all" spc="200" dirty="0">
+                <a:solidFill>
+                  <a:srgbClr val="FFFFFF"/>
+                </a:solidFill>
+              </a:rPr>
+              <a:t>Switzerland</a:t>
+            </a:r>
+          </a:p>
+        </p:txBody>
+      </p:sp>
+      <p:sp>
+        <p:nvSpPr>
+          <p:cNvPr id="4" name="TextBox 3">
+            <a:extLst>
+              <a:ext uri="{FF2B5EF4-FFF2-40B4-BE49-F238E27FC236}">
+                <a16:creationId xmlns:a16="http://schemas.microsoft.com/office/drawing/2014/main" id="{4C8AEAE0-D09B-4820-A7BB-98B57541C5FC}"/>
+              </a:ext>
+            </a:extLst>
+          </p:cNvPr>
+          <p:cNvSpPr txBox="1"/>
+          <p:nvPr/>
+        </p:nvSpPr>
+        <p:spPr>
+          <a:xfrm>
+            <a:off x="4945001" y="4889887"/>
+            <a:ext cx="6202674" cy="1477328"/>
+          </a:xfrm>
+          <a:prstGeom prst="rect">
+            <a:avLst/>
+          </a:prstGeom>
+          <a:noFill/>
+        </p:spPr>
+        <p:txBody>
+          <a:bodyPr wrap="square" rtlCol="0">
+            <a:spAutoFit/>
+          </a:bodyPr>
+          <a:lstStyle/>
+          <a:p>
+            <a:pPr marL="342900" indent="-342900">
+              <a:buFont typeface="+mj-lt"/>
+              <a:buAutoNum type="arabicPeriod"/>
+            </a:pPr>
+            <a:r>
+              <a:rPr lang="en-US" sz="1200" dirty="0"/>
+              <a:t>Import Average Sugar Intake csv dataset in </a:t>
+            </a:r>
+            <a:r>
+              <a:rPr lang="en-US" sz="1200" dirty="0" err="1"/>
+              <a:t>Jupyter</a:t>
+            </a:r>
+            <a:r>
+              <a:rPr lang="en-US" sz="1200" dirty="0"/>
+              <a:t> Notebook and create a data frame.</a:t>
+            </a:r>
+          </a:p>
+          <a:p>
+            <a:pPr marL="342900" indent="-342900">
+              <a:buFont typeface="+mj-lt"/>
+              <a:buAutoNum type="arabicPeriod"/>
+            </a:pPr>
+            <a:r>
+              <a:rPr lang="en-US" sz="1200" dirty="0"/>
+              <a:t>Filter data to 3 years and sort by descending order for average gram to get countries with highest consumption.</a:t>
+            </a:r>
+          </a:p>
+          <a:p>
+            <a:pPr marL="342900" indent="-342900">
+              <a:buFont typeface="+mj-lt"/>
+              <a:buAutoNum type="arabicPeriod"/>
+            </a:pPr>
+            <a:r>
+              <a:rPr lang="en-US" sz="1200" dirty="0"/>
+              <a:t>Used Matplotlib method to get bar graphs of the countries with the highest consumption.</a:t>
+            </a:r>
+          </a:p>
+          <a:p>
+            <a:pPr marL="342900" indent="-342900">
+              <a:buFont typeface="+mj-lt"/>
+              <a:buAutoNum type="arabicPeriod"/>
+            </a:pPr>
+            <a:endParaRPr lang="en-CA" dirty="0"/>
           </a:p>
         </p:txBody>
       </p:sp>
       <p:pic>
         <p:nvPicPr>
-          <p:cNvPr id="9" name="Picture 8" descr="Chart, line chart&#10;&#10;Description automatically generated">
+          <p:cNvPr id="9" name="Picture 8" descr="Chart, bar chart&#10;&#10;Description automatically generated">
             <a:extLst>
               <a:ext uri="{FF2B5EF4-FFF2-40B4-BE49-F238E27FC236}">
-                <a16:creationId xmlns:a16="http://schemas.microsoft.com/office/drawing/2014/main" id="{F1C01EE7-481C-407B-9B3A-05DA5D5D66BA}"/>
+                <a16:creationId xmlns:a16="http://schemas.microsoft.com/office/drawing/2014/main" id="{C224F34E-D32B-4456-A28C-5501784C2921}"/>
               </a:ext>
             </a:extLst>
           </p:cNvPr>
@@ -13940,101 +14569,18 @@
         </p:blipFill>
         <p:spPr>
           <a:xfrm>
-            <a:off x="4909908" y="356923"/>
-            <a:ext cx="7105687" cy="3872599"/>
+            <a:off x="4752219" y="442708"/>
+            <a:ext cx="6588238" cy="4392158"/>
           </a:xfrm>
           <a:prstGeom prst="rect">
             <a:avLst/>
           </a:prstGeom>
         </p:spPr>
       </p:pic>
-      <p:sp>
-        <p:nvSpPr>
-          <p:cNvPr id="4" name="TextBox 3">
-            <a:extLst>
-              <a:ext uri="{FF2B5EF4-FFF2-40B4-BE49-F238E27FC236}">
-                <a16:creationId xmlns:a16="http://schemas.microsoft.com/office/drawing/2014/main" id="{6C8A217D-F39F-43F2-A16A-6B149177EAB4}"/>
-              </a:ext>
-            </a:extLst>
-          </p:cNvPr>
-          <p:cNvSpPr txBox="1"/>
-          <p:nvPr/>
-        </p:nvSpPr>
-        <p:spPr>
-          <a:xfrm>
-            <a:off x="5024630" y="4534777"/>
-            <a:ext cx="6202674" cy="1446550"/>
-          </a:xfrm>
-          <a:prstGeom prst="rect">
-            <a:avLst/>
-          </a:prstGeom>
-          <a:noFill/>
-        </p:spPr>
-        <p:txBody>
-          <a:bodyPr wrap="square" rtlCol="0">
-            <a:spAutoFit/>
-          </a:bodyPr>
-          <a:lstStyle/>
-          <a:p>
-            <a:pPr marL="342900" indent="-342900">
-              <a:buFont typeface="+mj-lt"/>
-              <a:buAutoNum type="arabicPeriod"/>
-            </a:pPr>
-            <a:r>
-              <a:rPr lang="en-US" sz="1200" dirty="0"/>
-              <a:t>Import Average Sugar Intake csv dataset in </a:t>
-            </a:r>
-            <a:r>
-              <a:rPr lang="en-US" sz="1200" dirty="0" err="1"/>
-              <a:t>Jupyter</a:t>
-            </a:r>
-            <a:r>
-              <a:rPr lang="en-US" sz="1200" dirty="0"/>
-              <a:t> Notebook and create a data frame.</a:t>
-            </a:r>
-          </a:p>
-          <a:p>
-            <a:pPr marL="342900" indent="-342900">
-              <a:spcAft>
-                <a:spcPts val="600"/>
-              </a:spcAft>
-              <a:buFont typeface="+mj-lt"/>
-              <a:buAutoNum type="arabicPeriod"/>
-            </a:pPr>
-            <a:r>
-              <a:rPr lang="en-US" sz="1200" dirty="0"/>
-              <a:t>Filter data for 10 years and calculate the mean of sugar intake to get the Global Average</a:t>
-            </a:r>
-          </a:p>
-          <a:p>
-            <a:pPr marL="342900" indent="-342900">
-              <a:spcAft>
-                <a:spcPts val="600"/>
-              </a:spcAft>
-              <a:buFont typeface="+mj-lt"/>
-              <a:buAutoNum type="arabicPeriod"/>
-            </a:pPr>
-            <a:r>
-              <a:rPr lang="en-US" sz="1200" dirty="0"/>
-              <a:t>Used Matplotlib method to get a line graph to show the trend over the years.</a:t>
-            </a:r>
-          </a:p>
-          <a:p>
-            <a:pPr marL="342900" indent="-342900">
-              <a:spcAft>
-                <a:spcPts val="600"/>
-              </a:spcAft>
-              <a:buFont typeface="+mj-lt"/>
-              <a:buAutoNum type="arabicPeriod"/>
-            </a:pPr>
-            <a:endParaRPr lang="en-CA" dirty="0"/>
-          </a:p>
-        </p:txBody>
-      </p:sp>
     </p:spTree>
     <p:extLst>
       <p:ext uri="{BB962C8B-B14F-4D97-AF65-F5344CB8AC3E}">
-        <p14:creationId xmlns:p14="http://schemas.microsoft.com/office/powerpoint/2010/main" val="268587227"/>
+        <p14:creationId xmlns:p14="http://schemas.microsoft.com/office/powerpoint/2010/main" val="2071876068"/>
       </p:ext>
     </p:extLst>
   </p:cSld>
